--- a/eXT.pptx
+++ b/eXT.pptx
@@ -5,28 +5,31 @@
     <p:sldMasterId id="2147483708" r:id="rId1"/>
   </p:sldMasterIdLst>
   <p:notesMasterIdLst>
-    <p:notesMasterId r:id="rId21"/>
+    <p:notesMasterId r:id="rId24"/>
   </p:notesMasterIdLst>
   <p:sldIdLst>
     <p:sldId id="256" r:id="rId2"/>
     <p:sldId id="257" r:id="rId3"/>
-    <p:sldId id="258" r:id="rId4"/>
+    <p:sldId id="278" r:id="rId4"/>
     <p:sldId id="259" r:id="rId5"/>
     <p:sldId id="260" r:id="rId6"/>
     <p:sldId id="265" r:id="rId7"/>
     <p:sldId id="262" r:id="rId8"/>
-    <p:sldId id="263" r:id="rId9"/>
-    <p:sldId id="264" r:id="rId10"/>
-    <p:sldId id="266" r:id="rId11"/>
-    <p:sldId id="267" r:id="rId12"/>
-    <p:sldId id="268" r:id="rId13"/>
-    <p:sldId id="269" r:id="rId14"/>
-    <p:sldId id="270" r:id="rId15"/>
-    <p:sldId id="271" r:id="rId16"/>
-    <p:sldId id="273" r:id="rId17"/>
-    <p:sldId id="272" r:id="rId18"/>
-    <p:sldId id="274" r:id="rId19"/>
-    <p:sldId id="275" r:id="rId20"/>
+    <p:sldId id="258" r:id="rId9"/>
+    <p:sldId id="263" r:id="rId10"/>
+    <p:sldId id="264" r:id="rId11"/>
+    <p:sldId id="266" r:id="rId12"/>
+    <p:sldId id="276" r:id="rId13"/>
+    <p:sldId id="267" r:id="rId14"/>
+    <p:sldId id="277" r:id="rId15"/>
+    <p:sldId id="268" r:id="rId16"/>
+    <p:sldId id="270" r:id="rId17"/>
+    <p:sldId id="269" r:id="rId18"/>
+    <p:sldId id="271" r:id="rId19"/>
+    <p:sldId id="273" r:id="rId20"/>
+    <p:sldId id="272" r:id="rId21"/>
+    <p:sldId id="274" r:id="rId22"/>
+    <p:sldId id="275" r:id="rId23"/>
   </p:sldIdLst>
   <p:sldSz cx="12192000" cy="6858000"/>
   <p:notesSz cx="6858000" cy="9144000"/>
@@ -3435,27 +3438,28 @@
         </p:nvSpPr>
         <p:spPr>
           <a:xfrm>
-            <a:off x="1409700" y="628649"/>
-            <a:ext cx="9144000" cy="1281113"/>
+            <a:off x="1198880" y="772160"/>
+            <a:ext cx="9497060" cy="1198562"/>
           </a:xfrm>
         </p:spPr>
         <p:txBody>
-          <a:bodyPr/>
+          <a:bodyPr>
+            <a:normAutofit fontScale="90000"/>
+          </a:bodyPr>
           <a:lstStyle/>
           <a:p>
             <a:r>
-              <a:rPr kumimoji="1" lang="zh-CN" altLang="en-US" dirty="0" smtClean="0"/>
+              <a:rPr kumimoji="1" lang="zh-CN" altLang="en-US" dirty="0"/>
               <a:t>使用</a:t>
             </a:r>
             <a:r>
-              <a:rPr kumimoji="1" lang="en-US" altLang="zh-CN" dirty="0" smtClean="0"/>
+              <a:rPr kumimoji="1" lang="en-US" altLang="zh-CN" dirty="0"/>
               <a:t>Ext</a:t>
             </a:r>
             <a:r>
-              <a:rPr kumimoji="1" lang="zh-CN" altLang="en-US" dirty="0" smtClean="0"/>
-              <a:t>开发后台</a:t>
-            </a:r>
-            <a:endParaRPr kumimoji="1" lang="zh-CN" altLang="en-US" dirty="0"/>
+              <a:rPr kumimoji="1" lang="zh-CN" altLang="en-US" dirty="0"/>
+              <a:t>快速搭建管理后台界面</a:t>
+            </a:r>
           </a:p>
         </p:txBody>
       </p:sp>
@@ -3563,29 +3567,6 @@
           <a:chExt cx="0" cy="0"/>
         </a:xfrm>
       </p:grpSpPr>
-      <p:sp>
-        <p:nvSpPr>
-          <p:cNvPr id="2" name="标题 1"/>
-          <p:cNvSpPr>
-            <a:spLocks noGrp="1"/>
-          </p:cNvSpPr>
-          <p:nvPr>
-            <p:ph type="title"/>
-          </p:nvPr>
-        </p:nvSpPr>
-        <p:spPr/>
-        <p:txBody>
-          <a:bodyPr/>
-          <a:lstStyle/>
-          <a:p>
-            <a:r>
-              <a:rPr kumimoji="1" lang="zh-CN" altLang="en-US" dirty="0" smtClean="0"/>
-              <a:t>图片上传模块使用</a:t>
-            </a:r>
-            <a:endParaRPr kumimoji="1" lang="zh-CN" altLang="en-US" dirty="0"/>
-          </a:p>
-        </p:txBody>
-      </p:sp>
       <p:pic>
         <p:nvPicPr>
           <p:cNvPr id="4" name="内容占位符 3"/>
@@ -3610,15 +3591,218 @@
         </p:blipFill>
         <p:spPr>
           <a:xfrm>
-            <a:off x="2065480" y="1690688"/>
-            <a:ext cx="2818480" cy="4351338"/>
+            <a:off x="2627071" y="1343819"/>
+            <a:ext cx="5849991" cy="4351338"/>
           </a:xfrm>
         </p:spPr>
       </p:pic>
+      <p:sp>
+        <p:nvSpPr>
+          <p:cNvPr id="7" name="内容占位符 2"/>
+          <p:cNvSpPr txBox="1">
+            <a:spLocks/>
+          </p:cNvSpPr>
+          <p:nvPr/>
+        </p:nvSpPr>
+        <p:spPr>
+          <a:xfrm>
+            <a:off x="294267" y="573246"/>
+            <a:ext cx="10515600" cy="4063683"/>
+          </a:xfrm>
+          <a:prstGeom prst="rect">
+            <a:avLst/>
+          </a:prstGeom>
+        </p:spPr>
+        <p:txBody>
+          <a:bodyPr vert="horz" lIns="91440" tIns="45720" rIns="91440" bIns="45720" rtlCol="0">
+            <a:normAutofit/>
+          </a:bodyPr>
+          <a:lstStyle>
+            <a:lvl1pPr marL="228600" indent="-228600" algn="l" defTabSz="914400" rtl="0" eaLnBrk="1" latinLnBrk="0" hangingPunct="1">
+              <a:lnSpc>
+                <a:spcPct val="90000"/>
+              </a:lnSpc>
+              <a:spcBef>
+                <a:spcPts val="1000"/>
+              </a:spcBef>
+              <a:buFont typeface="Arial" panose="020B0604020202020204" pitchFamily="34" charset="0"/>
+              <a:buChar char="•"/>
+              <a:defRPr sz="2800" kern="1200">
+                <a:solidFill>
+                  <a:schemeClr val="tx1"/>
+                </a:solidFill>
+                <a:latin typeface="+mn-lt"/>
+                <a:ea typeface="+mn-ea"/>
+                <a:cs typeface="+mn-cs"/>
+              </a:defRPr>
+            </a:lvl1pPr>
+            <a:lvl2pPr marL="685800" indent="-228600" algn="l" defTabSz="914400" rtl="0" eaLnBrk="1" latinLnBrk="0" hangingPunct="1">
+              <a:lnSpc>
+                <a:spcPct val="90000"/>
+              </a:lnSpc>
+              <a:spcBef>
+                <a:spcPts val="500"/>
+              </a:spcBef>
+              <a:buFont typeface="Arial" panose="020B0604020202020204" pitchFamily="34" charset="0"/>
+              <a:buChar char="•"/>
+              <a:defRPr sz="2400" kern="1200">
+                <a:solidFill>
+                  <a:schemeClr val="tx1"/>
+                </a:solidFill>
+                <a:latin typeface="+mn-lt"/>
+                <a:ea typeface="+mn-ea"/>
+                <a:cs typeface="+mn-cs"/>
+              </a:defRPr>
+            </a:lvl2pPr>
+            <a:lvl3pPr marL="1143000" indent="-228600" algn="l" defTabSz="914400" rtl="0" eaLnBrk="1" latinLnBrk="0" hangingPunct="1">
+              <a:lnSpc>
+                <a:spcPct val="90000"/>
+              </a:lnSpc>
+              <a:spcBef>
+                <a:spcPts val="500"/>
+              </a:spcBef>
+              <a:buFont typeface="Arial" panose="020B0604020202020204" pitchFamily="34" charset="0"/>
+              <a:buChar char="•"/>
+              <a:defRPr sz="2000" kern="1200">
+                <a:solidFill>
+                  <a:schemeClr val="tx1"/>
+                </a:solidFill>
+                <a:latin typeface="+mn-lt"/>
+                <a:ea typeface="+mn-ea"/>
+                <a:cs typeface="+mn-cs"/>
+              </a:defRPr>
+            </a:lvl3pPr>
+            <a:lvl4pPr marL="1600200" indent="-228600" algn="l" defTabSz="914400" rtl="0" eaLnBrk="1" latinLnBrk="0" hangingPunct="1">
+              <a:lnSpc>
+                <a:spcPct val="90000"/>
+              </a:lnSpc>
+              <a:spcBef>
+                <a:spcPts val="500"/>
+              </a:spcBef>
+              <a:buFont typeface="Arial" panose="020B0604020202020204" pitchFamily="34" charset="0"/>
+              <a:buChar char="•"/>
+              <a:defRPr sz="1800" kern="1200">
+                <a:solidFill>
+                  <a:schemeClr val="tx1"/>
+                </a:solidFill>
+                <a:latin typeface="+mn-lt"/>
+                <a:ea typeface="+mn-ea"/>
+                <a:cs typeface="+mn-cs"/>
+              </a:defRPr>
+            </a:lvl4pPr>
+            <a:lvl5pPr marL="2057400" indent="-228600" algn="l" defTabSz="914400" rtl="0" eaLnBrk="1" latinLnBrk="0" hangingPunct="1">
+              <a:lnSpc>
+                <a:spcPct val="90000"/>
+              </a:lnSpc>
+              <a:spcBef>
+                <a:spcPts val="500"/>
+              </a:spcBef>
+              <a:buFont typeface="Arial" panose="020B0604020202020204" pitchFamily="34" charset="0"/>
+              <a:buChar char="•"/>
+              <a:defRPr sz="1800" kern="1200">
+                <a:solidFill>
+                  <a:schemeClr val="tx1"/>
+                </a:solidFill>
+                <a:latin typeface="+mn-lt"/>
+                <a:ea typeface="+mn-ea"/>
+                <a:cs typeface="+mn-cs"/>
+              </a:defRPr>
+            </a:lvl5pPr>
+            <a:lvl6pPr marL="2514600" indent="-228600" algn="l" defTabSz="914400" rtl="0" eaLnBrk="1" latinLnBrk="0" hangingPunct="1">
+              <a:lnSpc>
+                <a:spcPct val="90000"/>
+              </a:lnSpc>
+              <a:spcBef>
+                <a:spcPts val="500"/>
+              </a:spcBef>
+              <a:buFont typeface="Arial" panose="020B0604020202020204" pitchFamily="34" charset="0"/>
+              <a:buChar char="•"/>
+              <a:defRPr sz="1800" kern="1200">
+                <a:solidFill>
+                  <a:schemeClr val="tx1"/>
+                </a:solidFill>
+                <a:latin typeface="+mn-lt"/>
+                <a:ea typeface="+mn-ea"/>
+                <a:cs typeface="+mn-cs"/>
+              </a:defRPr>
+            </a:lvl6pPr>
+            <a:lvl7pPr marL="2971800" indent="-228600" algn="l" defTabSz="914400" rtl="0" eaLnBrk="1" latinLnBrk="0" hangingPunct="1">
+              <a:lnSpc>
+                <a:spcPct val="90000"/>
+              </a:lnSpc>
+              <a:spcBef>
+                <a:spcPts val="500"/>
+              </a:spcBef>
+              <a:buFont typeface="Arial" panose="020B0604020202020204" pitchFamily="34" charset="0"/>
+              <a:buChar char="•"/>
+              <a:defRPr sz="1800" kern="1200">
+                <a:solidFill>
+                  <a:schemeClr val="tx1"/>
+                </a:solidFill>
+                <a:latin typeface="+mn-lt"/>
+                <a:ea typeface="+mn-ea"/>
+                <a:cs typeface="+mn-cs"/>
+              </a:defRPr>
+            </a:lvl7pPr>
+            <a:lvl8pPr marL="3429000" indent="-228600" algn="l" defTabSz="914400" rtl="0" eaLnBrk="1" latinLnBrk="0" hangingPunct="1">
+              <a:lnSpc>
+                <a:spcPct val="90000"/>
+              </a:lnSpc>
+              <a:spcBef>
+                <a:spcPts val="500"/>
+              </a:spcBef>
+              <a:buFont typeface="Arial" panose="020B0604020202020204" pitchFamily="34" charset="0"/>
+              <a:buChar char="•"/>
+              <a:defRPr sz="1800" kern="1200">
+                <a:solidFill>
+                  <a:schemeClr val="tx1"/>
+                </a:solidFill>
+                <a:latin typeface="+mn-lt"/>
+                <a:ea typeface="+mn-ea"/>
+                <a:cs typeface="+mn-cs"/>
+              </a:defRPr>
+            </a:lvl8pPr>
+            <a:lvl9pPr marL="3886200" indent="-228600" algn="l" defTabSz="914400" rtl="0" eaLnBrk="1" latinLnBrk="0" hangingPunct="1">
+              <a:lnSpc>
+                <a:spcPct val="90000"/>
+              </a:lnSpc>
+              <a:spcBef>
+                <a:spcPts val="500"/>
+              </a:spcBef>
+              <a:buFont typeface="Arial" panose="020B0604020202020204" pitchFamily="34" charset="0"/>
+              <a:buChar char="•"/>
+              <a:defRPr sz="1800" kern="1200">
+                <a:solidFill>
+                  <a:schemeClr val="tx1"/>
+                </a:solidFill>
+                <a:latin typeface="+mn-lt"/>
+                <a:ea typeface="+mn-ea"/>
+                <a:cs typeface="+mn-cs"/>
+              </a:defRPr>
+            </a:lvl9pPr>
+          </a:lstStyle>
+          <a:p>
+            <a:pPr lvl="1"/>
+            <a:r>
+              <a:rPr kumimoji="1" lang="zh-CN" altLang="en-US" sz="2800" dirty="0" smtClean="0">
+                <a:solidFill>
+                  <a:schemeClr val="accent6"/>
+                </a:solidFill>
+              </a:rPr>
+              <a:t>步骤二：</a:t>
+            </a:r>
+            <a:r>
+              <a:rPr kumimoji="1" lang="zh-CN" altLang="en-US" sz="2800" dirty="0" smtClean="0"/>
+              <a:t>添加图片上传模块中的对其它组件的引用</a:t>
+            </a:r>
+            <a:endParaRPr kumimoji="1" lang="en-US" altLang="zh-CN" sz="2800" dirty="0" smtClean="0"/>
+          </a:p>
+        </p:txBody>
+      </p:sp>
     </p:spTree>
     <p:extLst>
       <p:ext uri="{BB962C8B-B14F-4D97-AF65-F5344CB8AC3E}">
-        <p14:creationId xmlns:p14="http://schemas.microsoft.com/office/powerpoint/2010/main" val="432487301"/>
+        <p14:creationId xmlns:p14="http://schemas.microsoft.com/office/powerpoint/2010/main" val="2005577729"/>
       </p:ext>
     </p:extLst>
   </p:cSld>
@@ -3652,248 +3836,9 @@
           <a:chExt cx="0" cy="0"/>
         </a:xfrm>
       </p:grpSpPr>
-      <p:sp>
-        <p:nvSpPr>
-          <p:cNvPr id="2" name="标题 1"/>
-          <p:cNvSpPr>
-            <a:spLocks noGrp="1"/>
-          </p:cNvSpPr>
-          <p:nvPr>
-            <p:ph type="title"/>
-          </p:nvPr>
-        </p:nvSpPr>
-        <p:spPr/>
-        <p:txBody>
-          <a:bodyPr/>
-          <a:lstStyle/>
-          <a:p>
-            <a:r>
-              <a:rPr kumimoji="1" lang="en-US" altLang="zh-CN" dirty="0" smtClean="0"/>
-              <a:t>2</a:t>
-            </a:r>
-            <a:r>
-              <a:rPr kumimoji="1" lang="zh-CN" altLang="en-US" dirty="0" smtClean="0"/>
-              <a:t>使用</a:t>
-            </a:r>
-            <a:r>
-              <a:rPr kumimoji="1" lang="en-US" altLang="zh-CN" dirty="0" smtClean="0"/>
-              <a:t>Promise</a:t>
-            </a:r>
-            <a:r>
-              <a:rPr kumimoji="1" lang="zh-CN" altLang="en-US" dirty="0" smtClean="0"/>
-              <a:t>与代理模式处理连续同步请求</a:t>
-            </a:r>
-            <a:endParaRPr kumimoji="1" lang="zh-CN" altLang="en-US" dirty="0"/>
-          </a:p>
-        </p:txBody>
-      </p:sp>
-      <p:sp>
-        <p:nvSpPr>
-          <p:cNvPr id="3" name="内容占位符 2"/>
-          <p:cNvSpPr>
-            <a:spLocks noGrp="1"/>
-          </p:cNvSpPr>
-          <p:nvPr>
-            <p:ph idx="1"/>
-          </p:nvPr>
-        </p:nvSpPr>
-        <p:spPr/>
-        <p:txBody>
-          <a:bodyPr/>
-          <a:lstStyle/>
-          <a:p>
-            <a:pPr marL="0" marR="0" lvl="0" indent="0" defTabSz="914400" eaLnBrk="1" fontAlgn="auto" latinLnBrk="0" hangingPunct="1">
-              <a:lnSpc>
-                <a:spcPct val="100000"/>
-              </a:lnSpc>
-              <a:spcBef>
-                <a:spcPts val="0"/>
-              </a:spcBef>
-              <a:spcAft>
-                <a:spcPts val="0"/>
-              </a:spcAft>
-              <a:buClrTx/>
-              <a:buSzTx/>
-              <a:buFontTx/>
-              <a:buNone/>
-              <a:tabLst/>
-              <a:defRPr/>
-            </a:pPr>
-            <a:r>
-              <a:rPr kumimoji="1" lang="zh-CN" altLang="en-US" dirty="0" smtClean="0"/>
-              <a:t>普通回调写法：</a:t>
-            </a:r>
-            <a:endParaRPr kumimoji="1" lang="en-US" altLang="zh-CN" dirty="0" smtClean="0"/>
-          </a:p>
-          <a:p>
-            <a:pPr marL="0" marR="0" lvl="0" indent="0" defTabSz="914400" eaLnBrk="1" fontAlgn="auto" latinLnBrk="0" hangingPunct="1">
-              <a:lnSpc>
-                <a:spcPct val="100000"/>
-              </a:lnSpc>
-              <a:spcBef>
-                <a:spcPts val="0"/>
-              </a:spcBef>
-              <a:spcAft>
-                <a:spcPts val="0"/>
-              </a:spcAft>
-              <a:buClrTx/>
-              <a:buSzTx/>
-              <a:buFontTx/>
-              <a:buNone/>
-              <a:tabLst/>
-              <a:defRPr/>
-            </a:pPr>
-            <a:endParaRPr kumimoji="1" lang="en-US" altLang="zh-CN" dirty="0" smtClean="0"/>
-          </a:p>
-          <a:p>
-            <a:pPr marL="0" marR="0" lvl="0" indent="0" defTabSz="914400" eaLnBrk="1" fontAlgn="auto" latinLnBrk="0" hangingPunct="1">
-              <a:lnSpc>
-                <a:spcPct val="100000"/>
-              </a:lnSpc>
-              <a:spcBef>
-                <a:spcPts val="0"/>
-              </a:spcBef>
-              <a:spcAft>
-                <a:spcPts val="0"/>
-              </a:spcAft>
-              <a:buClrTx/>
-              <a:buSzTx/>
-              <a:buFontTx/>
-              <a:buNone/>
-              <a:tabLst/>
-              <a:defRPr/>
-            </a:pPr>
-            <a:r>
-              <a:rPr kumimoji="1" lang="zh-CN" altLang="en-US" dirty="0" smtClean="0"/>
-              <a:t>如果用这种方法</a:t>
-            </a:r>
-            <a:endParaRPr kumimoji="1" lang="en-US" altLang="zh-CN" dirty="0" smtClean="0"/>
-          </a:p>
-          <a:p>
-            <a:pPr marL="0" marR="0" lvl="0" indent="0" defTabSz="914400" eaLnBrk="1" fontAlgn="auto" latinLnBrk="0" hangingPunct="1">
-              <a:lnSpc>
-                <a:spcPct val="100000"/>
-              </a:lnSpc>
-              <a:spcBef>
-                <a:spcPts val="0"/>
-              </a:spcBef>
-              <a:spcAft>
-                <a:spcPts val="0"/>
-              </a:spcAft>
-              <a:buClrTx/>
-              <a:buSzTx/>
-              <a:buFontTx/>
-              <a:buNone/>
-              <a:tabLst/>
-              <a:defRPr/>
-            </a:pPr>
-            <a:r>
-              <a:rPr kumimoji="1" lang="zh-CN" altLang="en-US" dirty="0" smtClean="0"/>
-              <a:t>实现多个连续且</a:t>
-            </a:r>
-            <a:endParaRPr kumimoji="1" lang="en-US" altLang="zh-CN" dirty="0" smtClean="0"/>
-          </a:p>
-          <a:p>
-            <a:pPr marL="0" marR="0" lvl="0" indent="0" defTabSz="914400" eaLnBrk="1" fontAlgn="auto" latinLnBrk="0" hangingPunct="1">
-              <a:lnSpc>
-                <a:spcPct val="100000"/>
-              </a:lnSpc>
-              <a:spcBef>
-                <a:spcPts val="0"/>
-              </a:spcBef>
-              <a:spcAft>
-                <a:spcPts val="0"/>
-              </a:spcAft>
-              <a:buClrTx/>
-              <a:buSzTx/>
-              <a:buFontTx/>
-              <a:buNone/>
-              <a:tabLst/>
-              <a:defRPr/>
-            </a:pPr>
-            <a:r>
-              <a:rPr kumimoji="1" lang="zh-CN" altLang="en-US" dirty="0" smtClean="0"/>
-              <a:t>有依赖的请求</a:t>
-            </a:r>
-            <a:endParaRPr kumimoji="1" lang="en-US" altLang="zh-CN" dirty="0" smtClean="0"/>
-          </a:p>
-          <a:p>
-            <a:pPr marL="0" marR="0" lvl="0" indent="0" defTabSz="914400" eaLnBrk="1" fontAlgn="auto" latinLnBrk="0" hangingPunct="1">
-              <a:lnSpc>
-                <a:spcPct val="100000"/>
-              </a:lnSpc>
-              <a:spcBef>
-                <a:spcPts val="0"/>
-              </a:spcBef>
-              <a:spcAft>
-                <a:spcPts val="0"/>
-              </a:spcAft>
-              <a:buClrTx/>
-              <a:buSzTx/>
-              <a:buFontTx/>
-              <a:buNone/>
-              <a:tabLst/>
-              <a:defRPr/>
-            </a:pPr>
-            <a:r>
-              <a:rPr kumimoji="1" lang="zh-CN" altLang="en-US" dirty="0" smtClean="0"/>
-              <a:t>回调函数将嵌套</a:t>
-            </a:r>
-            <a:endParaRPr kumimoji="1" lang="en-US" altLang="zh-CN" dirty="0" smtClean="0"/>
-          </a:p>
-          <a:p>
-            <a:pPr marL="0" marR="0" lvl="0" indent="0" defTabSz="914400" eaLnBrk="1" fontAlgn="auto" latinLnBrk="0" hangingPunct="1">
-              <a:lnSpc>
-                <a:spcPct val="100000"/>
-              </a:lnSpc>
-              <a:spcBef>
-                <a:spcPts val="0"/>
-              </a:spcBef>
-              <a:spcAft>
-                <a:spcPts val="0"/>
-              </a:spcAft>
-              <a:buClrTx/>
-              <a:buSzTx/>
-              <a:buFontTx/>
-              <a:buNone/>
-              <a:tabLst/>
-              <a:defRPr/>
-            </a:pPr>
-            <a:r>
-              <a:rPr kumimoji="1" lang="zh-CN" altLang="en-US" dirty="0" smtClean="0"/>
-              <a:t>很多层，可读性</a:t>
-            </a:r>
-            <a:endParaRPr kumimoji="1" lang="en-US" altLang="zh-CN" dirty="0" smtClean="0"/>
-          </a:p>
-          <a:p>
-            <a:pPr marL="0" marR="0" lvl="0" indent="0" defTabSz="914400" eaLnBrk="1" fontAlgn="auto" latinLnBrk="0" hangingPunct="1">
-              <a:lnSpc>
-                <a:spcPct val="100000"/>
-              </a:lnSpc>
-              <a:spcBef>
-                <a:spcPts val="0"/>
-              </a:spcBef>
-              <a:spcAft>
-                <a:spcPts val="0"/>
-              </a:spcAft>
-              <a:buClrTx/>
-              <a:buSzTx/>
-              <a:buFontTx/>
-              <a:buNone/>
-              <a:tabLst/>
-              <a:defRPr/>
-            </a:pPr>
-            <a:r>
-              <a:rPr kumimoji="1" lang="zh-CN" altLang="en-US" dirty="0" smtClean="0"/>
-              <a:t>很差，维护困难</a:t>
-            </a:r>
-            <a:endParaRPr kumimoji="1" lang="zh-CN" altLang="en-US" dirty="0"/>
-          </a:p>
-        </p:txBody>
-      </p:sp>
       <p:pic>
         <p:nvPicPr>
-          <p:cNvPr id="4" name="图片 3"/>
+          <p:cNvPr id="8" name="图片 7"/>
           <p:cNvPicPr>
             <a:picLocks noChangeAspect="1"/>
           </p:cNvPicPr>
@@ -3913,8 +3858,317 @@
         </p:blipFill>
         <p:spPr>
           <a:xfrm>
-            <a:off x="3533140" y="1829276"/>
-            <a:ext cx="6572268" cy="4482624"/>
+            <a:off x="4770120" y="1172449"/>
+            <a:ext cx="3314700" cy="1828800"/>
+          </a:xfrm>
+          <a:prstGeom prst="rect">
+            <a:avLst/>
+          </a:prstGeom>
+        </p:spPr>
+      </p:pic>
+      <p:sp>
+        <p:nvSpPr>
+          <p:cNvPr id="9" name="内容占位符 2"/>
+          <p:cNvSpPr txBox="1">
+            <a:spLocks/>
+          </p:cNvSpPr>
+          <p:nvPr/>
+        </p:nvSpPr>
+        <p:spPr>
+          <a:xfrm>
+            <a:off x="314587" y="654685"/>
+            <a:ext cx="10515600" cy="4063683"/>
+          </a:xfrm>
+          <a:prstGeom prst="rect">
+            <a:avLst/>
+          </a:prstGeom>
+        </p:spPr>
+        <p:txBody>
+          <a:bodyPr vert="horz" lIns="91440" tIns="45720" rIns="91440" bIns="45720" rtlCol="0">
+            <a:normAutofit lnSpcReduction="10000"/>
+          </a:bodyPr>
+          <a:lstStyle>
+            <a:lvl1pPr marL="228600" indent="-228600" algn="l" defTabSz="914400" rtl="0" eaLnBrk="1" latinLnBrk="0" hangingPunct="1">
+              <a:lnSpc>
+                <a:spcPct val="90000"/>
+              </a:lnSpc>
+              <a:spcBef>
+                <a:spcPts val="1000"/>
+              </a:spcBef>
+              <a:buFont typeface="Arial" panose="020B0604020202020204" pitchFamily="34" charset="0"/>
+              <a:buChar char="•"/>
+              <a:defRPr sz="2800" kern="1200">
+                <a:solidFill>
+                  <a:schemeClr val="tx1"/>
+                </a:solidFill>
+                <a:latin typeface="+mn-lt"/>
+                <a:ea typeface="+mn-ea"/>
+                <a:cs typeface="+mn-cs"/>
+              </a:defRPr>
+            </a:lvl1pPr>
+            <a:lvl2pPr marL="685800" indent="-228600" algn="l" defTabSz="914400" rtl="0" eaLnBrk="1" latinLnBrk="0" hangingPunct="1">
+              <a:lnSpc>
+                <a:spcPct val="90000"/>
+              </a:lnSpc>
+              <a:spcBef>
+                <a:spcPts val="500"/>
+              </a:spcBef>
+              <a:buFont typeface="Arial" panose="020B0604020202020204" pitchFamily="34" charset="0"/>
+              <a:buChar char="•"/>
+              <a:defRPr sz="2400" kern="1200">
+                <a:solidFill>
+                  <a:schemeClr val="tx1"/>
+                </a:solidFill>
+                <a:latin typeface="+mn-lt"/>
+                <a:ea typeface="+mn-ea"/>
+                <a:cs typeface="+mn-cs"/>
+              </a:defRPr>
+            </a:lvl2pPr>
+            <a:lvl3pPr marL="1143000" indent="-228600" algn="l" defTabSz="914400" rtl="0" eaLnBrk="1" latinLnBrk="0" hangingPunct="1">
+              <a:lnSpc>
+                <a:spcPct val="90000"/>
+              </a:lnSpc>
+              <a:spcBef>
+                <a:spcPts val="500"/>
+              </a:spcBef>
+              <a:buFont typeface="Arial" panose="020B0604020202020204" pitchFamily="34" charset="0"/>
+              <a:buChar char="•"/>
+              <a:defRPr sz="2000" kern="1200">
+                <a:solidFill>
+                  <a:schemeClr val="tx1"/>
+                </a:solidFill>
+                <a:latin typeface="+mn-lt"/>
+                <a:ea typeface="+mn-ea"/>
+                <a:cs typeface="+mn-cs"/>
+              </a:defRPr>
+            </a:lvl3pPr>
+            <a:lvl4pPr marL="1600200" indent="-228600" algn="l" defTabSz="914400" rtl="0" eaLnBrk="1" latinLnBrk="0" hangingPunct="1">
+              <a:lnSpc>
+                <a:spcPct val="90000"/>
+              </a:lnSpc>
+              <a:spcBef>
+                <a:spcPts val="500"/>
+              </a:spcBef>
+              <a:buFont typeface="Arial" panose="020B0604020202020204" pitchFamily="34" charset="0"/>
+              <a:buChar char="•"/>
+              <a:defRPr sz="1800" kern="1200">
+                <a:solidFill>
+                  <a:schemeClr val="tx1"/>
+                </a:solidFill>
+                <a:latin typeface="+mn-lt"/>
+                <a:ea typeface="+mn-ea"/>
+                <a:cs typeface="+mn-cs"/>
+              </a:defRPr>
+            </a:lvl4pPr>
+            <a:lvl5pPr marL="2057400" indent="-228600" algn="l" defTabSz="914400" rtl="0" eaLnBrk="1" latinLnBrk="0" hangingPunct="1">
+              <a:lnSpc>
+                <a:spcPct val="90000"/>
+              </a:lnSpc>
+              <a:spcBef>
+                <a:spcPts val="500"/>
+              </a:spcBef>
+              <a:buFont typeface="Arial" panose="020B0604020202020204" pitchFamily="34" charset="0"/>
+              <a:buChar char="•"/>
+              <a:defRPr sz="1800" kern="1200">
+                <a:solidFill>
+                  <a:schemeClr val="tx1"/>
+                </a:solidFill>
+                <a:latin typeface="+mn-lt"/>
+                <a:ea typeface="+mn-ea"/>
+                <a:cs typeface="+mn-cs"/>
+              </a:defRPr>
+            </a:lvl5pPr>
+            <a:lvl6pPr marL="2514600" indent="-228600" algn="l" defTabSz="914400" rtl="0" eaLnBrk="1" latinLnBrk="0" hangingPunct="1">
+              <a:lnSpc>
+                <a:spcPct val="90000"/>
+              </a:lnSpc>
+              <a:spcBef>
+                <a:spcPts val="500"/>
+              </a:spcBef>
+              <a:buFont typeface="Arial" panose="020B0604020202020204" pitchFamily="34" charset="0"/>
+              <a:buChar char="•"/>
+              <a:defRPr sz="1800" kern="1200">
+                <a:solidFill>
+                  <a:schemeClr val="tx1"/>
+                </a:solidFill>
+                <a:latin typeface="+mn-lt"/>
+                <a:ea typeface="+mn-ea"/>
+                <a:cs typeface="+mn-cs"/>
+              </a:defRPr>
+            </a:lvl6pPr>
+            <a:lvl7pPr marL="2971800" indent="-228600" algn="l" defTabSz="914400" rtl="0" eaLnBrk="1" latinLnBrk="0" hangingPunct="1">
+              <a:lnSpc>
+                <a:spcPct val="90000"/>
+              </a:lnSpc>
+              <a:spcBef>
+                <a:spcPts val="500"/>
+              </a:spcBef>
+              <a:buFont typeface="Arial" panose="020B0604020202020204" pitchFamily="34" charset="0"/>
+              <a:buChar char="•"/>
+              <a:defRPr sz="1800" kern="1200">
+                <a:solidFill>
+                  <a:schemeClr val="tx1"/>
+                </a:solidFill>
+                <a:latin typeface="+mn-lt"/>
+                <a:ea typeface="+mn-ea"/>
+                <a:cs typeface="+mn-cs"/>
+              </a:defRPr>
+            </a:lvl7pPr>
+            <a:lvl8pPr marL="3429000" indent="-228600" algn="l" defTabSz="914400" rtl="0" eaLnBrk="1" latinLnBrk="0" hangingPunct="1">
+              <a:lnSpc>
+                <a:spcPct val="90000"/>
+              </a:lnSpc>
+              <a:spcBef>
+                <a:spcPts val="500"/>
+              </a:spcBef>
+              <a:buFont typeface="Arial" panose="020B0604020202020204" pitchFamily="34" charset="0"/>
+              <a:buChar char="•"/>
+              <a:defRPr sz="1800" kern="1200">
+                <a:solidFill>
+                  <a:schemeClr val="tx1"/>
+                </a:solidFill>
+                <a:latin typeface="+mn-lt"/>
+                <a:ea typeface="+mn-ea"/>
+                <a:cs typeface="+mn-cs"/>
+              </a:defRPr>
+            </a:lvl8pPr>
+            <a:lvl9pPr marL="3886200" indent="-228600" algn="l" defTabSz="914400" rtl="0" eaLnBrk="1" latinLnBrk="0" hangingPunct="1">
+              <a:lnSpc>
+                <a:spcPct val="90000"/>
+              </a:lnSpc>
+              <a:spcBef>
+                <a:spcPts val="500"/>
+              </a:spcBef>
+              <a:buFont typeface="Arial" panose="020B0604020202020204" pitchFamily="34" charset="0"/>
+              <a:buChar char="•"/>
+              <a:defRPr sz="1800" kern="1200">
+                <a:solidFill>
+                  <a:schemeClr val="tx1"/>
+                </a:solidFill>
+                <a:latin typeface="+mn-lt"/>
+                <a:ea typeface="+mn-ea"/>
+                <a:cs typeface="+mn-cs"/>
+              </a:defRPr>
+            </a:lvl9pPr>
+          </a:lstStyle>
+          <a:p>
+            <a:pPr lvl="1"/>
+            <a:r>
+              <a:rPr kumimoji="1" lang="zh-CN" altLang="en-US" sz="2800" dirty="0" smtClean="0">
+                <a:solidFill>
+                  <a:schemeClr val="accent6"/>
+                </a:solidFill>
+              </a:rPr>
+              <a:t>步骤三：</a:t>
+            </a:r>
+            <a:r>
+              <a:rPr kumimoji="1" lang="zh-CN" altLang="en-US" sz="2800" dirty="0" smtClean="0"/>
+              <a:t>让图片上传类支持被其它类以</a:t>
+            </a:r>
+            <a:r>
+              <a:rPr kumimoji="1" lang="en-US" altLang="zh-CN" sz="2800" dirty="0" smtClean="0"/>
+              <a:t>MIXIN</a:t>
+            </a:r>
+            <a:r>
+              <a:rPr kumimoji="1" lang="zh-CN" altLang="en-US" sz="2800" dirty="0" smtClean="0"/>
+              <a:t>形式引用，添加</a:t>
+            </a:r>
+            <a:r>
+              <a:rPr kumimoji="1" lang="en-US" altLang="zh-CN" sz="2800" dirty="0" err="1" smtClean="0"/>
+              <a:t>config</a:t>
+            </a:r>
+            <a:r>
+              <a:rPr kumimoji="1" lang="zh-CN" altLang="en-US" sz="2800" dirty="0" smtClean="0"/>
+              <a:t>与</a:t>
+            </a:r>
+            <a:r>
+              <a:rPr kumimoji="1" lang="en-US" altLang="zh-CN" sz="2800" dirty="0" err="1" smtClean="0"/>
+              <a:t>applyConfig</a:t>
+            </a:r>
+            <a:endParaRPr kumimoji="1" lang="en-US" altLang="zh-CN" sz="2800" dirty="0" smtClean="0"/>
+          </a:p>
+          <a:p>
+            <a:pPr lvl="1"/>
+            <a:endParaRPr kumimoji="1" lang="en-US" altLang="zh-CN" sz="2800" dirty="0" smtClean="0"/>
+          </a:p>
+          <a:p>
+            <a:pPr lvl="2"/>
+            <a:r>
+              <a:rPr kumimoji="1" lang="zh-CN" altLang="en-US" sz="2800" dirty="0" smtClean="0"/>
+              <a:t>添加</a:t>
+            </a:r>
+            <a:r>
+              <a:rPr kumimoji="1" lang="en-US" altLang="zh-CN" sz="2800" dirty="0" err="1" smtClean="0"/>
+              <a:t>config</a:t>
+            </a:r>
+            <a:r>
+              <a:rPr kumimoji="1" lang="zh-CN" altLang="en-US" sz="2800" dirty="0" smtClean="0"/>
+              <a:t>：</a:t>
+            </a:r>
+            <a:endParaRPr kumimoji="1" lang="en-US" altLang="zh-CN" sz="2800" dirty="0" smtClean="0"/>
+          </a:p>
+          <a:p>
+            <a:pPr lvl="2"/>
+            <a:endParaRPr kumimoji="1" lang="en-US" altLang="zh-CN" sz="2800" dirty="0"/>
+          </a:p>
+          <a:p>
+            <a:pPr lvl="2"/>
+            <a:endParaRPr kumimoji="1" lang="en-US" altLang="zh-CN" sz="2800" dirty="0" smtClean="0"/>
+          </a:p>
+          <a:p>
+            <a:pPr lvl="2"/>
+            <a:endParaRPr kumimoji="1" lang="en-US" altLang="zh-CN" sz="2800" dirty="0"/>
+          </a:p>
+          <a:p>
+            <a:pPr lvl="2"/>
+            <a:endParaRPr kumimoji="1" lang="en-US" altLang="zh-CN" sz="2800" dirty="0" smtClean="0"/>
+          </a:p>
+          <a:p>
+            <a:pPr lvl="2"/>
+            <a:endParaRPr kumimoji="1" lang="en-US" altLang="zh-CN" sz="2800" dirty="0"/>
+          </a:p>
+          <a:p>
+            <a:pPr lvl="2"/>
+            <a:r>
+              <a:rPr kumimoji="1" lang="zh-CN" altLang="en-US" sz="2800" dirty="0" smtClean="0"/>
+              <a:t>添加对应</a:t>
+            </a:r>
+            <a:r>
+              <a:rPr kumimoji="1" lang="en-US" altLang="zh-CN" sz="2800" dirty="0" err="1" smtClean="0"/>
+              <a:t>config</a:t>
+            </a:r>
+            <a:r>
+              <a:rPr kumimoji="1" lang="zh-CN" altLang="en-US" sz="2800" dirty="0" smtClean="0"/>
+              <a:t>的行为函数</a:t>
+            </a:r>
+            <a:endParaRPr kumimoji="1" lang="en-US" altLang="zh-CN" sz="2800" dirty="0" smtClean="0"/>
+          </a:p>
+        </p:txBody>
+      </p:sp>
+      <p:pic>
+        <p:nvPicPr>
+          <p:cNvPr id="11" name="图片 10"/>
+          <p:cNvPicPr>
+            <a:picLocks noChangeAspect="1"/>
+          </p:cNvPicPr>
+          <p:nvPr/>
+        </p:nvPicPr>
+        <p:blipFill>
+          <a:blip r:embed="rId3">
+            <a:extLst>
+              <a:ext uri="{28A0092B-C50C-407E-A947-70E740481C1C}">
+                <a14:useLocalDpi xmlns:a14="http://schemas.microsoft.com/office/drawing/2010/main" val="0"/>
+              </a:ext>
+            </a:extLst>
+          </a:blip>
+          <a:stretch>
+            <a:fillRect/>
+          </a:stretch>
+        </p:blipFill>
+        <p:spPr>
+          <a:xfrm>
+            <a:off x="5867400" y="3316130"/>
+            <a:ext cx="5130800" cy="3378200"/>
           </a:xfrm>
           <a:prstGeom prst="rect">
             <a:avLst/>
@@ -3924,7 +4178,7 @@
     </p:spTree>
     <p:extLst>
       <p:ext uri="{BB962C8B-B14F-4D97-AF65-F5344CB8AC3E}">
-        <p14:creationId xmlns:p14="http://schemas.microsoft.com/office/powerpoint/2010/main" val="1282322228"/>
+        <p14:creationId xmlns:p14="http://schemas.microsoft.com/office/powerpoint/2010/main" val="432487301"/>
       </p:ext>
     </p:extLst>
   </p:cSld>
@@ -3970,7 +4224,7 @@
         </p:nvSpPr>
         <p:spPr>
           <a:xfrm>
-            <a:off x="736600" y="708025"/>
+            <a:off x="838200" y="708025"/>
             <a:ext cx="10515600" cy="4351338"/>
           </a:xfrm>
         </p:spPr>
@@ -3979,74 +4233,40 @@
           <a:lstStyle/>
           <a:p>
             <a:r>
+              <a:rPr kumimoji="1" lang="zh-CN" altLang="en-US" dirty="0" smtClean="0">
+                <a:solidFill>
+                  <a:schemeClr val="accent6"/>
+                </a:solidFill>
+              </a:rPr>
+              <a:t>步骤四：</a:t>
+            </a:r>
+            <a:r>
+              <a:rPr kumimoji="1" lang="zh-CN" altLang="en-US" dirty="0" smtClean="0"/>
+              <a:t>在其它类中对</a:t>
+            </a:r>
+            <a:r>
+              <a:rPr kumimoji="1" lang="en-US" altLang="zh-CN" dirty="0" err="1" smtClean="0"/>
+              <a:t>imageUploader</a:t>
+            </a:r>
+            <a:r>
+              <a:rPr kumimoji="1" lang="zh-CN" altLang="en-US" dirty="0" smtClean="0"/>
+              <a:t>进行</a:t>
+            </a:r>
+            <a:r>
               <a:rPr kumimoji="1" lang="en-US" altLang="zh-CN" dirty="0" smtClean="0"/>
-              <a:t>promise</a:t>
-            </a:r>
-            <a:r>
-              <a:rPr kumimoji="1" lang="zh-CN" altLang="en-US" dirty="0" smtClean="0"/>
-              <a:t>的写法</a:t>
-            </a:r>
-            <a:endParaRPr kumimoji="1" lang="en-US" altLang="zh-CN" dirty="0" smtClean="0"/>
-          </a:p>
-          <a:p>
-            <a:pPr lvl="1"/>
-            <a:endParaRPr kumimoji="1" lang="en-US" altLang="zh-CN" dirty="0" smtClean="0"/>
-          </a:p>
-          <a:p>
-            <a:pPr lvl="1"/>
-            <a:r>
-              <a:rPr kumimoji="1" lang="zh-CN" altLang="en-US" dirty="0" smtClean="0"/>
-              <a:t>构建</a:t>
-            </a:r>
-            <a:r>
-              <a:rPr kumimoji="1" lang="en-US" altLang="zh-CN" dirty="0" smtClean="0"/>
-              <a:t>promise</a:t>
-            </a:r>
-          </a:p>
-          <a:p>
-            <a:pPr lvl="1"/>
-            <a:endParaRPr kumimoji="1" lang="en-US" altLang="zh-CN" dirty="0"/>
-          </a:p>
-          <a:p>
-            <a:pPr lvl="1"/>
-            <a:endParaRPr kumimoji="1" lang="en-US" altLang="zh-CN" dirty="0" smtClean="0"/>
-          </a:p>
-          <a:p>
-            <a:pPr lvl="1"/>
-            <a:r>
-              <a:rPr kumimoji="1" lang="zh-CN" altLang="en-US" dirty="0" smtClean="0"/>
-              <a:t>使用</a:t>
-            </a:r>
-            <a:r>
-              <a:rPr kumimoji="1" lang="en-US" altLang="zh-CN" dirty="0" smtClean="0"/>
-              <a:t>promise</a:t>
-            </a:r>
-          </a:p>
-          <a:p>
-            <a:pPr lvl="1"/>
-            <a:endParaRPr kumimoji="1" lang="en-US" altLang="zh-CN" dirty="0"/>
-          </a:p>
-          <a:p>
-            <a:pPr lvl="1"/>
-            <a:endParaRPr kumimoji="1" lang="en-US" altLang="zh-CN" dirty="0" smtClean="0"/>
-          </a:p>
-          <a:p>
-            <a:pPr lvl="1"/>
-            <a:r>
-              <a:rPr kumimoji="1" lang="zh-CN" altLang="en-US" dirty="0" smtClean="0"/>
-              <a:t>链式调用</a:t>
-            </a:r>
-            <a:endParaRPr kumimoji="1" lang="en-US" altLang="zh-CN" dirty="0" smtClean="0"/>
-          </a:p>
-          <a:p>
-            <a:pPr lvl="1"/>
+              <a:t>MIXIN</a:t>
+            </a:r>
+            <a:r>
+              <a:rPr kumimoji="1" lang="zh-CN" altLang="en-US" dirty="0" smtClean="0"/>
+              <a:t>引用</a:t>
+            </a:r>
             <a:endParaRPr kumimoji="1" lang="zh-CN" altLang="en-US" dirty="0"/>
           </a:p>
         </p:txBody>
       </p:sp>
       <p:pic>
         <p:nvPicPr>
-          <p:cNvPr id="5" name="图片 4"/>
+          <p:cNvPr id="5" name="内容占位符 3"/>
           <p:cNvPicPr>
             <a:picLocks noChangeAspect="1"/>
           </p:cNvPicPr>
@@ -4066,68 +4286,8 @@
         </p:blipFill>
         <p:spPr>
           <a:xfrm>
-            <a:off x="3215640" y="1658660"/>
-            <a:ext cx="4089400" cy="749300"/>
-          </a:xfrm>
-          <a:prstGeom prst="rect">
-            <a:avLst/>
-          </a:prstGeom>
-        </p:spPr>
-      </p:pic>
-      <p:pic>
-        <p:nvPicPr>
-          <p:cNvPr id="7" name="图片 6"/>
-          <p:cNvPicPr>
-            <a:picLocks noChangeAspect="1"/>
-          </p:cNvPicPr>
-          <p:nvPr/>
-        </p:nvPicPr>
-        <p:blipFill>
-          <a:blip r:embed="rId3">
-            <a:extLst>
-              <a:ext uri="{28A0092B-C50C-407E-A947-70E740481C1C}">
-                <a14:useLocalDpi xmlns:a14="http://schemas.microsoft.com/office/drawing/2010/main" val="0"/>
-              </a:ext>
-            </a:extLst>
-          </a:blip>
-          <a:stretch>
-            <a:fillRect/>
-          </a:stretch>
-        </p:blipFill>
-        <p:spPr>
-          <a:xfrm>
-            <a:off x="3215640" y="2811225"/>
-            <a:ext cx="4178300" cy="1054100"/>
-          </a:xfrm>
-          <a:prstGeom prst="rect">
-            <a:avLst/>
-          </a:prstGeom>
-        </p:spPr>
-      </p:pic>
-      <p:pic>
-        <p:nvPicPr>
-          <p:cNvPr id="8" name="图片 7"/>
-          <p:cNvPicPr>
-            <a:picLocks noChangeAspect="1"/>
-          </p:cNvPicPr>
-          <p:nvPr/>
-        </p:nvPicPr>
-        <p:blipFill>
-          <a:blip r:embed="rId4">
-            <a:extLst>
-              <a:ext uri="{28A0092B-C50C-407E-A947-70E740481C1C}">
-                <a14:useLocalDpi xmlns:a14="http://schemas.microsoft.com/office/drawing/2010/main" val="0"/>
-              </a:ext>
-            </a:extLst>
-          </a:blip>
-          <a:stretch>
-            <a:fillRect/>
-          </a:stretch>
-        </p:blipFill>
-        <p:spPr>
-          <a:xfrm>
-            <a:off x="3215640" y="3971173"/>
-            <a:ext cx="4279900" cy="1574800"/>
+            <a:off x="4151280" y="1446689"/>
+            <a:ext cx="2818480" cy="4351338"/>
           </a:xfrm>
           <a:prstGeom prst="rect">
             <a:avLst/>
@@ -4137,7 +4297,7 @@
     </p:spTree>
     <p:extLst>
       <p:ext uri="{BB962C8B-B14F-4D97-AF65-F5344CB8AC3E}">
-        <p14:creationId xmlns:p14="http://schemas.microsoft.com/office/powerpoint/2010/main" val="749220818"/>
+        <p14:creationId xmlns:p14="http://schemas.microsoft.com/office/powerpoint/2010/main" val="110138338"/>
       </p:ext>
     </p:extLst>
   </p:cSld>
@@ -4173,6 +4333,782 @@
       </p:grpSpPr>
       <p:sp>
         <p:nvSpPr>
+          <p:cNvPr id="2" name="标题 1"/>
+          <p:cNvSpPr>
+            <a:spLocks noGrp="1"/>
+          </p:cNvSpPr>
+          <p:nvPr>
+            <p:ph type="title"/>
+          </p:nvPr>
+        </p:nvSpPr>
+        <p:spPr/>
+        <p:txBody>
+          <a:bodyPr/>
+          <a:lstStyle/>
+          <a:p>
+            <a:r>
+              <a:rPr kumimoji="1" lang="zh-CN" altLang="en-US" dirty="0" smtClean="0"/>
+              <a:t>实战</a:t>
+            </a:r>
+            <a:r>
+              <a:rPr kumimoji="1" lang="en-US" altLang="zh-CN" dirty="0" smtClean="0"/>
+              <a:t>2</a:t>
+            </a:r>
+            <a:r>
+              <a:rPr kumimoji="1" lang="zh-CN" altLang="en-US" dirty="0" smtClean="0"/>
+              <a:t>，使用</a:t>
+            </a:r>
+            <a:r>
+              <a:rPr kumimoji="1" lang="en-US" altLang="zh-CN" dirty="0" smtClean="0"/>
+              <a:t>Promise</a:t>
+            </a:r>
+            <a:r>
+              <a:rPr kumimoji="1" lang="zh-CN" altLang="en-US" dirty="0" smtClean="0"/>
+              <a:t>与代理模式处理连续同步请求</a:t>
+            </a:r>
+            <a:endParaRPr kumimoji="1" lang="zh-CN" altLang="en-US" dirty="0"/>
+          </a:p>
+        </p:txBody>
+      </p:sp>
+      <p:sp>
+        <p:nvSpPr>
+          <p:cNvPr id="3" name="内容占位符 2"/>
+          <p:cNvSpPr>
+            <a:spLocks noGrp="1"/>
+          </p:cNvSpPr>
+          <p:nvPr>
+            <p:ph idx="1"/>
+          </p:nvPr>
+        </p:nvSpPr>
+        <p:spPr/>
+        <p:txBody>
+          <a:bodyPr/>
+          <a:lstStyle/>
+          <a:p>
+            <a:pPr marL="0" lvl="0" indent="0">
+              <a:lnSpc>
+                <a:spcPct val="100000"/>
+              </a:lnSpc>
+              <a:spcBef>
+                <a:spcPts val="0"/>
+              </a:spcBef>
+              <a:buNone/>
+            </a:pPr>
+            <a:r>
+              <a:rPr kumimoji="1" lang="zh-CN" altLang="en-US" dirty="0" smtClean="0">
+                <a:solidFill>
+                  <a:schemeClr val="accent6"/>
+                </a:solidFill>
+              </a:rPr>
+              <a:t>普通回调写法：</a:t>
+            </a:r>
+            <a:r>
+              <a:rPr kumimoji="1" lang="zh-CN" altLang="en-US" dirty="0" smtClean="0"/>
+              <a:t>实现</a:t>
+            </a:r>
+            <a:r>
+              <a:rPr kumimoji="1" lang="zh-CN" altLang="en-US" dirty="0"/>
+              <a:t>多个连续</a:t>
+            </a:r>
+            <a:r>
+              <a:rPr kumimoji="1" lang="zh-CN" altLang="en-US" dirty="0" smtClean="0"/>
+              <a:t>且</a:t>
+            </a:r>
+            <a:r>
+              <a:rPr kumimoji="1" lang="zh-CN" altLang="en-US" dirty="0"/>
+              <a:t>有依赖的</a:t>
+            </a:r>
+            <a:r>
+              <a:rPr kumimoji="1" lang="zh-CN" altLang="en-US" dirty="0" smtClean="0"/>
+              <a:t>请求</a:t>
+            </a:r>
+            <a:r>
+              <a:rPr kumimoji="1" lang="zh-CN" altLang="en-US" dirty="0"/>
+              <a:t>回调函数将</a:t>
+            </a:r>
+            <a:r>
+              <a:rPr kumimoji="1" lang="zh-CN" altLang="en-US" dirty="0" smtClean="0"/>
+              <a:t>嵌套</a:t>
+            </a:r>
+            <a:r>
+              <a:rPr kumimoji="1" lang="zh-CN" altLang="en-US" dirty="0"/>
+              <a:t>很多层，可</a:t>
+            </a:r>
+            <a:r>
+              <a:rPr kumimoji="1" lang="zh-CN" altLang="en-US" dirty="0" smtClean="0"/>
+              <a:t>读性</a:t>
+            </a:r>
+            <a:r>
+              <a:rPr kumimoji="1" lang="zh-CN" altLang="en-US" dirty="0"/>
+              <a:t>很差，维护</a:t>
+            </a:r>
+            <a:r>
+              <a:rPr kumimoji="1" lang="zh-CN" altLang="en-US" dirty="0" smtClean="0"/>
+              <a:t>困难</a:t>
+            </a:r>
+            <a:endParaRPr kumimoji="1" lang="en-US" altLang="zh-CN" dirty="0" smtClean="0"/>
+          </a:p>
+          <a:p>
+            <a:pPr marL="0" lvl="0" indent="0">
+              <a:lnSpc>
+                <a:spcPct val="100000"/>
+              </a:lnSpc>
+              <a:spcBef>
+                <a:spcPts val="0"/>
+              </a:spcBef>
+              <a:buNone/>
+            </a:pPr>
+            <a:endParaRPr kumimoji="1" lang="en-US" altLang="zh-CN" dirty="0"/>
+          </a:p>
+          <a:p>
+            <a:pPr marL="0" lvl="0" indent="0">
+              <a:lnSpc>
+                <a:spcPct val="100000"/>
+              </a:lnSpc>
+              <a:spcBef>
+                <a:spcPts val="0"/>
+              </a:spcBef>
+              <a:buNone/>
+            </a:pPr>
+            <a:r>
+              <a:rPr kumimoji="1" lang="zh-CN" altLang="en-US" dirty="0" smtClean="0">
+                <a:solidFill>
+                  <a:schemeClr val="accent6"/>
+                </a:solidFill>
+              </a:rPr>
+              <a:t>反面教材：</a:t>
+            </a:r>
+            <a:r>
+              <a:rPr kumimoji="1" lang="zh-CN" altLang="en-US" dirty="0" smtClean="0"/>
+              <a:t>如下图红色部分，为每个</a:t>
+            </a:r>
+            <a:r>
+              <a:rPr kumimoji="1" lang="en-US" altLang="zh-CN" dirty="0" err="1" smtClean="0"/>
+              <a:t>ajax</a:t>
+            </a:r>
+            <a:r>
+              <a:rPr kumimoji="1" lang="zh-CN" altLang="en-US" dirty="0" smtClean="0"/>
+              <a:t>的回调函数，多个调用依次进行之后，每次回调函数都与下一个请求的回调函数形成了嵌套（如图红色部分），代码变的非常难读懂，读懂了之后也会非常郁闷。</a:t>
+            </a:r>
+            <a:endParaRPr kumimoji="1" lang="en-US" altLang="zh-CN" dirty="0"/>
+          </a:p>
+          <a:p>
+            <a:pPr marL="0" lvl="0" indent="0">
+              <a:lnSpc>
+                <a:spcPct val="100000"/>
+              </a:lnSpc>
+              <a:spcBef>
+                <a:spcPts val="0"/>
+              </a:spcBef>
+              <a:buNone/>
+            </a:pPr>
+            <a:endParaRPr kumimoji="1" lang="en-US" altLang="zh-CN" dirty="0"/>
+          </a:p>
+          <a:p>
+            <a:pPr marL="0" indent="0">
+              <a:lnSpc>
+                <a:spcPct val="100000"/>
+              </a:lnSpc>
+              <a:spcBef>
+                <a:spcPts val="0"/>
+              </a:spcBef>
+              <a:buNone/>
+            </a:pPr>
+            <a:endParaRPr kumimoji="1" lang="en-US" altLang="zh-CN" dirty="0"/>
+          </a:p>
+          <a:p>
+            <a:pPr marL="0" lvl="0" indent="0">
+              <a:lnSpc>
+                <a:spcPct val="100000"/>
+              </a:lnSpc>
+              <a:spcBef>
+                <a:spcPts val="0"/>
+              </a:spcBef>
+              <a:buNone/>
+            </a:pPr>
+            <a:endParaRPr kumimoji="1" lang="en-US" altLang="zh-CN" dirty="0"/>
+          </a:p>
+          <a:p>
+            <a:pPr marL="0" indent="0">
+              <a:lnSpc>
+                <a:spcPct val="100000"/>
+              </a:lnSpc>
+              <a:spcBef>
+                <a:spcPts val="0"/>
+              </a:spcBef>
+              <a:buNone/>
+            </a:pPr>
+            <a:endParaRPr kumimoji="1" lang="en-US" altLang="zh-CN" dirty="0"/>
+          </a:p>
+          <a:p>
+            <a:pPr marL="0" marR="0" lvl="0" indent="0" defTabSz="914400" eaLnBrk="1" fontAlgn="auto" latinLnBrk="0" hangingPunct="1">
+              <a:lnSpc>
+                <a:spcPct val="100000"/>
+              </a:lnSpc>
+              <a:spcBef>
+                <a:spcPts val="0"/>
+              </a:spcBef>
+              <a:spcAft>
+                <a:spcPts val="0"/>
+              </a:spcAft>
+              <a:buClrTx/>
+              <a:buSzTx/>
+              <a:buFontTx/>
+              <a:buNone/>
+              <a:tabLst/>
+              <a:defRPr/>
+            </a:pPr>
+            <a:endParaRPr kumimoji="1" lang="en-US" altLang="zh-CN" dirty="0" smtClean="0"/>
+          </a:p>
+          <a:p>
+            <a:pPr marL="0" marR="0" lvl="0" indent="0" defTabSz="914400" eaLnBrk="1" fontAlgn="auto" latinLnBrk="0" hangingPunct="1">
+              <a:lnSpc>
+                <a:spcPct val="100000"/>
+              </a:lnSpc>
+              <a:spcBef>
+                <a:spcPts val="0"/>
+              </a:spcBef>
+              <a:spcAft>
+                <a:spcPts val="0"/>
+              </a:spcAft>
+              <a:buClrTx/>
+              <a:buSzTx/>
+              <a:buFontTx/>
+              <a:buNone/>
+              <a:tabLst/>
+              <a:defRPr/>
+            </a:pPr>
+            <a:endParaRPr kumimoji="1" lang="en-US" altLang="zh-CN" dirty="0" smtClean="0"/>
+          </a:p>
+        </p:txBody>
+      </p:sp>
+    </p:spTree>
+    <p:extLst>
+      <p:ext uri="{BB962C8B-B14F-4D97-AF65-F5344CB8AC3E}">
+        <p14:creationId xmlns:p14="http://schemas.microsoft.com/office/powerpoint/2010/main" val="1282322228"/>
+      </p:ext>
+    </p:extLst>
+  </p:cSld>
+  <p:clrMapOvr>
+    <a:masterClrMapping/>
+  </p:clrMapOvr>
+  <p:timing>
+    <p:tnLst>
+      <p:par>
+        <p:cTn id="1" dur="indefinite" restart="never" nodeType="tmRoot"/>
+      </p:par>
+    </p:tnLst>
+  </p:timing>
+</p:sld>
+</file>
+
+<file path=ppt/slides/slide14.xml><?xml version="1.0" encoding="utf-8"?>
+<p:sld xmlns:a="http://schemas.openxmlformats.org/drawingml/2006/main" xmlns:r="http://schemas.openxmlformats.org/officeDocument/2006/relationships" xmlns:p="http://schemas.openxmlformats.org/presentationml/2006/main">
+  <p:cSld>
+    <p:spTree>
+      <p:nvGrpSpPr>
+        <p:cNvPr id="1" name=""/>
+        <p:cNvGrpSpPr/>
+        <p:nvPr/>
+      </p:nvGrpSpPr>
+      <p:grpSpPr>
+        <a:xfrm>
+          <a:off x="0" y="0"/>
+          <a:ext cx="0" cy="0"/>
+          <a:chOff x="0" y="0"/>
+          <a:chExt cx="0" cy="0"/>
+        </a:xfrm>
+      </p:grpSpPr>
+      <p:pic>
+        <p:nvPicPr>
+          <p:cNvPr id="4" name="图片 3"/>
+          <p:cNvPicPr>
+            <a:picLocks noChangeAspect="1"/>
+          </p:cNvPicPr>
+          <p:nvPr/>
+        </p:nvPicPr>
+        <p:blipFill>
+          <a:blip r:embed="rId2">
+            <a:extLst>
+              <a:ext uri="{28A0092B-C50C-407E-A947-70E740481C1C}">
+                <a14:useLocalDpi xmlns:a14="http://schemas.microsoft.com/office/drawing/2010/main" val="0"/>
+              </a:ext>
+            </a:extLst>
+          </a:blip>
+          <a:stretch>
+            <a:fillRect/>
+          </a:stretch>
+        </p:blipFill>
+        <p:spPr>
+          <a:xfrm>
+            <a:off x="1300481" y="182880"/>
+            <a:ext cx="3831912" cy="6471920"/>
+          </a:xfrm>
+          <a:prstGeom prst="rect">
+            <a:avLst/>
+          </a:prstGeom>
+        </p:spPr>
+      </p:pic>
+      <p:sp>
+        <p:nvSpPr>
+          <p:cNvPr id="5" name="标题 1"/>
+          <p:cNvSpPr>
+            <a:spLocks noGrp="1"/>
+          </p:cNvSpPr>
+          <p:nvPr>
+            <p:ph type="title"/>
+          </p:nvPr>
+        </p:nvSpPr>
+        <p:spPr>
+          <a:xfrm>
+            <a:off x="6771640" y="1626552"/>
+            <a:ext cx="4932680" cy="3067368"/>
+          </a:xfrm>
+        </p:spPr>
+        <p:txBody>
+          <a:bodyPr>
+            <a:normAutofit/>
+          </a:bodyPr>
+          <a:lstStyle/>
+          <a:p>
+            <a:r>
+              <a:rPr kumimoji="1" lang="zh-CN" altLang="en-US" dirty="0" smtClean="0"/>
+              <a:t>看了之后整个人都是崩溃的</a:t>
+            </a:r>
+            <a:r>
+              <a:rPr kumimoji="1" lang="en-US" altLang="zh-CN" dirty="0" smtClean="0"/>
+              <a:t/>
+            </a:r>
+            <a:br>
+              <a:rPr kumimoji="1" lang="en-US" altLang="zh-CN" dirty="0" smtClean="0"/>
+            </a:br>
+            <a:r>
+              <a:rPr kumimoji="1" lang="en-US" altLang="zh-CN" dirty="0" smtClean="0"/>
+              <a:t/>
+            </a:r>
+            <a:br>
+              <a:rPr kumimoji="1" lang="en-US" altLang="zh-CN" dirty="0" smtClean="0"/>
+            </a:br>
+            <a:r>
+              <a:rPr kumimoji="1" lang="zh-CN" altLang="en-US" dirty="0" smtClean="0"/>
+              <a:t>        如何解脱？</a:t>
+            </a:r>
+            <a:endParaRPr kumimoji="1" lang="zh-CN" altLang="en-US" dirty="0"/>
+          </a:p>
+        </p:txBody>
+      </p:sp>
+    </p:spTree>
+    <p:extLst>
+      <p:ext uri="{BB962C8B-B14F-4D97-AF65-F5344CB8AC3E}">
+        <p14:creationId xmlns:p14="http://schemas.microsoft.com/office/powerpoint/2010/main" val="1334168765"/>
+      </p:ext>
+    </p:extLst>
+  </p:cSld>
+  <p:clrMapOvr>
+    <a:masterClrMapping/>
+  </p:clrMapOvr>
+  <p:timing>
+    <p:tnLst>
+      <p:par>
+        <p:cTn id="1" dur="indefinite" restart="never" nodeType="tmRoot"/>
+      </p:par>
+    </p:tnLst>
+  </p:timing>
+</p:sld>
+</file>
+
+<file path=ppt/slides/slide15.xml><?xml version="1.0" encoding="utf-8"?>
+<p:sld xmlns:a="http://schemas.openxmlformats.org/drawingml/2006/main" xmlns:r="http://schemas.openxmlformats.org/officeDocument/2006/relationships" xmlns:p="http://schemas.openxmlformats.org/presentationml/2006/main">
+  <p:cSld>
+    <p:spTree>
+      <p:nvGrpSpPr>
+        <p:cNvPr id="1" name=""/>
+        <p:cNvGrpSpPr/>
+        <p:nvPr/>
+      </p:nvGrpSpPr>
+      <p:grpSpPr>
+        <a:xfrm>
+          <a:off x="0" y="0"/>
+          <a:ext cx="0" cy="0"/>
+          <a:chOff x="0" y="0"/>
+          <a:chExt cx="0" cy="0"/>
+        </a:xfrm>
+      </p:grpSpPr>
+      <p:sp>
+        <p:nvSpPr>
+          <p:cNvPr id="3" name="内容占位符 2"/>
+          <p:cNvSpPr>
+            <a:spLocks noGrp="1"/>
+          </p:cNvSpPr>
+          <p:nvPr>
+            <p:ph idx="1"/>
+          </p:nvPr>
+        </p:nvSpPr>
+        <p:spPr>
+          <a:xfrm>
+            <a:off x="878840" y="787956"/>
+            <a:ext cx="10515600" cy="4351338"/>
+          </a:xfrm>
+        </p:spPr>
+        <p:txBody>
+          <a:bodyPr>
+            <a:normAutofit/>
+          </a:bodyPr>
+          <a:lstStyle/>
+          <a:p>
+            <a:r>
+              <a:rPr kumimoji="1" lang="zh-CN" altLang="en-US" dirty="0" smtClean="0"/>
+              <a:t>使用</a:t>
+            </a:r>
+            <a:r>
+              <a:rPr kumimoji="1" lang="en-US" altLang="zh-CN" dirty="0" smtClean="0"/>
+              <a:t>Promise</a:t>
+            </a:r>
+            <a:r>
+              <a:rPr kumimoji="1" lang="zh-CN" altLang="en-US" dirty="0" smtClean="0"/>
+              <a:t>完成请求</a:t>
+            </a:r>
+            <a:endParaRPr kumimoji="1" lang="en-US" altLang="zh-CN" dirty="0" smtClean="0"/>
+          </a:p>
+          <a:p>
+            <a:r>
+              <a:rPr kumimoji="1" lang="zh-CN" altLang="en-US" dirty="0" smtClean="0">
+                <a:solidFill>
+                  <a:schemeClr val="accent6"/>
+                </a:solidFill>
+              </a:rPr>
+              <a:t>简介：</a:t>
+            </a:r>
+            <a:r>
+              <a:rPr kumimoji="1" lang="en-US" altLang="zh-CN" dirty="0" smtClean="0"/>
+              <a:t>promise</a:t>
+            </a:r>
+            <a:r>
+              <a:rPr kumimoji="1" lang="zh-CN" altLang="en-US" dirty="0" smtClean="0"/>
+              <a:t>是一个抽象异步处理对象，专门用来处理异步操作</a:t>
+            </a:r>
+            <a:endParaRPr kumimoji="1" lang="en-US" altLang="zh-CN" dirty="0" smtClean="0"/>
+          </a:p>
+          <a:p>
+            <a:pPr lvl="1"/>
+            <a:endParaRPr kumimoji="1" lang="en-US" altLang="zh-CN" dirty="0" smtClean="0"/>
+          </a:p>
+          <a:p>
+            <a:pPr lvl="1"/>
+            <a:r>
+              <a:rPr kumimoji="1" lang="zh-CN" altLang="en-US" dirty="0" smtClean="0"/>
+              <a:t>构建</a:t>
+            </a:r>
+            <a:r>
+              <a:rPr kumimoji="1" lang="en-US" altLang="zh-CN" dirty="0" smtClean="0"/>
+              <a:t>promise</a:t>
+            </a:r>
+          </a:p>
+          <a:p>
+            <a:pPr lvl="1"/>
+            <a:endParaRPr kumimoji="1" lang="en-US" altLang="zh-CN" dirty="0"/>
+          </a:p>
+          <a:p>
+            <a:pPr lvl="1"/>
+            <a:endParaRPr kumimoji="1" lang="en-US" altLang="zh-CN" dirty="0" smtClean="0"/>
+          </a:p>
+          <a:p>
+            <a:pPr lvl="1"/>
+            <a:r>
+              <a:rPr kumimoji="1" lang="zh-CN" altLang="en-US" dirty="0" smtClean="0"/>
+              <a:t>使用</a:t>
+            </a:r>
+            <a:r>
+              <a:rPr kumimoji="1" lang="en-US" altLang="zh-CN" dirty="0" smtClean="0"/>
+              <a:t>promise</a:t>
+            </a:r>
+          </a:p>
+          <a:p>
+            <a:pPr lvl="1"/>
+            <a:endParaRPr kumimoji="1" lang="en-US" altLang="zh-CN" dirty="0"/>
+          </a:p>
+          <a:p>
+            <a:pPr lvl="1"/>
+            <a:endParaRPr kumimoji="1" lang="en-US" altLang="zh-CN" dirty="0" smtClean="0"/>
+          </a:p>
+          <a:p>
+            <a:pPr lvl="1"/>
+            <a:r>
+              <a:rPr kumimoji="1" lang="zh-CN" altLang="en-US" dirty="0" smtClean="0"/>
+              <a:t>链式调用</a:t>
+            </a:r>
+            <a:endParaRPr kumimoji="1" lang="en-US" altLang="zh-CN" dirty="0" smtClean="0"/>
+          </a:p>
+          <a:p>
+            <a:pPr lvl="1"/>
+            <a:endParaRPr kumimoji="1" lang="zh-CN" altLang="en-US" dirty="0"/>
+          </a:p>
+        </p:txBody>
+      </p:sp>
+      <p:pic>
+        <p:nvPicPr>
+          <p:cNvPr id="5" name="图片 4"/>
+          <p:cNvPicPr>
+            <a:picLocks noChangeAspect="1"/>
+          </p:cNvPicPr>
+          <p:nvPr/>
+        </p:nvPicPr>
+        <p:blipFill>
+          <a:blip r:embed="rId2">
+            <a:extLst>
+              <a:ext uri="{28A0092B-C50C-407E-A947-70E740481C1C}">
+                <a14:useLocalDpi xmlns:a14="http://schemas.microsoft.com/office/drawing/2010/main" val="0"/>
+              </a:ext>
+            </a:extLst>
+          </a:blip>
+          <a:stretch>
+            <a:fillRect/>
+          </a:stretch>
+        </p:blipFill>
+        <p:spPr>
+          <a:xfrm>
+            <a:off x="3394710" y="2214325"/>
+            <a:ext cx="4089400" cy="749300"/>
+          </a:xfrm>
+          <a:prstGeom prst="rect">
+            <a:avLst/>
+          </a:prstGeom>
+        </p:spPr>
+      </p:pic>
+      <p:pic>
+        <p:nvPicPr>
+          <p:cNvPr id="7" name="图片 6"/>
+          <p:cNvPicPr>
+            <a:picLocks noChangeAspect="1"/>
+          </p:cNvPicPr>
+          <p:nvPr/>
+        </p:nvPicPr>
+        <p:blipFill>
+          <a:blip r:embed="rId3">
+            <a:extLst>
+              <a:ext uri="{28A0092B-C50C-407E-A947-70E740481C1C}">
+                <a14:useLocalDpi xmlns:a14="http://schemas.microsoft.com/office/drawing/2010/main" val="0"/>
+              </a:ext>
+            </a:extLst>
+          </a:blip>
+          <a:stretch>
+            <a:fillRect/>
+          </a:stretch>
+        </p:blipFill>
+        <p:spPr>
+          <a:xfrm>
+            <a:off x="3394710" y="3217020"/>
+            <a:ext cx="4178300" cy="1054100"/>
+          </a:xfrm>
+          <a:prstGeom prst="rect">
+            <a:avLst/>
+          </a:prstGeom>
+        </p:spPr>
+      </p:pic>
+      <p:pic>
+        <p:nvPicPr>
+          <p:cNvPr id="8" name="图片 7"/>
+          <p:cNvPicPr>
+            <a:picLocks noChangeAspect="1"/>
+          </p:cNvPicPr>
+          <p:nvPr/>
+        </p:nvPicPr>
+        <p:blipFill>
+          <a:blip r:embed="rId4">
+            <a:extLst>
+              <a:ext uri="{28A0092B-C50C-407E-A947-70E740481C1C}">
+                <a14:useLocalDpi xmlns:a14="http://schemas.microsoft.com/office/drawing/2010/main" val="0"/>
+              </a:ext>
+            </a:extLst>
+          </a:blip>
+          <a:stretch>
+            <a:fillRect/>
+          </a:stretch>
+        </p:blipFill>
+        <p:spPr>
+          <a:xfrm>
+            <a:off x="3394710" y="4524515"/>
+            <a:ext cx="4279900" cy="1574800"/>
+          </a:xfrm>
+          <a:prstGeom prst="rect">
+            <a:avLst/>
+          </a:prstGeom>
+        </p:spPr>
+      </p:pic>
+    </p:spTree>
+    <p:extLst>
+      <p:ext uri="{BB962C8B-B14F-4D97-AF65-F5344CB8AC3E}">
+        <p14:creationId xmlns:p14="http://schemas.microsoft.com/office/powerpoint/2010/main" val="749220818"/>
+      </p:ext>
+    </p:extLst>
+  </p:cSld>
+  <p:clrMapOvr>
+    <a:masterClrMapping/>
+  </p:clrMapOvr>
+  <p:timing>
+    <p:tnLst>
+      <p:par>
+        <p:cTn id="1" dur="indefinite" restart="never" nodeType="tmRoot"/>
+      </p:par>
+    </p:tnLst>
+  </p:timing>
+</p:sld>
+</file>
+
+<file path=ppt/slides/slide16.xml><?xml version="1.0" encoding="utf-8"?>
+<p:sld xmlns:a="http://schemas.openxmlformats.org/drawingml/2006/main" xmlns:r="http://schemas.openxmlformats.org/officeDocument/2006/relationships" xmlns:p="http://schemas.openxmlformats.org/presentationml/2006/main">
+  <p:cSld>
+    <p:spTree>
+      <p:nvGrpSpPr>
+        <p:cNvPr id="1" name=""/>
+        <p:cNvGrpSpPr/>
+        <p:nvPr/>
+      </p:nvGrpSpPr>
+      <p:grpSpPr>
+        <a:xfrm>
+          <a:off x="0" y="0"/>
+          <a:ext cx="0" cy="0"/>
+          <a:chOff x="0" y="0"/>
+          <a:chExt cx="0" cy="0"/>
+        </a:xfrm>
+      </p:grpSpPr>
+      <p:sp>
+        <p:nvSpPr>
+          <p:cNvPr id="3" name="内容占位符 2"/>
+          <p:cNvSpPr>
+            <a:spLocks noGrp="1"/>
+          </p:cNvSpPr>
+          <p:nvPr>
+            <p:ph idx="1"/>
+          </p:nvPr>
+        </p:nvSpPr>
+        <p:spPr>
+          <a:xfrm>
+            <a:off x="838200" y="508000"/>
+            <a:ext cx="10515600" cy="5668963"/>
+          </a:xfrm>
+        </p:spPr>
+        <p:txBody>
+          <a:bodyPr/>
+          <a:lstStyle/>
+          <a:p>
+            <a:r>
+              <a:rPr kumimoji="1" lang="zh-CN" altLang="en-US" dirty="0" smtClean="0">
+                <a:solidFill>
+                  <a:schemeClr val="accent6"/>
+                </a:solidFill>
+              </a:rPr>
+              <a:t>使用工厂：</a:t>
+            </a:r>
+            <a:r>
+              <a:rPr kumimoji="1" lang="zh-CN" altLang="en-US" dirty="0" smtClean="0"/>
+              <a:t>除了使用</a:t>
+            </a:r>
+            <a:r>
+              <a:rPr kumimoji="1" lang="en-US" altLang="zh-CN" dirty="0" smtClean="0"/>
+              <a:t>promise</a:t>
+            </a:r>
+            <a:r>
+              <a:rPr kumimoji="1" lang="zh-CN" altLang="en-US" dirty="0" smtClean="0"/>
+              <a:t>。为了使用链式调用，完成连续请求。我们不得不每次都</a:t>
+            </a:r>
+            <a:r>
+              <a:rPr kumimoji="1" lang="en-US" altLang="zh-CN" dirty="0" smtClean="0"/>
+              <a:t>new</a:t>
+            </a:r>
+            <a:r>
+              <a:rPr kumimoji="1" lang="zh-CN" altLang="en-US" dirty="0" smtClean="0"/>
+              <a:t>一个</a:t>
+            </a:r>
+            <a:r>
+              <a:rPr kumimoji="1" lang="en-US" altLang="zh-CN" dirty="0" smtClean="0"/>
+              <a:t>promise</a:t>
+            </a:r>
+            <a:r>
+              <a:rPr kumimoji="1" lang="zh-CN" altLang="en-US" dirty="0" smtClean="0"/>
+              <a:t>对象，这样显得很麻烦。为了让流程更合理，这里建立一个专门生成</a:t>
+            </a:r>
+            <a:r>
+              <a:rPr kumimoji="1" lang="en-US" altLang="zh-CN" dirty="0" smtClean="0"/>
+              <a:t>promise</a:t>
+            </a:r>
+            <a:r>
+              <a:rPr kumimoji="1" lang="zh-CN" altLang="en-US" dirty="0" smtClean="0"/>
+              <a:t>对象的工厂</a:t>
+            </a:r>
+            <a:endParaRPr kumimoji="1" lang="zh-CN" altLang="en-US" dirty="0"/>
+          </a:p>
+        </p:txBody>
+      </p:sp>
+      <p:pic>
+        <p:nvPicPr>
+          <p:cNvPr id="7" name="图片 6"/>
+          <p:cNvPicPr>
+            <a:picLocks noChangeAspect="1"/>
+          </p:cNvPicPr>
+          <p:nvPr/>
+        </p:nvPicPr>
+        <p:blipFill>
+          <a:blip r:embed="rId2">
+            <a:extLst>
+              <a:ext uri="{28A0092B-C50C-407E-A947-70E740481C1C}">
+                <a14:useLocalDpi xmlns:a14="http://schemas.microsoft.com/office/drawing/2010/main" val="0"/>
+              </a:ext>
+            </a:extLst>
+          </a:blip>
+          <a:stretch>
+            <a:fillRect/>
+          </a:stretch>
+        </p:blipFill>
+        <p:spPr>
+          <a:xfrm>
+            <a:off x="3075940" y="2019141"/>
+            <a:ext cx="4686300" cy="3378200"/>
+          </a:xfrm>
+          <a:prstGeom prst="rect">
+            <a:avLst/>
+          </a:prstGeom>
+        </p:spPr>
+      </p:pic>
+    </p:spTree>
+    <p:extLst>
+      <p:ext uri="{BB962C8B-B14F-4D97-AF65-F5344CB8AC3E}">
+        <p14:creationId xmlns:p14="http://schemas.microsoft.com/office/powerpoint/2010/main" val="1232377769"/>
+      </p:ext>
+    </p:extLst>
+  </p:cSld>
+  <p:clrMapOvr>
+    <a:masterClrMapping/>
+  </p:clrMapOvr>
+  <p:timing>
+    <p:tnLst>
+      <p:par>
+        <p:cTn id="1" dur="indefinite" restart="never" nodeType="tmRoot"/>
+      </p:par>
+    </p:tnLst>
+  </p:timing>
+</p:sld>
+</file>
+
+<file path=ppt/slides/slide17.xml><?xml version="1.0" encoding="utf-8"?>
+<p:sld xmlns:a="http://schemas.openxmlformats.org/drawingml/2006/main" xmlns:r="http://schemas.openxmlformats.org/officeDocument/2006/relationships" xmlns:p="http://schemas.openxmlformats.org/presentationml/2006/main">
+  <p:cSld>
+    <p:spTree>
+      <p:nvGrpSpPr>
+        <p:cNvPr id="1" name=""/>
+        <p:cNvGrpSpPr/>
+        <p:nvPr/>
+      </p:nvGrpSpPr>
+      <p:grpSpPr>
+        <a:xfrm>
+          <a:off x="0" y="0"/>
+          <a:ext cx="0" cy="0"/>
+          <a:chOff x="0" y="0"/>
+          <a:chExt cx="0" cy="0"/>
+        </a:xfrm>
+      </p:grpSpPr>
+      <p:sp>
+        <p:nvSpPr>
           <p:cNvPr id="3" name="内容占位符 2"/>
           <p:cNvSpPr>
             <a:spLocks noGrp="1"/>
@@ -4192,8 +5128,16 @@
           <a:lstStyle/>
           <a:p>
             <a:r>
-              <a:rPr kumimoji="1" lang="zh-CN" altLang="en-US" dirty="0" smtClean="0"/>
-              <a:t>业务场景：复制卡片</a:t>
+              <a:rPr kumimoji="1" lang="zh-CN" altLang="en-US" dirty="0" smtClean="0">
+                <a:solidFill>
+                  <a:schemeClr val="accent6"/>
+                </a:solidFill>
+              </a:rPr>
+              <a:t>例子：</a:t>
+            </a:r>
+            <a:r>
+              <a:rPr kumimoji="1" lang="zh-CN" altLang="en-US" dirty="0" smtClean="0"/>
+              <a:t>复制卡片</a:t>
             </a:r>
             <a:endParaRPr kumimoji="1" lang="zh-CN" altLang="en-US" dirty="0"/>
           </a:p>
@@ -4249,499 +5193,6 @@
 </p:sld>
 </file>
 
-<file path=ppt/slides/slide14.xml><?xml version="1.0" encoding="utf-8"?>
-<p:sld xmlns:a="http://schemas.openxmlformats.org/drawingml/2006/main" xmlns:r="http://schemas.openxmlformats.org/officeDocument/2006/relationships" xmlns:p="http://schemas.openxmlformats.org/presentationml/2006/main">
-  <p:cSld>
-    <p:spTree>
-      <p:nvGrpSpPr>
-        <p:cNvPr id="1" name=""/>
-        <p:cNvGrpSpPr/>
-        <p:nvPr/>
-      </p:nvGrpSpPr>
-      <p:grpSpPr>
-        <a:xfrm>
-          <a:off x="0" y="0"/>
-          <a:ext cx="0" cy="0"/>
-          <a:chOff x="0" y="0"/>
-          <a:chExt cx="0" cy="0"/>
-        </a:xfrm>
-      </p:grpSpPr>
-      <p:sp>
-        <p:nvSpPr>
-          <p:cNvPr id="3" name="内容占位符 2"/>
-          <p:cNvSpPr>
-            <a:spLocks noGrp="1"/>
-          </p:cNvSpPr>
-          <p:nvPr>
-            <p:ph idx="1"/>
-          </p:nvPr>
-        </p:nvSpPr>
-        <p:spPr>
-          <a:xfrm>
-            <a:off x="838200" y="508000"/>
-            <a:ext cx="10515600" cy="5668963"/>
-          </a:xfrm>
-        </p:spPr>
-        <p:txBody>
-          <a:bodyPr/>
-          <a:lstStyle/>
-          <a:p>
-            <a:r>
-              <a:rPr kumimoji="1" lang="en-US" altLang="zh-CN" dirty="0" smtClean="0"/>
-              <a:t>Promise</a:t>
-            </a:r>
-            <a:r>
-              <a:rPr kumimoji="1" lang="zh-CN" altLang="en-US" dirty="0" smtClean="0"/>
-              <a:t>工厂</a:t>
-            </a:r>
-            <a:endParaRPr kumimoji="1" lang="zh-CN" altLang="en-US" dirty="0"/>
-          </a:p>
-        </p:txBody>
-      </p:sp>
-      <p:pic>
-        <p:nvPicPr>
-          <p:cNvPr id="7" name="图片 6"/>
-          <p:cNvPicPr>
-            <a:picLocks noChangeAspect="1"/>
-          </p:cNvPicPr>
-          <p:nvPr/>
-        </p:nvPicPr>
-        <p:blipFill>
-          <a:blip r:embed="rId2">
-            <a:extLst>
-              <a:ext uri="{28A0092B-C50C-407E-A947-70E740481C1C}">
-                <a14:useLocalDpi xmlns:a14="http://schemas.microsoft.com/office/drawing/2010/main" val="0"/>
-              </a:ext>
-            </a:extLst>
-          </a:blip>
-          <a:stretch>
-            <a:fillRect/>
-          </a:stretch>
-        </p:blipFill>
-        <p:spPr>
-          <a:xfrm>
-            <a:off x="3177540" y="1653381"/>
-            <a:ext cx="4686300" cy="3378200"/>
-          </a:xfrm>
-          <a:prstGeom prst="rect">
-            <a:avLst/>
-          </a:prstGeom>
-        </p:spPr>
-      </p:pic>
-    </p:spTree>
-    <p:extLst>
-      <p:ext uri="{BB962C8B-B14F-4D97-AF65-F5344CB8AC3E}">
-        <p14:creationId xmlns:p14="http://schemas.microsoft.com/office/powerpoint/2010/main" val="1232377769"/>
-      </p:ext>
-    </p:extLst>
-  </p:cSld>
-  <p:clrMapOvr>
-    <a:masterClrMapping/>
-  </p:clrMapOvr>
-  <p:timing>
-    <p:tnLst>
-      <p:par>
-        <p:cTn id="1" dur="indefinite" restart="never" nodeType="tmRoot"/>
-      </p:par>
-    </p:tnLst>
-  </p:timing>
-</p:sld>
-</file>
-
-<file path=ppt/slides/slide15.xml><?xml version="1.0" encoding="utf-8"?>
-<p:sld xmlns:a="http://schemas.openxmlformats.org/drawingml/2006/main" xmlns:r="http://schemas.openxmlformats.org/officeDocument/2006/relationships" xmlns:p="http://schemas.openxmlformats.org/presentationml/2006/main">
-  <p:cSld>
-    <p:spTree>
-      <p:nvGrpSpPr>
-        <p:cNvPr id="1" name=""/>
-        <p:cNvGrpSpPr/>
-        <p:nvPr/>
-      </p:nvGrpSpPr>
-      <p:grpSpPr>
-        <a:xfrm>
-          <a:off x="0" y="0"/>
-          <a:ext cx="0" cy="0"/>
-          <a:chOff x="0" y="0"/>
-          <a:chExt cx="0" cy="0"/>
-        </a:xfrm>
-      </p:grpSpPr>
-      <p:sp>
-        <p:nvSpPr>
-          <p:cNvPr id="3" name="内容占位符 2"/>
-          <p:cNvSpPr>
-            <a:spLocks noGrp="1"/>
-          </p:cNvSpPr>
-          <p:nvPr>
-            <p:ph idx="1"/>
-          </p:nvPr>
-        </p:nvSpPr>
-        <p:spPr>
-          <a:xfrm>
-            <a:off x="838200" y="772160"/>
-            <a:ext cx="10515600" cy="5404803"/>
-          </a:xfrm>
-        </p:spPr>
-        <p:txBody>
-          <a:bodyPr>
-            <a:normAutofit lnSpcReduction="10000"/>
-          </a:bodyPr>
-          <a:lstStyle/>
-          <a:p>
-            <a:r>
-              <a:rPr kumimoji="1" lang="zh-CN" altLang="en-US" dirty="0" smtClean="0"/>
-              <a:t>链式</a:t>
-            </a:r>
-            <a:r>
-              <a:rPr kumimoji="1" lang="en-US" altLang="zh-CN" dirty="0" smtClean="0"/>
-              <a:t>Promise</a:t>
-            </a:r>
-            <a:r>
-              <a:rPr kumimoji="1" lang="zh-CN" altLang="en-US" dirty="0" smtClean="0"/>
-              <a:t>步骤</a:t>
-            </a:r>
-            <a:endParaRPr kumimoji="1" lang="en-US" altLang="zh-CN" dirty="0" smtClean="0"/>
-          </a:p>
-          <a:p>
-            <a:endParaRPr kumimoji="1" lang="en-US" altLang="zh-CN" dirty="0" smtClean="0"/>
-          </a:p>
-          <a:p>
-            <a:pPr lvl="1"/>
-            <a:r>
-              <a:rPr kumimoji="1" lang="zh-CN" altLang="en-US" dirty="0" smtClean="0"/>
-              <a:t>初始化参数</a:t>
-            </a:r>
-            <a:r>
-              <a:rPr kumimoji="1" lang="zh-CN" altLang="en-US" dirty="0"/>
-              <a:t>：</a:t>
-            </a:r>
-            <a:r>
-              <a:rPr kumimoji="1" lang="zh-CN" altLang="en-US" dirty="0" smtClean="0"/>
-              <a:t>被选中的卡片</a:t>
-            </a:r>
-            <a:r>
-              <a:rPr kumimoji="1" lang="en-US" altLang="zh-CN" dirty="0" err="1" smtClean="0"/>
-              <a:t>SelectedCardID</a:t>
-            </a:r>
-            <a:endParaRPr kumimoji="1" lang="en-US" altLang="zh-CN" dirty="0" smtClean="0"/>
-          </a:p>
-          <a:p>
-            <a:pPr lvl="1"/>
-            <a:endParaRPr kumimoji="1" lang="en-US" altLang="zh-CN" dirty="0" smtClean="0"/>
-          </a:p>
-          <a:p>
-            <a:pPr lvl="1"/>
-            <a:r>
-              <a:rPr kumimoji="1" lang="en-US" altLang="zh-CN" dirty="0" smtClean="0"/>
-              <a:t>1</a:t>
-            </a:r>
-            <a:r>
-              <a:rPr kumimoji="1" lang="zh-CN" altLang="en-US" dirty="0" smtClean="0"/>
-              <a:t>根据</a:t>
-            </a:r>
-            <a:r>
-              <a:rPr kumimoji="1" lang="en-US" altLang="zh-CN" dirty="0" err="1" smtClean="0"/>
-              <a:t>SelectedCardID</a:t>
-            </a:r>
-            <a:r>
-              <a:rPr kumimoji="1" lang="zh-CN" altLang="en-US" dirty="0" smtClean="0"/>
-              <a:t>获取卡片数据（</a:t>
-            </a:r>
-            <a:r>
-              <a:rPr kumimoji="1" lang="en-US" altLang="zh-CN" dirty="0" smtClean="0"/>
-              <a:t>/info/</a:t>
-            </a:r>
-            <a:r>
-              <a:rPr kumimoji="1" lang="en-US" altLang="zh-CN" dirty="0" err="1" smtClean="0"/>
-              <a:t>cards.do</a:t>
-            </a:r>
-            <a:r>
-              <a:rPr kumimoji="1" lang="en-US" altLang="zh-CN" dirty="0" smtClean="0"/>
-              <a:t>)</a:t>
-            </a:r>
-          </a:p>
-          <a:p>
-            <a:pPr lvl="1"/>
-            <a:endParaRPr kumimoji="1" lang="en-US" altLang="zh-CN" dirty="0" smtClean="0"/>
-          </a:p>
-          <a:p>
-            <a:pPr lvl="1"/>
-            <a:r>
-              <a:rPr kumimoji="1" lang="en-US" altLang="zh-CN" dirty="0" smtClean="0"/>
-              <a:t>2</a:t>
-            </a:r>
-            <a:r>
-              <a:rPr kumimoji="1" lang="zh-CN" altLang="en-US" dirty="0" smtClean="0"/>
-              <a:t>根据获取的</a:t>
-            </a:r>
-            <a:r>
-              <a:rPr kumimoji="1" lang="en-US" altLang="zh-CN" dirty="0" smtClean="0"/>
-              <a:t>data</a:t>
-            </a:r>
-            <a:r>
-              <a:rPr kumimoji="1" lang="zh-CN" altLang="en-US" dirty="0" smtClean="0"/>
-              <a:t>复制出新的卡片 </a:t>
-            </a:r>
-            <a:r>
-              <a:rPr kumimoji="1" lang="en-US" altLang="zh-CN" dirty="0" smtClean="0"/>
-              <a:t>(/info/</a:t>
-            </a:r>
-            <a:r>
-              <a:rPr kumimoji="1" lang="en-US" altLang="zh-CN" dirty="0" err="1" smtClean="0"/>
-              <a:t>create.do</a:t>
-            </a:r>
-            <a:r>
-              <a:rPr kumimoji="1" lang="en-US" altLang="zh-CN" dirty="0" smtClean="0"/>
-              <a:t>)</a:t>
-            </a:r>
-            <a:r>
-              <a:rPr kumimoji="1" lang="zh-CN" altLang="en-US" dirty="0" smtClean="0"/>
-              <a:t>。把生成的卡片的</a:t>
-            </a:r>
-            <a:r>
-              <a:rPr kumimoji="1" lang="en-US" altLang="zh-CN" dirty="0" smtClean="0"/>
-              <a:t>Id</a:t>
-            </a:r>
-            <a:r>
-              <a:rPr kumimoji="1" lang="zh-CN" altLang="en-US" dirty="0" smtClean="0"/>
-              <a:t>交给代理。</a:t>
-            </a:r>
-            <a:endParaRPr kumimoji="1" lang="en-US" altLang="zh-CN" dirty="0" smtClean="0"/>
-          </a:p>
-          <a:p>
-            <a:pPr lvl="1"/>
-            <a:endParaRPr kumimoji="1" lang="en-US" altLang="zh-CN" dirty="0"/>
-          </a:p>
-          <a:p>
-            <a:pPr lvl="1"/>
-            <a:r>
-              <a:rPr kumimoji="1" lang="en-US" altLang="zh-CN" dirty="0" smtClean="0"/>
-              <a:t>3</a:t>
-            </a:r>
-            <a:r>
-              <a:rPr kumimoji="1" lang="zh-CN" altLang="en-US" dirty="0" smtClean="0"/>
-              <a:t>根据</a:t>
-            </a:r>
-            <a:r>
-              <a:rPr kumimoji="1" lang="en-US" altLang="zh-CN" dirty="0" err="1" smtClean="0"/>
-              <a:t>SelectedCardID</a:t>
-            </a:r>
-            <a:r>
-              <a:rPr kumimoji="1" lang="zh-CN" altLang="en-US" dirty="0" smtClean="0"/>
-              <a:t>获取卡片内的卡片项</a:t>
-            </a:r>
-            <a:r>
-              <a:rPr kumimoji="1" lang="en-US" altLang="zh-CN" dirty="0" smtClean="0"/>
-              <a:t>(/universal/</a:t>
-            </a:r>
-            <a:r>
-              <a:rPr kumimoji="1" lang="en-US" altLang="zh-CN" dirty="0" err="1" smtClean="0"/>
-              <a:t>items.do</a:t>
-            </a:r>
-            <a:r>
-              <a:rPr kumimoji="1" lang="en-US" altLang="zh-CN" dirty="0" smtClean="0"/>
-              <a:t>)</a:t>
-            </a:r>
-            <a:r>
-              <a:rPr kumimoji="1" lang="zh-CN" altLang="en-US" dirty="0" smtClean="0"/>
-              <a:t>。把旧的卡片项集合交给代理</a:t>
-            </a:r>
-            <a:endParaRPr kumimoji="1" lang="en-US" altLang="zh-CN" dirty="0" smtClean="0"/>
-          </a:p>
-          <a:p>
-            <a:pPr lvl="1"/>
-            <a:endParaRPr kumimoji="1" lang="en-US" altLang="zh-CN" dirty="0"/>
-          </a:p>
-          <a:p>
-            <a:pPr lvl="1"/>
-            <a:r>
-              <a:rPr kumimoji="1" lang="en-US" altLang="zh-CN" dirty="0" smtClean="0"/>
-              <a:t>4</a:t>
-            </a:r>
-            <a:r>
-              <a:rPr kumimoji="1" lang="zh-CN" altLang="en-US" dirty="0" smtClean="0"/>
-              <a:t>根据获取到的卡片项集合，创建新的卡片项集合。并把新的卡片项集合交给代理</a:t>
-            </a:r>
-            <a:endParaRPr kumimoji="1" lang="en-US" altLang="zh-CN" dirty="0" smtClean="0"/>
-          </a:p>
-        </p:txBody>
-      </p:sp>
-    </p:spTree>
-    <p:extLst>
-      <p:ext uri="{BB962C8B-B14F-4D97-AF65-F5344CB8AC3E}">
-        <p14:creationId xmlns:p14="http://schemas.microsoft.com/office/powerpoint/2010/main" val="860470238"/>
-      </p:ext>
-    </p:extLst>
-  </p:cSld>
-  <p:clrMapOvr>
-    <a:masterClrMapping/>
-  </p:clrMapOvr>
-  <p:timing>
-    <p:tnLst>
-      <p:par>
-        <p:cTn id="1" dur="indefinite" restart="never" nodeType="tmRoot"/>
-      </p:par>
-    </p:tnLst>
-  </p:timing>
-</p:sld>
-</file>
-
-<file path=ppt/slides/slide16.xml><?xml version="1.0" encoding="utf-8"?>
-<p:sld xmlns:a="http://schemas.openxmlformats.org/drawingml/2006/main" xmlns:r="http://schemas.openxmlformats.org/officeDocument/2006/relationships" xmlns:p="http://schemas.openxmlformats.org/presentationml/2006/main">
-  <p:cSld>
-    <p:spTree>
-      <p:nvGrpSpPr>
-        <p:cNvPr id="1" name=""/>
-        <p:cNvGrpSpPr/>
-        <p:nvPr/>
-      </p:nvGrpSpPr>
-      <p:grpSpPr>
-        <a:xfrm>
-          <a:off x="0" y="0"/>
-          <a:ext cx="0" cy="0"/>
-          <a:chOff x="0" y="0"/>
-          <a:chExt cx="0" cy="0"/>
-        </a:xfrm>
-      </p:grpSpPr>
-      <p:pic>
-        <p:nvPicPr>
-          <p:cNvPr id="4" name="内容占位符 3"/>
-          <p:cNvPicPr>
-            <a:picLocks noGrp="1" noChangeAspect="1"/>
-          </p:cNvPicPr>
-          <p:nvPr>
-            <p:ph idx="1"/>
-          </p:nvPr>
-        </p:nvPicPr>
-        <p:blipFill>
-          <a:blip r:embed="rId2">
-            <a:extLst>
-              <a:ext uri="{28A0092B-C50C-407E-A947-70E740481C1C}">
-                <a14:useLocalDpi xmlns:a14="http://schemas.microsoft.com/office/drawing/2010/main" val="0"/>
-              </a:ext>
-            </a:extLst>
-          </a:blip>
-          <a:stretch>
-            <a:fillRect/>
-          </a:stretch>
-        </p:blipFill>
-        <p:spPr>
-          <a:xfrm>
-            <a:off x="3169920" y="597915"/>
-            <a:ext cx="5255476" cy="5883848"/>
-          </a:xfrm>
-        </p:spPr>
-      </p:pic>
-    </p:spTree>
-    <p:extLst>
-      <p:ext uri="{BB962C8B-B14F-4D97-AF65-F5344CB8AC3E}">
-        <p14:creationId xmlns:p14="http://schemas.microsoft.com/office/powerpoint/2010/main" val="1890161495"/>
-      </p:ext>
-    </p:extLst>
-  </p:cSld>
-  <p:clrMapOvr>
-    <a:masterClrMapping/>
-  </p:clrMapOvr>
-  <p:timing>
-    <p:tnLst>
-      <p:par>
-        <p:cTn id="1" dur="indefinite" restart="never" nodeType="tmRoot"/>
-      </p:par>
-    </p:tnLst>
-  </p:timing>
-</p:sld>
-</file>
-
-<file path=ppt/slides/slide17.xml><?xml version="1.0" encoding="utf-8"?>
-<p:sld xmlns:a="http://schemas.openxmlformats.org/drawingml/2006/main" xmlns:r="http://schemas.openxmlformats.org/officeDocument/2006/relationships" xmlns:p="http://schemas.openxmlformats.org/presentationml/2006/main">
-  <p:cSld>
-    <p:spTree>
-      <p:nvGrpSpPr>
-        <p:cNvPr id="1" name=""/>
-        <p:cNvGrpSpPr/>
-        <p:nvPr/>
-      </p:nvGrpSpPr>
-      <p:grpSpPr>
-        <a:xfrm>
-          <a:off x="0" y="0"/>
-          <a:ext cx="0" cy="0"/>
-          <a:chOff x="0" y="0"/>
-          <a:chExt cx="0" cy="0"/>
-        </a:xfrm>
-      </p:grpSpPr>
-      <p:sp>
-        <p:nvSpPr>
-          <p:cNvPr id="3" name="内容占位符 2"/>
-          <p:cNvSpPr>
-            <a:spLocks noGrp="1"/>
-          </p:cNvSpPr>
-          <p:nvPr>
-            <p:ph idx="1"/>
-          </p:nvPr>
-        </p:nvSpPr>
-        <p:spPr>
-          <a:xfrm>
-            <a:off x="838200" y="345440"/>
-            <a:ext cx="10515600" cy="5831523"/>
-          </a:xfrm>
-        </p:spPr>
-        <p:txBody>
-          <a:bodyPr/>
-          <a:lstStyle/>
-          <a:p>
-            <a:r>
-              <a:rPr kumimoji="1" lang="zh-CN" altLang="en-US" dirty="0" smtClean="0"/>
-              <a:t>代理的作用</a:t>
-            </a:r>
-            <a:endParaRPr kumimoji="1" lang="en-US" altLang="zh-CN" dirty="0" smtClean="0"/>
-          </a:p>
-          <a:p>
-            <a:endParaRPr kumimoji="1" lang="en-US" altLang="zh-CN" dirty="0"/>
-          </a:p>
-          <a:p>
-            <a:pPr lvl="1"/>
-            <a:r>
-              <a:rPr kumimoji="1" lang="zh-CN" altLang="en-US" dirty="0" smtClean="0"/>
-              <a:t>拿到新的卡片的</a:t>
-            </a:r>
-            <a:r>
-              <a:rPr kumimoji="1" lang="en-US" altLang="zh-CN" dirty="0" smtClean="0"/>
-              <a:t>ID</a:t>
-            </a:r>
-          </a:p>
-          <a:p>
-            <a:pPr lvl="1"/>
-            <a:endParaRPr kumimoji="1" lang="en-US" altLang="zh-CN" dirty="0" smtClean="0"/>
-          </a:p>
-          <a:p>
-            <a:pPr lvl="1"/>
-            <a:r>
-              <a:rPr kumimoji="1" lang="zh-CN" altLang="en-US" dirty="0" smtClean="0"/>
-              <a:t>拿到旧的卡片项集合与新的卡片项集合，当集合长度一致时，说明卡片项全部创建完毕，此时进行新的卡片和卡片项的组装。</a:t>
-            </a:r>
-            <a:endParaRPr kumimoji="1" lang="zh-CN" altLang="en-US" dirty="0"/>
-          </a:p>
-        </p:txBody>
-      </p:sp>
-    </p:spTree>
-    <p:extLst>
-      <p:ext uri="{BB962C8B-B14F-4D97-AF65-F5344CB8AC3E}">
-        <p14:creationId xmlns:p14="http://schemas.microsoft.com/office/powerpoint/2010/main" val="1577608759"/>
-      </p:ext>
-    </p:extLst>
-  </p:cSld>
-  <p:clrMapOvr>
-    <a:masterClrMapping/>
-  </p:clrMapOvr>
-  <p:timing>
-    <p:tnLst>
-      <p:par>
-        <p:cTn id="1" dur="indefinite" restart="never" nodeType="tmRoot"/>
-      </p:par>
-    </p:tnLst>
-  </p:timing>
-</p:sld>
-</file>
-
 <file path=ppt/slides/slide18.xml><?xml version="1.0" encoding="utf-8"?>
 <p:sld xmlns:a="http://schemas.openxmlformats.org/drawingml/2006/main" xmlns:r="http://schemas.openxmlformats.org/officeDocument/2006/relationships" xmlns:p="http://schemas.openxmlformats.org/presentationml/2006/main">
   <p:cSld>
@@ -4759,39 +5210,210 @@
           <a:chExt cx="0" cy="0"/>
         </a:xfrm>
       </p:grpSpPr>
-      <p:pic>
-        <p:nvPicPr>
-          <p:cNvPr id="4" name="内容占位符 3"/>
-          <p:cNvPicPr>
-            <a:picLocks noGrp="1" noChangeAspect="1"/>
-          </p:cNvPicPr>
+      <p:sp>
+        <p:nvSpPr>
+          <p:cNvPr id="3" name="内容占位符 2"/>
+          <p:cNvSpPr>
+            <a:spLocks noGrp="1"/>
+          </p:cNvSpPr>
           <p:nvPr>
             <p:ph idx="1"/>
           </p:nvPr>
-        </p:nvPicPr>
-        <p:blipFill>
-          <a:blip r:embed="rId2">
-            <a:extLst>
-              <a:ext uri="{28A0092B-C50C-407E-A947-70E740481C1C}">
-                <a14:useLocalDpi xmlns:a14="http://schemas.microsoft.com/office/drawing/2010/main" val="0"/>
-              </a:ext>
-            </a:extLst>
-          </a:blip>
-          <a:stretch>
-            <a:fillRect/>
-          </a:stretch>
-        </p:blipFill>
+        </p:nvSpPr>
         <p:spPr>
           <a:xfrm>
-            <a:off x="2114416" y="525145"/>
-            <a:ext cx="7090544" cy="5797794"/>
+            <a:off x="838200" y="772160"/>
+            <a:ext cx="10515600" cy="5404803"/>
           </a:xfrm>
         </p:spPr>
-      </p:pic>
+        <p:txBody>
+          <a:bodyPr>
+            <a:normAutofit lnSpcReduction="10000"/>
+          </a:bodyPr>
+          <a:lstStyle/>
+          <a:p>
+            <a:r>
+              <a:rPr kumimoji="1" lang="zh-CN" altLang="en-US" dirty="0" smtClean="0"/>
+              <a:t>链式</a:t>
+            </a:r>
+            <a:r>
+              <a:rPr kumimoji="1" lang="en-US" altLang="zh-CN" dirty="0" smtClean="0"/>
+              <a:t>Promise</a:t>
+            </a:r>
+            <a:r>
+              <a:rPr kumimoji="1" lang="zh-CN" altLang="en-US" dirty="0" smtClean="0"/>
+              <a:t>步骤</a:t>
+            </a:r>
+            <a:endParaRPr kumimoji="1" lang="en-US" altLang="zh-CN" dirty="0" smtClean="0"/>
+          </a:p>
+          <a:p>
+            <a:endParaRPr kumimoji="1" lang="en-US" altLang="zh-CN" dirty="0" smtClean="0"/>
+          </a:p>
+          <a:p>
+            <a:pPr lvl="1"/>
+            <a:r>
+              <a:rPr kumimoji="1" lang="zh-CN" altLang="en-US" dirty="0" smtClean="0"/>
+              <a:t>初始化参数</a:t>
+            </a:r>
+            <a:r>
+              <a:rPr kumimoji="1" lang="zh-CN" altLang="en-US" dirty="0"/>
+              <a:t>：</a:t>
+            </a:r>
+            <a:r>
+              <a:rPr kumimoji="1" lang="zh-CN" altLang="en-US" dirty="0" smtClean="0"/>
+              <a:t>被选中的卡片</a:t>
+            </a:r>
+            <a:r>
+              <a:rPr kumimoji="1" lang="en-US" altLang="zh-CN" dirty="0" err="1" smtClean="0"/>
+              <a:t>SelectedCardID</a:t>
+            </a:r>
+            <a:endParaRPr kumimoji="1" lang="en-US" altLang="zh-CN" dirty="0" smtClean="0"/>
+          </a:p>
+          <a:p>
+            <a:pPr lvl="1"/>
+            <a:endParaRPr kumimoji="1" lang="en-US" altLang="zh-CN" dirty="0" smtClean="0"/>
+          </a:p>
+          <a:p>
+            <a:pPr lvl="1"/>
+            <a:r>
+              <a:rPr kumimoji="1" lang="en-US" altLang="zh-CN" dirty="0" smtClean="0"/>
+              <a:t>1</a:t>
+            </a:r>
+            <a:r>
+              <a:rPr kumimoji="1" lang="zh-CN" altLang="en-US" dirty="0" smtClean="0"/>
+              <a:t>根据</a:t>
+            </a:r>
+            <a:r>
+              <a:rPr kumimoji="1" lang="en-US" altLang="zh-CN" dirty="0" err="1" smtClean="0"/>
+              <a:t>SelectedCardID</a:t>
+            </a:r>
+            <a:r>
+              <a:rPr kumimoji="1" lang="zh-CN" altLang="en-US" dirty="0" smtClean="0"/>
+              <a:t>获取卡片数据（</a:t>
+            </a:r>
+            <a:r>
+              <a:rPr kumimoji="1" lang="en-US" altLang="zh-CN" dirty="0" smtClean="0"/>
+              <a:t>/info/</a:t>
+            </a:r>
+            <a:r>
+              <a:rPr kumimoji="1" lang="en-US" altLang="zh-CN" dirty="0" err="1" smtClean="0"/>
+              <a:t>cards.do</a:t>
+            </a:r>
+            <a:r>
+              <a:rPr kumimoji="1" lang="en-US" altLang="zh-CN" dirty="0" smtClean="0"/>
+              <a:t>)</a:t>
+            </a:r>
+          </a:p>
+          <a:p>
+            <a:pPr lvl="1"/>
+            <a:endParaRPr kumimoji="1" lang="en-US" altLang="zh-CN" dirty="0" smtClean="0"/>
+          </a:p>
+          <a:p>
+            <a:pPr lvl="1"/>
+            <a:r>
+              <a:rPr kumimoji="1" lang="en-US" altLang="zh-CN" dirty="0" smtClean="0"/>
+              <a:t>2</a:t>
+            </a:r>
+            <a:r>
+              <a:rPr kumimoji="1" lang="zh-CN" altLang="en-US" dirty="0" smtClean="0"/>
+              <a:t>根据获取的</a:t>
+            </a:r>
+            <a:r>
+              <a:rPr kumimoji="1" lang="en-US" altLang="zh-CN" dirty="0" smtClean="0"/>
+              <a:t>data</a:t>
+            </a:r>
+            <a:r>
+              <a:rPr kumimoji="1" lang="zh-CN" altLang="en-US" dirty="0" smtClean="0"/>
+              <a:t>复制出新的卡片 </a:t>
+            </a:r>
+            <a:r>
+              <a:rPr kumimoji="1" lang="en-US" altLang="zh-CN" dirty="0" smtClean="0"/>
+              <a:t>(/info/</a:t>
+            </a:r>
+            <a:r>
+              <a:rPr kumimoji="1" lang="en-US" altLang="zh-CN" dirty="0" err="1" smtClean="0"/>
+              <a:t>create.do</a:t>
+            </a:r>
+            <a:r>
+              <a:rPr kumimoji="1" lang="en-US" altLang="zh-CN" dirty="0" smtClean="0"/>
+              <a:t>)</a:t>
+            </a:r>
+            <a:r>
+              <a:rPr kumimoji="1" lang="zh-CN" altLang="en-US" dirty="0" smtClean="0"/>
+              <a:t>。把生成的卡片的</a:t>
+            </a:r>
+            <a:r>
+              <a:rPr kumimoji="1" lang="en-US" altLang="zh-CN" dirty="0" smtClean="0"/>
+              <a:t>Id</a:t>
+            </a:r>
+            <a:r>
+              <a:rPr kumimoji="1" lang="zh-CN" altLang="en-US" dirty="0" smtClean="0"/>
+              <a:t>交给代理。</a:t>
+            </a:r>
+            <a:endParaRPr kumimoji="1" lang="en-US" altLang="zh-CN" dirty="0" smtClean="0"/>
+          </a:p>
+          <a:p>
+            <a:pPr lvl="1"/>
+            <a:endParaRPr kumimoji="1" lang="en-US" altLang="zh-CN" dirty="0"/>
+          </a:p>
+          <a:p>
+            <a:pPr lvl="1"/>
+            <a:r>
+              <a:rPr kumimoji="1" lang="en-US" altLang="zh-CN" dirty="0" smtClean="0"/>
+              <a:t>3</a:t>
+            </a:r>
+            <a:r>
+              <a:rPr kumimoji="1" lang="zh-CN" altLang="en-US" dirty="0" smtClean="0"/>
+              <a:t>根据</a:t>
+            </a:r>
+            <a:r>
+              <a:rPr kumimoji="1" lang="en-US" altLang="zh-CN" dirty="0" err="1" smtClean="0"/>
+              <a:t>SelectedCardID</a:t>
+            </a:r>
+            <a:r>
+              <a:rPr kumimoji="1" lang="zh-CN" altLang="en-US" dirty="0" smtClean="0"/>
+              <a:t>获取卡片内的卡片项</a:t>
+            </a:r>
+            <a:r>
+              <a:rPr kumimoji="1" lang="en-US" altLang="zh-CN" dirty="0" smtClean="0"/>
+              <a:t>(/universal/</a:t>
+            </a:r>
+            <a:r>
+              <a:rPr kumimoji="1" lang="en-US" altLang="zh-CN" dirty="0" err="1" smtClean="0"/>
+              <a:t>items.do</a:t>
+            </a:r>
+            <a:r>
+              <a:rPr kumimoji="1" lang="en-US" altLang="zh-CN" dirty="0" smtClean="0"/>
+              <a:t>)</a:t>
+            </a:r>
+            <a:r>
+              <a:rPr kumimoji="1" lang="zh-CN" altLang="en-US" dirty="0" smtClean="0"/>
+              <a:t>。把旧的卡片项集合交给代理</a:t>
+            </a:r>
+            <a:endParaRPr kumimoji="1" lang="en-US" altLang="zh-CN" dirty="0" smtClean="0"/>
+          </a:p>
+          <a:p>
+            <a:pPr lvl="1"/>
+            <a:endParaRPr kumimoji="1" lang="en-US" altLang="zh-CN" dirty="0"/>
+          </a:p>
+          <a:p>
+            <a:pPr lvl="1"/>
+            <a:r>
+              <a:rPr kumimoji="1" lang="en-US" altLang="zh-CN" dirty="0" smtClean="0"/>
+              <a:t>4</a:t>
+            </a:r>
+            <a:r>
+              <a:rPr kumimoji="1" lang="zh-CN" altLang="en-US" dirty="0" smtClean="0"/>
+              <a:t>根据获取到的卡片项集合，创建新的卡片项集合。并把新的卡片项集合交给代理</a:t>
+            </a:r>
+            <a:endParaRPr kumimoji="1" lang="en-US" altLang="zh-CN" dirty="0" smtClean="0"/>
+          </a:p>
+        </p:txBody>
+      </p:sp>
     </p:spTree>
     <p:extLst>
       <p:ext uri="{BB962C8B-B14F-4D97-AF65-F5344CB8AC3E}">
-        <p14:creationId xmlns:p14="http://schemas.microsoft.com/office/powerpoint/2010/main" val="297584254"/>
+        <p14:creationId xmlns:p14="http://schemas.microsoft.com/office/powerpoint/2010/main" val="860470238"/>
       </p:ext>
     </p:extLst>
   </p:cSld>
@@ -4825,38 +5447,241 @@
           <a:chExt cx="0" cy="0"/>
         </a:xfrm>
       </p:grpSpPr>
-      <p:sp>
-        <p:nvSpPr>
-          <p:cNvPr id="2" name="标题 1"/>
-          <p:cNvSpPr>
-            <a:spLocks noGrp="1"/>
-          </p:cNvSpPr>
-          <p:nvPr>
-            <p:ph type="title"/>
-          </p:nvPr>
-        </p:nvSpPr>
+      <p:pic>
+        <p:nvPicPr>
+          <p:cNvPr id="4" name="内容占位符 3"/>
+          <p:cNvPicPr>
+            <a:picLocks noGrp="1" noChangeAspect="1"/>
+          </p:cNvPicPr>
+          <p:nvPr>
+            <p:ph idx="1"/>
+          </p:nvPr>
+        </p:nvPicPr>
+        <p:blipFill>
+          <a:blip r:embed="rId2">
+            <a:extLst>
+              <a:ext uri="{28A0092B-C50C-407E-A947-70E740481C1C}">
+                <a14:useLocalDpi xmlns:a14="http://schemas.microsoft.com/office/drawing/2010/main" val="0"/>
+              </a:ext>
+            </a:extLst>
+          </a:blip>
+          <a:stretch>
+            <a:fillRect/>
+          </a:stretch>
+        </p:blipFill>
         <p:spPr>
           <a:xfrm>
-            <a:off x="5161280" y="2682240"/>
-            <a:ext cx="7289800" cy="1040448"/>
+            <a:off x="3129280" y="841755"/>
+            <a:ext cx="5255476" cy="5883848"/>
           </a:xfrm>
         </p:spPr>
-        <p:txBody>
-          <a:bodyPr/>
-          <a:lstStyle/>
-          <a:p>
+      </p:pic>
+      <p:sp>
+        <p:nvSpPr>
+          <p:cNvPr id="5" name="内容占位符 2"/>
+          <p:cNvSpPr txBox="1">
+            <a:spLocks/>
+          </p:cNvSpPr>
+          <p:nvPr/>
+        </p:nvSpPr>
+        <p:spPr>
+          <a:xfrm>
+            <a:off x="608438" y="323595"/>
+            <a:ext cx="9403080" cy="833120"/>
+          </a:xfrm>
+          <a:prstGeom prst="rect">
+            <a:avLst/>
+          </a:prstGeom>
+        </p:spPr>
+        <p:txBody>
+          <a:bodyPr vert="horz" lIns="91440" tIns="45720" rIns="91440" bIns="45720" rtlCol="0">
+            <a:normAutofit/>
+          </a:bodyPr>
+          <a:lstStyle>
+            <a:lvl1pPr marL="228600" indent="-228600" algn="l" defTabSz="914400" rtl="0" eaLnBrk="1" latinLnBrk="0" hangingPunct="1">
+              <a:lnSpc>
+                <a:spcPct val="90000"/>
+              </a:lnSpc>
+              <a:spcBef>
+                <a:spcPts val="1000"/>
+              </a:spcBef>
+              <a:buFont typeface="Arial" panose="020B0604020202020204" pitchFamily="34" charset="0"/>
+              <a:buChar char="•"/>
+              <a:defRPr sz="2800" kern="1200">
+                <a:solidFill>
+                  <a:schemeClr val="tx1"/>
+                </a:solidFill>
+                <a:latin typeface="+mn-lt"/>
+                <a:ea typeface="+mn-ea"/>
+                <a:cs typeface="+mn-cs"/>
+              </a:defRPr>
+            </a:lvl1pPr>
+            <a:lvl2pPr marL="685800" indent="-228600" algn="l" defTabSz="914400" rtl="0" eaLnBrk="1" latinLnBrk="0" hangingPunct="1">
+              <a:lnSpc>
+                <a:spcPct val="90000"/>
+              </a:lnSpc>
+              <a:spcBef>
+                <a:spcPts val="500"/>
+              </a:spcBef>
+              <a:buFont typeface="Arial" panose="020B0604020202020204" pitchFamily="34" charset="0"/>
+              <a:buChar char="•"/>
+              <a:defRPr sz="2400" kern="1200">
+                <a:solidFill>
+                  <a:schemeClr val="tx1"/>
+                </a:solidFill>
+                <a:latin typeface="+mn-lt"/>
+                <a:ea typeface="+mn-ea"/>
+                <a:cs typeface="+mn-cs"/>
+              </a:defRPr>
+            </a:lvl2pPr>
+            <a:lvl3pPr marL="1143000" indent="-228600" algn="l" defTabSz="914400" rtl="0" eaLnBrk="1" latinLnBrk="0" hangingPunct="1">
+              <a:lnSpc>
+                <a:spcPct val="90000"/>
+              </a:lnSpc>
+              <a:spcBef>
+                <a:spcPts val="500"/>
+              </a:spcBef>
+              <a:buFont typeface="Arial" panose="020B0604020202020204" pitchFamily="34" charset="0"/>
+              <a:buChar char="•"/>
+              <a:defRPr sz="2000" kern="1200">
+                <a:solidFill>
+                  <a:schemeClr val="tx1"/>
+                </a:solidFill>
+                <a:latin typeface="+mn-lt"/>
+                <a:ea typeface="+mn-ea"/>
+                <a:cs typeface="+mn-cs"/>
+              </a:defRPr>
+            </a:lvl3pPr>
+            <a:lvl4pPr marL="1600200" indent="-228600" algn="l" defTabSz="914400" rtl="0" eaLnBrk="1" latinLnBrk="0" hangingPunct="1">
+              <a:lnSpc>
+                <a:spcPct val="90000"/>
+              </a:lnSpc>
+              <a:spcBef>
+                <a:spcPts val="500"/>
+              </a:spcBef>
+              <a:buFont typeface="Arial" panose="020B0604020202020204" pitchFamily="34" charset="0"/>
+              <a:buChar char="•"/>
+              <a:defRPr sz="1800" kern="1200">
+                <a:solidFill>
+                  <a:schemeClr val="tx1"/>
+                </a:solidFill>
+                <a:latin typeface="+mn-lt"/>
+                <a:ea typeface="+mn-ea"/>
+                <a:cs typeface="+mn-cs"/>
+              </a:defRPr>
+            </a:lvl4pPr>
+            <a:lvl5pPr marL="2057400" indent="-228600" algn="l" defTabSz="914400" rtl="0" eaLnBrk="1" latinLnBrk="0" hangingPunct="1">
+              <a:lnSpc>
+                <a:spcPct val="90000"/>
+              </a:lnSpc>
+              <a:spcBef>
+                <a:spcPts val="500"/>
+              </a:spcBef>
+              <a:buFont typeface="Arial" panose="020B0604020202020204" pitchFamily="34" charset="0"/>
+              <a:buChar char="•"/>
+              <a:defRPr sz="1800" kern="1200">
+                <a:solidFill>
+                  <a:schemeClr val="tx1"/>
+                </a:solidFill>
+                <a:latin typeface="+mn-lt"/>
+                <a:ea typeface="+mn-ea"/>
+                <a:cs typeface="+mn-cs"/>
+              </a:defRPr>
+            </a:lvl5pPr>
+            <a:lvl6pPr marL="2514600" indent="-228600" algn="l" defTabSz="914400" rtl="0" eaLnBrk="1" latinLnBrk="0" hangingPunct="1">
+              <a:lnSpc>
+                <a:spcPct val="90000"/>
+              </a:lnSpc>
+              <a:spcBef>
+                <a:spcPts val="500"/>
+              </a:spcBef>
+              <a:buFont typeface="Arial" panose="020B0604020202020204" pitchFamily="34" charset="0"/>
+              <a:buChar char="•"/>
+              <a:defRPr sz="1800" kern="1200">
+                <a:solidFill>
+                  <a:schemeClr val="tx1"/>
+                </a:solidFill>
+                <a:latin typeface="+mn-lt"/>
+                <a:ea typeface="+mn-ea"/>
+                <a:cs typeface="+mn-cs"/>
+              </a:defRPr>
+            </a:lvl6pPr>
+            <a:lvl7pPr marL="2971800" indent="-228600" algn="l" defTabSz="914400" rtl="0" eaLnBrk="1" latinLnBrk="0" hangingPunct="1">
+              <a:lnSpc>
+                <a:spcPct val="90000"/>
+              </a:lnSpc>
+              <a:spcBef>
+                <a:spcPts val="500"/>
+              </a:spcBef>
+              <a:buFont typeface="Arial" panose="020B0604020202020204" pitchFamily="34" charset="0"/>
+              <a:buChar char="•"/>
+              <a:defRPr sz="1800" kern="1200">
+                <a:solidFill>
+                  <a:schemeClr val="tx1"/>
+                </a:solidFill>
+                <a:latin typeface="+mn-lt"/>
+                <a:ea typeface="+mn-ea"/>
+                <a:cs typeface="+mn-cs"/>
+              </a:defRPr>
+            </a:lvl7pPr>
+            <a:lvl8pPr marL="3429000" indent="-228600" algn="l" defTabSz="914400" rtl="0" eaLnBrk="1" latinLnBrk="0" hangingPunct="1">
+              <a:lnSpc>
+                <a:spcPct val="90000"/>
+              </a:lnSpc>
+              <a:spcBef>
+                <a:spcPts val="500"/>
+              </a:spcBef>
+              <a:buFont typeface="Arial" panose="020B0604020202020204" pitchFamily="34" charset="0"/>
+              <a:buChar char="•"/>
+              <a:defRPr sz="1800" kern="1200">
+                <a:solidFill>
+                  <a:schemeClr val="tx1"/>
+                </a:solidFill>
+                <a:latin typeface="+mn-lt"/>
+                <a:ea typeface="+mn-ea"/>
+                <a:cs typeface="+mn-cs"/>
+              </a:defRPr>
+            </a:lvl8pPr>
+            <a:lvl9pPr marL="3886200" indent="-228600" algn="l" defTabSz="914400" rtl="0" eaLnBrk="1" latinLnBrk="0" hangingPunct="1">
+              <a:lnSpc>
+                <a:spcPct val="90000"/>
+              </a:lnSpc>
+              <a:spcBef>
+                <a:spcPts val="500"/>
+              </a:spcBef>
+              <a:buFont typeface="Arial" panose="020B0604020202020204" pitchFamily="34" charset="0"/>
+              <a:buChar char="•"/>
+              <a:defRPr sz="1800" kern="1200">
+                <a:solidFill>
+                  <a:schemeClr val="tx1"/>
+                </a:solidFill>
+                <a:latin typeface="+mn-lt"/>
+                <a:ea typeface="+mn-ea"/>
+                <a:cs typeface="+mn-cs"/>
+              </a:defRPr>
+            </a:lvl9pPr>
+          </a:lstStyle>
+          <a:p>
+            <a:r>
+              <a:rPr kumimoji="1" lang="zh-CN" altLang="en-US" dirty="0" smtClean="0"/>
+              <a:t>使用</a:t>
+            </a:r>
             <a:r>
               <a:rPr kumimoji="1" lang="en-US" altLang="zh-CN" dirty="0" smtClean="0"/>
-              <a:t>fine</a:t>
-            </a:r>
-            <a:endParaRPr kumimoji="1" lang="zh-CN" altLang="en-US" dirty="0"/>
+              <a:t>promise</a:t>
+            </a:r>
+            <a:r>
+              <a:rPr kumimoji="1" lang="zh-CN" altLang="en-US" dirty="0" smtClean="0"/>
+              <a:t>与工场完成请求</a:t>
+            </a:r>
+            <a:endParaRPr kumimoji="1" lang="en-US" altLang="zh-CN" dirty="0" smtClean="0"/>
           </a:p>
         </p:txBody>
       </p:sp>
     </p:spTree>
     <p:extLst>
       <p:ext uri="{BB962C8B-B14F-4D97-AF65-F5344CB8AC3E}">
-        <p14:creationId xmlns:p14="http://schemas.microsoft.com/office/powerpoint/2010/main" val="338552550"/>
+        <p14:creationId xmlns:p14="http://schemas.microsoft.com/office/powerpoint/2010/main" val="1890161495"/>
       </p:ext>
     </p:extLst>
   </p:cSld>
@@ -4892,47 +5717,24 @@
       </p:grpSpPr>
       <p:sp>
         <p:nvSpPr>
-          <p:cNvPr id="2" name="标题 1"/>
-          <p:cNvSpPr>
-            <a:spLocks noGrp="1"/>
-          </p:cNvSpPr>
-          <p:nvPr>
-            <p:ph type="title"/>
+          <p:cNvPr id="3" name="内容占位符 2"/>
+          <p:cNvSpPr>
+            <a:spLocks noGrp="1"/>
+          </p:cNvSpPr>
+          <p:nvPr>
+            <p:ph idx="1"/>
           </p:nvPr>
         </p:nvSpPr>
         <p:spPr>
           <a:xfrm>
-            <a:off x="838200" y="365126"/>
-            <a:ext cx="10515600" cy="792162"/>
+            <a:off x="716280" y="687705"/>
+            <a:ext cx="10515600" cy="4351338"/>
           </a:xfrm>
         </p:spPr>
         <p:txBody>
           <a:bodyPr>
-            <a:normAutofit/>
+            <a:normAutofit lnSpcReduction="10000"/>
           </a:bodyPr>
-          <a:lstStyle/>
-          <a:p>
-            <a:r>
-              <a:rPr kumimoji="1" lang="zh-CN" altLang="en-US" sz="3600" dirty="0" smtClean="0"/>
-              <a:t>简述</a:t>
-            </a:r>
-            <a:endParaRPr kumimoji="1" lang="zh-CN" altLang="en-US" sz="3600" dirty="0"/>
-          </a:p>
-        </p:txBody>
-      </p:sp>
-      <p:sp>
-        <p:nvSpPr>
-          <p:cNvPr id="3" name="内容占位符 2"/>
-          <p:cNvSpPr>
-            <a:spLocks noGrp="1"/>
-          </p:cNvSpPr>
-          <p:nvPr>
-            <p:ph idx="1"/>
-          </p:nvPr>
-        </p:nvSpPr>
-        <p:spPr/>
-        <p:txBody>
-          <a:bodyPr/>
           <a:lstStyle/>
           <a:p>
             <a:pPr>
@@ -4955,6 +5757,14 @@
               </a:spcBef>
             </a:pPr>
             <a:r>
+              <a:rPr kumimoji="1" lang="zh-CN" altLang="en-US" dirty="0" smtClean="0">
+                <a:solidFill>
+                  <a:srgbClr val="92D050"/>
+                </a:solidFill>
+              </a:rPr>
+              <a:t>简介：</a:t>
+            </a:r>
+            <a:r>
               <a:rPr kumimoji="1" lang="en-US" altLang="zh-CN" dirty="0" err="1" smtClean="0"/>
               <a:t>ExtJs</a:t>
             </a:r>
@@ -4981,11 +5791,45 @@
                 <a:spcPts val="0"/>
               </a:spcBef>
             </a:pPr>
-            <a:r>
-              <a:rPr kumimoji="1" lang="zh-CN" altLang="en-US" dirty="0" smtClean="0"/>
-              <a:t>主要特性</a:t>
-            </a:r>
             <a:endParaRPr kumimoji="1" lang="en-US" altLang="zh-CN" dirty="0" smtClean="0"/>
+          </a:p>
+          <a:p>
+            <a:pPr>
+              <a:lnSpc>
+                <a:spcPct val="100000"/>
+              </a:lnSpc>
+              <a:spcBef>
+                <a:spcPts val="0"/>
+              </a:spcBef>
+            </a:pPr>
+            <a:r>
+              <a:rPr kumimoji="1" lang="zh-CN" altLang="en-US" dirty="0" smtClean="0">
+                <a:solidFill>
+                  <a:srgbClr val="92D050"/>
+                </a:solidFill>
+              </a:rPr>
+              <a:t>主要特性：</a:t>
+            </a:r>
+            <a:endParaRPr kumimoji="1" lang="en-US" altLang="zh-CN" dirty="0" smtClean="0">
+              <a:solidFill>
+                <a:srgbClr val="92D050"/>
+              </a:solidFill>
+            </a:endParaRPr>
+          </a:p>
+          <a:p>
+            <a:pPr>
+              <a:lnSpc>
+                <a:spcPct val="100000"/>
+              </a:lnSpc>
+              <a:spcBef>
+                <a:spcPts val="0"/>
+              </a:spcBef>
+            </a:pPr>
+            <a:endParaRPr kumimoji="1" lang="en-US" altLang="zh-CN" dirty="0" smtClean="0">
+              <a:solidFill>
+                <a:srgbClr val="92D050"/>
+              </a:solidFill>
+            </a:endParaRPr>
           </a:p>
           <a:p>
             <a:pPr lvl="1">
@@ -4997,9 +5841,10 @@
               </a:spcBef>
             </a:pPr>
             <a:r>
-              <a:rPr kumimoji="1" lang="en-US" altLang="zh-CN" dirty="0" smtClean="0"/>
-              <a:t>MVC</a:t>
-            </a:r>
+              <a:rPr kumimoji="1" lang="zh-CN" altLang="en-US" dirty="0"/>
+              <a:t>面向对象</a:t>
+            </a:r>
+            <a:endParaRPr kumimoji="1" lang="en-US" altLang="zh-CN" dirty="0"/>
           </a:p>
           <a:p>
             <a:pPr lvl="1">
@@ -5026,10 +5871,10 @@
               </a:spcBef>
             </a:pPr>
             <a:r>
-              <a:rPr kumimoji="1" lang="zh-CN" altLang="en-US" dirty="0" smtClean="0"/>
-              <a:t>面向对象</a:t>
-            </a:r>
-            <a:endParaRPr kumimoji="1" lang="en-US" altLang="zh-CN" dirty="0" smtClean="0"/>
+              <a:rPr kumimoji="1" lang="en-US" altLang="zh-CN" dirty="0" smtClean="0"/>
+              <a:t>MVC</a:t>
+            </a:r>
+            <a:endParaRPr kumimoji="1" lang="en-US" altLang="zh-CN" dirty="0"/>
           </a:p>
           <a:p>
             <a:pPr lvl="1">
@@ -5045,57 +5890,180 @@
               <a:t>JS</a:t>
             </a:r>
             <a:r>
-              <a:rPr kumimoji="1" lang="zh-CN" altLang="en-US" dirty="0" smtClean="0"/>
+              <a:rPr kumimoji="1" lang="zh-CN" altLang="en-US" dirty="0"/>
               <a:t>为主（</a:t>
             </a:r>
             <a:r>
-              <a:rPr kumimoji="1" lang="en-US" altLang="zh-CN" dirty="0" smtClean="0"/>
+              <a:rPr kumimoji="1" lang="en-US" altLang="zh-CN" dirty="0"/>
               <a:t>UI</a:t>
             </a:r>
             <a:r>
-              <a:rPr kumimoji="1" lang="zh-CN" altLang="en-US" dirty="0" smtClean="0"/>
+              <a:rPr kumimoji="1" lang="zh-CN" altLang="en-US" dirty="0"/>
               <a:t>，</a:t>
             </a:r>
             <a:r>
-              <a:rPr kumimoji="1" lang="en-US" altLang="zh-CN" dirty="0" smtClean="0"/>
+              <a:rPr kumimoji="1" lang="en-US" altLang="zh-CN" dirty="0"/>
               <a:t>Component</a:t>
             </a:r>
             <a:r>
-              <a:rPr kumimoji="1" lang="zh-CN" altLang="en-US" dirty="0" smtClean="0"/>
+              <a:rPr kumimoji="1" lang="zh-CN" altLang="en-US" dirty="0"/>
               <a:t>，</a:t>
             </a:r>
             <a:r>
-              <a:rPr kumimoji="1" lang="en-US" altLang="zh-CN" dirty="0" smtClean="0"/>
+              <a:rPr kumimoji="1" lang="en-US" altLang="zh-CN" dirty="0"/>
               <a:t>Class</a:t>
             </a:r>
             <a:r>
-              <a:rPr kumimoji="1" lang="zh-CN" altLang="en-US" dirty="0" smtClean="0"/>
+              <a:rPr kumimoji="1" lang="zh-CN" altLang="en-US" dirty="0"/>
               <a:t>，</a:t>
             </a:r>
             <a:r>
-              <a:rPr kumimoji="1" lang="en-US" altLang="zh-CN" dirty="0" smtClean="0"/>
+              <a:rPr kumimoji="1" lang="en-US" altLang="zh-CN" dirty="0"/>
               <a:t>Ajax</a:t>
             </a:r>
             <a:r>
-              <a:rPr kumimoji="1" lang="zh-CN" altLang="en-US" dirty="0" smtClean="0"/>
+              <a:rPr kumimoji="1" lang="zh-CN" altLang="en-US" dirty="0"/>
               <a:t>等几乎</a:t>
             </a:r>
             <a:r>
-              <a:rPr kumimoji="1" lang="en-US" altLang="zh-CN" dirty="0" smtClean="0"/>
+              <a:rPr kumimoji="1" lang="en-US" altLang="zh-CN" dirty="0"/>
               <a:t>90%</a:t>
             </a:r>
             <a:r>
-              <a:rPr kumimoji="1" lang="zh-CN" altLang="en-US" dirty="0" smtClean="0"/>
+              <a:rPr kumimoji="1" lang="zh-CN" altLang="en-US" dirty="0"/>
               <a:t>内容由</a:t>
             </a:r>
             <a:r>
-              <a:rPr kumimoji="1" lang="en-US" altLang="zh-CN" dirty="0" err="1" smtClean="0"/>
+              <a:rPr kumimoji="1" lang="en-US" altLang="zh-CN" dirty="0" err="1"/>
               <a:t>Js</a:t>
             </a:r>
             <a:r>
-              <a:rPr kumimoji="1" lang="zh-CN" altLang="en-US" dirty="0" smtClean="0"/>
+              <a:rPr kumimoji="1" lang="zh-CN" altLang="en-US" dirty="0"/>
               <a:t>控制）</a:t>
             </a:r>
+            <a:endParaRPr kumimoji="1" lang="en-US" altLang="zh-CN" dirty="0"/>
+          </a:p>
+          <a:p>
+            <a:pPr>
+              <a:lnSpc>
+                <a:spcPct val="100000"/>
+              </a:lnSpc>
+              <a:spcBef>
+                <a:spcPts val="0"/>
+              </a:spcBef>
+            </a:pPr>
+            <a:endParaRPr kumimoji="1" lang="en-US" altLang="zh-CN" dirty="0" smtClean="0">
+              <a:solidFill>
+                <a:srgbClr val="92D050"/>
+              </a:solidFill>
+            </a:endParaRPr>
+          </a:p>
+          <a:p>
+            <a:pPr>
+              <a:lnSpc>
+                <a:spcPct val="100000"/>
+              </a:lnSpc>
+              <a:spcBef>
+                <a:spcPts val="0"/>
+              </a:spcBef>
+            </a:pPr>
+            <a:r>
+              <a:rPr kumimoji="1" lang="zh-CN" altLang="en-US" dirty="0" smtClean="0">
+                <a:solidFill>
+                  <a:srgbClr val="92D050"/>
+                </a:solidFill>
+              </a:rPr>
+              <a:t>详细介绍：</a:t>
+            </a:r>
+            <a:endParaRPr kumimoji="1" lang="en-US" altLang="zh-CN" dirty="0">
+              <a:solidFill>
+                <a:srgbClr val="92D050"/>
+              </a:solidFill>
+            </a:endParaRPr>
+          </a:p>
+          <a:p>
+            <a:pPr>
+              <a:lnSpc>
+                <a:spcPct val="100000"/>
+              </a:lnSpc>
+              <a:spcBef>
+                <a:spcPts val="0"/>
+              </a:spcBef>
+            </a:pPr>
+            <a:endParaRPr kumimoji="1" lang="en-US" altLang="zh-CN" dirty="0" smtClean="0">
+              <a:solidFill>
+                <a:srgbClr val="92D050"/>
+              </a:solidFill>
+            </a:endParaRPr>
+          </a:p>
+          <a:p>
+            <a:pPr>
+              <a:lnSpc>
+                <a:spcPct val="100000"/>
+              </a:lnSpc>
+              <a:spcBef>
+                <a:spcPts val="0"/>
+              </a:spcBef>
+            </a:pPr>
+            <a:endParaRPr kumimoji="1" lang="en-US" altLang="zh-CN" dirty="0" smtClean="0">
+              <a:solidFill>
+                <a:srgbClr val="92D050"/>
+              </a:solidFill>
+            </a:endParaRPr>
+          </a:p>
+          <a:p>
+            <a:pPr lvl="1">
+              <a:lnSpc>
+                <a:spcPct val="100000"/>
+              </a:lnSpc>
+              <a:spcBef>
+                <a:spcPts val="0"/>
+              </a:spcBef>
+            </a:pPr>
+            <a:endParaRPr kumimoji="1" lang="en-US" altLang="zh-CN" dirty="0"/>
+          </a:p>
+          <a:p>
+            <a:pPr lvl="1">
+              <a:lnSpc>
+                <a:spcPct val="100000"/>
+              </a:lnSpc>
+              <a:spcBef>
+                <a:spcPts val="0"/>
+              </a:spcBef>
+            </a:pPr>
+            <a:endParaRPr kumimoji="1" lang="en-US" altLang="zh-CN" dirty="0" smtClean="0"/>
+          </a:p>
+          <a:p>
+            <a:pPr lvl="1">
+              <a:lnSpc>
+                <a:spcPct val="100000"/>
+              </a:lnSpc>
+              <a:spcBef>
+                <a:spcPts val="0"/>
+              </a:spcBef>
+            </a:pPr>
+            <a:endParaRPr kumimoji="1" lang="en-US" altLang="zh-CN" dirty="0" smtClean="0"/>
+          </a:p>
+          <a:p>
+            <a:pPr lvl="1">
+              <a:lnSpc>
+                <a:spcPct val="100000"/>
+              </a:lnSpc>
+              <a:spcBef>
+                <a:spcPts val="0"/>
+              </a:spcBef>
+            </a:pPr>
+            <a:endParaRPr kumimoji="1" lang="en-US" altLang="zh-CN" dirty="0" smtClean="0"/>
+          </a:p>
+          <a:p>
+            <a:pPr>
+              <a:lnSpc>
+                <a:spcPct val="100000"/>
+              </a:lnSpc>
+              <a:spcBef>
+                <a:spcPts val="0"/>
+              </a:spcBef>
+            </a:pPr>
             <a:endParaRPr kumimoji="1" lang="en-US" altLang="zh-CN" dirty="0" smtClean="0"/>
           </a:p>
           <a:p>
@@ -5195,6 +6163,438 @@
 </p:sld>
 </file>
 
+<file path=ppt/slides/slide20.xml><?xml version="1.0" encoding="utf-8"?>
+<p:sld xmlns:a="http://schemas.openxmlformats.org/drawingml/2006/main" xmlns:r="http://schemas.openxmlformats.org/officeDocument/2006/relationships" xmlns:p="http://schemas.openxmlformats.org/presentationml/2006/main">
+  <p:cSld>
+    <p:spTree>
+      <p:nvGrpSpPr>
+        <p:cNvPr id="1" name=""/>
+        <p:cNvGrpSpPr/>
+        <p:nvPr/>
+      </p:nvGrpSpPr>
+      <p:grpSpPr>
+        <a:xfrm>
+          <a:off x="0" y="0"/>
+          <a:ext cx="0" cy="0"/>
+          <a:chOff x="0" y="0"/>
+          <a:chExt cx="0" cy="0"/>
+        </a:xfrm>
+      </p:grpSpPr>
+      <p:sp>
+        <p:nvSpPr>
+          <p:cNvPr id="3" name="内容占位符 2"/>
+          <p:cNvSpPr>
+            <a:spLocks noGrp="1"/>
+          </p:cNvSpPr>
+          <p:nvPr>
+            <p:ph idx="1"/>
+          </p:nvPr>
+        </p:nvSpPr>
+        <p:spPr>
+          <a:xfrm>
+            <a:off x="878840" y="1402080"/>
+            <a:ext cx="10515600" cy="5831523"/>
+          </a:xfrm>
+        </p:spPr>
+        <p:txBody>
+          <a:bodyPr/>
+          <a:lstStyle/>
+          <a:p>
+            <a:r>
+              <a:rPr kumimoji="1" lang="zh-CN" altLang="en-US" dirty="0" smtClean="0"/>
+              <a:t>代理的作用</a:t>
+            </a:r>
+            <a:endParaRPr kumimoji="1" lang="en-US" altLang="zh-CN" dirty="0" smtClean="0"/>
+          </a:p>
+          <a:p>
+            <a:endParaRPr kumimoji="1" lang="en-US" altLang="zh-CN" dirty="0"/>
+          </a:p>
+          <a:p>
+            <a:pPr lvl="1"/>
+            <a:r>
+              <a:rPr kumimoji="1" lang="zh-CN" altLang="en-US" dirty="0" smtClean="0"/>
+              <a:t>拿到新的卡片的</a:t>
+            </a:r>
+            <a:r>
+              <a:rPr kumimoji="1" lang="en-US" altLang="zh-CN" dirty="0" smtClean="0"/>
+              <a:t>ID</a:t>
+            </a:r>
+          </a:p>
+          <a:p>
+            <a:pPr lvl="1"/>
+            <a:endParaRPr kumimoji="1" lang="en-US" altLang="zh-CN" dirty="0" smtClean="0"/>
+          </a:p>
+          <a:p>
+            <a:pPr lvl="1"/>
+            <a:r>
+              <a:rPr kumimoji="1" lang="zh-CN" altLang="en-US" dirty="0" smtClean="0"/>
+              <a:t>拿到旧的卡片项集合与新的卡片项集合，当集合长度一致时，说明卡片项全部创建完毕，此时进行新的卡片和卡片项的组装。</a:t>
+            </a:r>
+            <a:endParaRPr kumimoji="1" lang="zh-CN" altLang="en-US" dirty="0"/>
+          </a:p>
+        </p:txBody>
+      </p:sp>
+    </p:spTree>
+    <p:extLst>
+      <p:ext uri="{BB962C8B-B14F-4D97-AF65-F5344CB8AC3E}">
+        <p14:creationId xmlns:p14="http://schemas.microsoft.com/office/powerpoint/2010/main" val="1577608759"/>
+      </p:ext>
+    </p:extLst>
+  </p:cSld>
+  <p:clrMapOvr>
+    <a:masterClrMapping/>
+  </p:clrMapOvr>
+  <p:timing>
+    <p:tnLst>
+      <p:par>
+        <p:cTn id="1" dur="indefinite" restart="never" nodeType="tmRoot"/>
+      </p:par>
+    </p:tnLst>
+  </p:timing>
+</p:sld>
+</file>
+
+<file path=ppt/slides/slide21.xml><?xml version="1.0" encoding="utf-8"?>
+<p:sld xmlns:a="http://schemas.openxmlformats.org/drawingml/2006/main" xmlns:r="http://schemas.openxmlformats.org/officeDocument/2006/relationships" xmlns:p="http://schemas.openxmlformats.org/presentationml/2006/main">
+  <p:cSld>
+    <p:spTree>
+      <p:nvGrpSpPr>
+        <p:cNvPr id="1" name=""/>
+        <p:cNvGrpSpPr/>
+        <p:nvPr/>
+      </p:nvGrpSpPr>
+      <p:grpSpPr>
+        <a:xfrm>
+          <a:off x="0" y="0"/>
+          <a:ext cx="0" cy="0"/>
+          <a:chOff x="0" y="0"/>
+          <a:chExt cx="0" cy="0"/>
+        </a:xfrm>
+      </p:grpSpPr>
+      <p:pic>
+        <p:nvPicPr>
+          <p:cNvPr id="4" name="内容占位符 3"/>
+          <p:cNvPicPr>
+            <a:picLocks noGrp="1" noChangeAspect="1"/>
+          </p:cNvPicPr>
+          <p:nvPr>
+            <p:ph idx="1"/>
+          </p:nvPr>
+        </p:nvPicPr>
+        <p:blipFill>
+          <a:blip r:embed="rId2">
+            <a:extLst>
+              <a:ext uri="{28A0092B-C50C-407E-A947-70E740481C1C}">
+                <a14:useLocalDpi xmlns:a14="http://schemas.microsoft.com/office/drawing/2010/main" val="0"/>
+              </a:ext>
+            </a:extLst>
+          </a:blip>
+          <a:stretch>
+            <a:fillRect/>
+          </a:stretch>
+        </p:blipFill>
+        <p:spPr>
+          <a:xfrm>
+            <a:off x="2134736" y="809625"/>
+            <a:ext cx="7090544" cy="5797794"/>
+          </a:xfrm>
+        </p:spPr>
+      </p:pic>
+      <p:sp>
+        <p:nvSpPr>
+          <p:cNvPr id="5" name="内容占位符 2"/>
+          <p:cNvSpPr txBox="1">
+            <a:spLocks/>
+          </p:cNvSpPr>
+          <p:nvPr/>
+        </p:nvSpPr>
+        <p:spPr>
+          <a:xfrm>
+            <a:off x="608438" y="323594"/>
+            <a:ext cx="10933322" cy="854965"/>
+          </a:xfrm>
+          <a:prstGeom prst="rect">
+            <a:avLst/>
+          </a:prstGeom>
+        </p:spPr>
+        <p:txBody>
+          <a:bodyPr vert="horz" lIns="91440" tIns="45720" rIns="91440" bIns="45720" rtlCol="0">
+            <a:normAutofit fontScale="92500" lnSpcReduction="10000"/>
+          </a:bodyPr>
+          <a:lstStyle>
+            <a:lvl1pPr marL="228600" indent="-228600" algn="l" defTabSz="914400" rtl="0" eaLnBrk="1" latinLnBrk="0" hangingPunct="1">
+              <a:lnSpc>
+                <a:spcPct val="90000"/>
+              </a:lnSpc>
+              <a:spcBef>
+                <a:spcPts val="1000"/>
+              </a:spcBef>
+              <a:buFont typeface="Arial" panose="020B0604020202020204" pitchFamily="34" charset="0"/>
+              <a:buChar char="•"/>
+              <a:defRPr sz="2800" kern="1200">
+                <a:solidFill>
+                  <a:schemeClr val="tx1"/>
+                </a:solidFill>
+                <a:latin typeface="+mn-lt"/>
+                <a:ea typeface="+mn-ea"/>
+                <a:cs typeface="+mn-cs"/>
+              </a:defRPr>
+            </a:lvl1pPr>
+            <a:lvl2pPr marL="685800" indent="-228600" algn="l" defTabSz="914400" rtl="0" eaLnBrk="1" latinLnBrk="0" hangingPunct="1">
+              <a:lnSpc>
+                <a:spcPct val="90000"/>
+              </a:lnSpc>
+              <a:spcBef>
+                <a:spcPts val="500"/>
+              </a:spcBef>
+              <a:buFont typeface="Arial" panose="020B0604020202020204" pitchFamily="34" charset="0"/>
+              <a:buChar char="•"/>
+              <a:defRPr sz="2400" kern="1200">
+                <a:solidFill>
+                  <a:schemeClr val="tx1"/>
+                </a:solidFill>
+                <a:latin typeface="+mn-lt"/>
+                <a:ea typeface="+mn-ea"/>
+                <a:cs typeface="+mn-cs"/>
+              </a:defRPr>
+            </a:lvl2pPr>
+            <a:lvl3pPr marL="1143000" indent="-228600" algn="l" defTabSz="914400" rtl="0" eaLnBrk="1" latinLnBrk="0" hangingPunct="1">
+              <a:lnSpc>
+                <a:spcPct val="90000"/>
+              </a:lnSpc>
+              <a:spcBef>
+                <a:spcPts val="500"/>
+              </a:spcBef>
+              <a:buFont typeface="Arial" panose="020B0604020202020204" pitchFamily="34" charset="0"/>
+              <a:buChar char="•"/>
+              <a:defRPr sz="2000" kern="1200">
+                <a:solidFill>
+                  <a:schemeClr val="tx1"/>
+                </a:solidFill>
+                <a:latin typeface="+mn-lt"/>
+                <a:ea typeface="+mn-ea"/>
+                <a:cs typeface="+mn-cs"/>
+              </a:defRPr>
+            </a:lvl3pPr>
+            <a:lvl4pPr marL="1600200" indent="-228600" algn="l" defTabSz="914400" rtl="0" eaLnBrk="1" latinLnBrk="0" hangingPunct="1">
+              <a:lnSpc>
+                <a:spcPct val="90000"/>
+              </a:lnSpc>
+              <a:spcBef>
+                <a:spcPts val="500"/>
+              </a:spcBef>
+              <a:buFont typeface="Arial" panose="020B0604020202020204" pitchFamily="34" charset="0"/>
+              <a:buChar char="•"/>
+              <a:defRPr sz="1800" kern="1200">
+                <a:solidFill>
+                  <a:schemeClr val="tx1"/>
+                </a:solidFill>
+                <a:latin typeface="+mn-lt"/>
+                <a:ea typeface="+mn-ea"/>
+                <a:cs typeface="+mn-cs"/>
+              </a:defRPr>
+            </a:lvl4pPr>
+            <a:lvl5pPr marL="2057400" indent="-228600" algn="l" defTabSz="914400" rtl="0" eaLnBrk="1" latinLnBrk="0" hangingPunct="1">
+              <a:lnSpc>
+                <a:spcPct val="90000"/>
+              </a:lnSpc>
+              <a:spcBef>
+                <a:spcPts val="500"/>
+              </a:spcBef>
+              <a:buFont typeface="Arial" panose="020B0604020202020204" pitchFamily="34" charset="0"/>
+              <a:buChar char="•"/>
+              <a:defRPr sz="1800" kern="1200">
+                <a:solidFill>
+                  <a:schemeClr val="tx1"/>
+                </a:solidFill>
+                <a:latin typeface="+mn-lt"/>
+                <a:ea typeface="+mn-ea"/>
+                <a:cs typeface="+mn-cs"/>
+              </a:defRPr>
+            </a:lvl5pPr>
+            <a:lvl6pPr marL="2514600" indent="-228600" algn="l" defTabSz="914400" rtl="0" eaLnBrk="1" latinLnBrk="0" hangingPunct="1">
+              <a:lnSpc>
+                <a:spcPct val="90000"/>
+              </a:lnSpc>
+              <a:spcBef>
+                <a:spcPts val="500"/>
+              </a:spcBef>
+              <a:buFont typeface="Arial" panose="020B0604020202020204" pitchFamily="34" charset="0"/>
+              <a:buChar char="•"/>
+              <a:defRPr sz="1800" kern="1200">
+                <a:solidFill>
+                  <a:schemeClr val="tx1"/>
+                </a:solidFill>
+                <a:latin typeface="+mn-lt"/>
+                <a:ea typeface="+mn-ea"/>
+                <a:cs typeface="+mn-cs"/>
+              </a:defRPr>
+            </a:lvl6pPr>
+            <a:lvl7pPr marL="2971800" indent="-228600" algn="l" defTabSz="914400" rtl="0" eaLnBrk="1" latinLnBrk="0" hangingPunct="1">
+              <a:lnSpc>
+                <a:spcPct val="90000"/>
+              </a:lnSpc>
+              <a:spcBef>
+                <a:spcPts val="500"/>
+              </a:spcBef>
+              <a:buFont typeface="Arial" panose="020B0604020202020204" pitchFamily="34" charset="0"/>
+              <a:buChar char="•"/>
+              <a:defRPr sz="1800" kern="1200">
+                <a:solidFill>
+                  <a:schemeClr val="tx1"/>
+                </a:solidFill>
+                <a:latin typeface="+mn-lt"/>
+                <a:ea typeface="+mn-ea"/>
+                <a:cs typeface="+mn-cs"/>
+              </a:defRPr>
+            </a:lvl7pPr>
+            <a:lvl8pPr marL="3429000" indent="-228600" algn="l" defTabSz="914400" rtl="0" eaLnBrk="1" latinLnBrk="0" hangingPunct="1">
+              <a:lnSpc>
+                <a:spcPct val="90000"/>
+              </a:lnSpc>
+              <a:spcBef>
+                <a:spcPts val="500"/>
+              </a:spcBef>
+              <a:buFont typeface="Arial" panose="020B0604020202020204" pitchFamily="34" charset="0"/>
+              <a:buChar char="•"/>
+              <a:defRPr sz="1800" kern="1200">
+                <a:solidFill>
+                  <a:schemeClr val="tx1"/>
+                </a:solidFill>
+                <a:latin typeface="+mn-lt"/>
+                <a:ea typeface="+mn-ea"/>
+                <a:cs typeface="+mn-cs"/>
+              </a:defRPr>
+            </a:lvl8pPr>
+            <a:lvl9pPr marL="3886200" indent="-228600" algn="l" defTabSz="914400" rtl="0" eaLnBrk="1" latinLnBrk="0" hangingPunct="1">
+              <a:lnSpc>
+                <a:spcPct val="90000"/>
+              </a:lnSpc>
+              <a:spcBef>
+                <a:spcPts val="500"/>
+              </a:spcBef>
+              <a:buFont typeface="Arial" panose="020B0604020202020204" pitchFamily="34" charset="0"/>
+              <a:buChar char="•"/>
+              <a:defRPr sz="1800" kern="1200">
+                <a:solidFill>
+                  <a:schemeClr val="tx1"/>
+                </a:solidFill>
+                <a:latin typeface="+mn-lt"/>
+                <a:ea typeface="+mn-ea"/>
+                <a:cs typeface="+mn-cs"/>
+              </a:defRPr>
+            </a:lvl9pPr>
+          </a:lstStyle>
+          <a:p>
+            <a:pPr>
+              <a:lnSpc>
+                <a:spcPct val="100000"/>
+              </a:lnSpc>
+              <a:spcBef>
+                <a:spcPts val="0"/>
+              </a:spcBef>
+            </a:pPr>
+            <a:r>
+              <a:rPr kumimoji="1" lang="zh-CN" altLang="en-US" dirty="0" smtClean="0"/>
+              <a:t>当</a:t>
+            </a:r>
+            <a:r>
+              <a:rPr kumimoji="1" lang="en-US" altLang="zh-CN" dirty="0" err="1" smtClean="0"/>
+              <a:t>ajax</a:t>
+            </a:r>
+            <a:r>
+              <a:rPr kumimoji="1" lang="zh-CN" altLang="en-US" dirty="0" smtClean="0"/>
+              <a:t>代理觉得万事具备时，便会发送请求，将新的卡片项放到新的卡片中</a:t>
+            </a:r>
+            <a:endParaRPr kumimoji="1" lang="en-US" altLang="zh-CN" dirty="0" smtClean="0"/>
+          </a:p>
+        </p:txBody>
+      </p:sp>
+    </p:spTree>
+    <p:extLst>
+      <p:ext uri="{BB962C8B-B14F-4D97-AF65-F5344CB8AC3E}">
+        <p14:creationId xmlns:p14="http://schemas.microsoft.com/office/powerpoint/2010/main" val="297584254"/>
+      </p:ext>
+    </p:extLst>
+  </p:cSld>
+  <p:clrMapOvr>
+    <a:masterClrMapping/>
+  </p:clrMapOvr>
+  <p:timing>
+    <p:tnLst>
+      <p:par>
+        <p:cTn id="1" dur="indefinite" restart="never" nodeType="tmRoot"/>
+      </p:par>
+    </p:tnLst>
+  </p:timing>
+</p:sld>
+</file>
+
+<file path=ppt/slides/slide22.xml><?xml version="1.0" encoding="utf-8"?>
+<p:sld xmlns:a="http://schemas.openxmlformats.org/drawingml/2006/main" xmlns:r="http://schemas.openxmlformats.org/officeDocument/2006/relationships" xmlns:p="http://schemas.openxmlformats.org/presentationml/2006/main">
+  <p:cSld>
+    <p:spTree>
+      <p:nvGrpSpPr>
+        <p:cNvPr id="1" name=""/>
+        <p:cNvGrpSpPr/>
+        <p:nvPr/>
+      </p:nvGrpSpPr>
+      <p:grpSpPr>
+        <a:xfrm>
+          <a:off x="0" y="0"/>
+          <a:ext cx="0" cy="0"/>
+          <a:chOff x="0" y="0"/>
+          <a:chExt cx="0" cy="0"/>
+        </a:xfrm>
+      </p:grpSpPr>
+      <p:sp>
+        <p:nvSpPr>
+          <p:cNvPr id="2" name="标题 1"/>
+          <p:cNvSpPr>
+            <a:spLocks noGrp="1"/>
+          </p:cNvSpPr>
+          <p:nvPr>
+            <p:ph type="title"/>
+          </p:nvPr>
+        </p:nvSpPr>
+        <p:spPr>
+          <a:xfrm>
+            <a:off x="5161280" y="2682240"/>
+            <a:ext cx="7289800" cy="1040448"/>
+          </a:xfrm>
+        </p:spPr>
+        <p:txBody>
+          <a:bodyPr/>
+          <a:lstStyle/>
+          <a:p>
+            <a:r>
+              <a:rPr kumimoji="1" lang="zh-CN" altLang="en-US" dirty="0" smtClean="0"/>
+              <a:t>完</a:t>
+            </a:r>
+            <a:endParaRPr kumimoji="1" lang="zh-CN" altLang="en-US" dirty="0"/>
+          </a:p>
+        </p:txBody>
+      </p:sp>
+    </p:spTree>
+    <p:extLst>
+      <p:ext uri="{BB962C8B-B14F-4D97-AF65-F5344CB8AC3E}">
+        <p14:creationId xmlns:p14="http://schemas.microsoft.com/office/powerpoint/2010/main" val="338552550"/>
+      </p:ext>
+    </p:extLst>
+  </p:cSld>
+  <p:clrMapOvr>
+    <a:masterClrMapping/>
+  </p:clrMapOvr>
+  <p:timing>
+    <p:tnLst>
+      <p:par>
+        <p:cTn id="1" dur="indefinite" restart="never" nodeType="tmRoot"/>
+      </p:par>
+    </p:tnLst>
+  </p:timing>
+</p:sld>
+</file>
+
 <file path=ppt/slides/slide3.xml><?xml version="1.0" encoding="utf-8"?>
 <p:sld xmlns:a="http://schemas.openxmlformats.org/drawingml/2006/main" xmlns:r="http://schemas.openxmlformats.org/officeDocument/2006/relationships" xmlns:p="http://schemas.openxmlformats.org/presentationml/2006/main">
   <p:cSld>
@@ -5214,70 +6614,124 @@
       </p:grpSpPr>
       <p:sp>
         <p:nvSpPr>
-          <p:cNvPr id="2" name="标题 1"/>
-          <p:cNvSpPr>
-            <a:spLocks noGrp="1"/>
-          </p:cNvSpPr>
-          <p:nvPr>
-            <p:ph type="title"/>
-          </p:nvPr>
-        </p:nvSpPr>
-        <p:spPr/>
+          <p:cNvPr id="3" name="内容占位符 2"/>
+          <p:cNvSpPr>
+            <a:spLocks noGrp="1"/>
+          </p:cNvSpPr>
+          <p:nvPr>
+            <p:ph idx="1"/>
+          </p:nvPr>
+        </p:nvSpPr>
+        <p:spPr>
+          <a:xfrm>
+            <a:off x="614680" y="768985"/>
+            <a:ext cx="10515600" cy="5835016"/>
+          </a:xfrm>
+        </p:spPr>
         <p:txBody>
           <a:bodyPr/>
           <a:lstStyle/>
           <a:p>
             <a:r>
+              <a:rPr kumimoji="1" lang="zh-CN" altLang="en-US" dirty="0" smtClean="0">
+                <a:solidFill>
+                  <a:schemeClr val="accent6"/>
+                </a:solidFill>
+              </a:rPr>
+              <a:t>开发准备</a:t>
+            </a:r>
+            <a:endParaRPr kumimoji="1" lang="en-US" altLang="zh-CN" dirty="0" smtClean="0">
+              <a:solidFill>
+                <a:schemeClr val="accent6"/>
+              </a:solidFill>
+            </a:endParaRPr>
+          </a:p>
+          <a:p>
+            <a:endParaRPr kumimoji="1" lang="en-US" altLang="zh-CN" dirty="0" smtClean="0">
+              <a:solidFill>
+                <a:schemeClr val="accent6"/>
+              </a:solidFill>
+            </a:endParaRPr>
+          </a:p>
+          <a:p>
+            <a:r>
+              <a:rPr kumimoji="1" lang="en-US" altLang="zh-CN" dirty="0"/>
+              <a:t>Ext</a:t>
+            </a:r>
+            <a:r>
+              <a:rPr kumimoji="1" lang="zh-CN" altLang="en-US" dirty="0"/>
+              <a:t>库文件，放在项目根目录下即可</a:t>
+            </a:r>
+            <a:endParaRPr kumimoji="1" lang="en-US" altLang="zh-CN" dirty="0"/>
+          </a:p>
+          <a:p>
+            <a:endParaRPr kumimoji="1" lang="en-US" altLang="zh-CN" dirty="0" smtClean="0">
+              <a:solidFill>
+                <a:schemeClr val="accent6"/>
+              </a:solidFill>
+            </a:endParaRPr>
+          </a:p>
+          <a:p>
+            <a:r>
+              <a:rPr kumimoji="1" lang="en-US" altLang="zh-CN" dirty="0" err="1" smtClean="0"/>
+              <a:t>Sencha</a:t>
+            </a:r>
+            <a:r>
               <a:rPr kumimoji="1" lang="en-US" altLang="zh-CN" dirty="0" smtClean="0"/>
-              <a:t>MVC</a:t>
-            </a:r>
-            <a:endParaRPr kumimoji="1" lang="zh-CN" altLang="en-US" dirty="0"/>
-          </a:p>
-        </p:txBody>
-      </p:sp>
-      <p:sp>
-        <p:nvSpPr>
-          <p:cNvPr id="3" name="内容占位符 2"/>
-          <p:cNvSpPr>
-            <a:spLocks noGrp="1"/>
-          </p:cNvSpPr>
-          <p:nvPr>
-            <p:ph idx="1"/>
-          </p:nvPr>
-        </p:nvSpPr>
-        <p:spPr>
-          <a:xfrm>
-            <a:off x="838200" y="1512093"/>
-            <a:ext cx="10515600" cy="4351338"/>
-          </a:xfrm>
-        </p:spPr>
-        <p:txBody>
-          <a:bodyPr/>
-          <a:lstStyle/>
-          <a:p>
-            <a:r>
-              <a:rPr kumimoji="1" lang="zh-CN" altLang="en-US" dirty="0" smtClean="0"/>
-              <a:t>每个组件包含一个完整的</a:t>
-            </a:r>
-            <a:r>
-              <a:rPr kumimoji="1" lang="en-US" altLang="zh-CN" dirty="0" smtClean="0"/>
-              <a:t>MVC</a:t>
-            </a:r>
-            <a:r>
-              <a:rPr kumimoji="1" lang="zh-CN" altLang="en-US" dirty="0" smtClean="0"/>
-              <a:t>结构</a:t>
+              <a:t> </a:t>
+            </a:r>
+            <a:r>
+              <a:rPr kumimoji="1" lang="zh-CN" altLang="en-US" dirty="0" smtClean="0"/>
+              <a:t>命令行，主要用来管理项目生命周期</a:t>
             </a:r>
             <a:endParaRPr kumimoji="1" lang="en-US" altLang="zh-CN" dirty="0" smtClean="0"/>
           </a:p>
           <a:p>
             <a:pPr lvl="1"/>
             <a:r>
-              <a:rPr kumimoji="1" lang="en-US" altLang="zh-CN" dirty="0" smtClean="0"/>
-              <a:t>Model:</a:t>
-            </a:r>
+              <a:rPr kumimoji="1" lang="en-US" altLang="zh-CN" dirty="0" err="1"/>
+              <a:t>Sencha</a:t>
+            </a:r>
+            <a:r>
+              <a:rPr kumimoji="1" lang="en-US" altLang="zh-CN" dirty="0"/>
+              <a:t> app generate//</a:t>
+            </a:r>
+            <a:r>
+              <a:rPr kumimoji="1" lang="zh-CN" altLang="en-US" dirty="0"/>
+              <a:t>生成骨架</a:t>
+            </a:r>
+            <a:endParaRPr kumimoji="1" lang="en-US" altLang="zh-CN" dirty="0"/>
           </a:p>
           <a:p>
             <a:pPr lvl="1"/>
+            <a:r>
+              <a:rPr kumimoji="1" lang="en-US" altLang="zh-CN" dirty="0" err="1"/>
+              <a:t>Sencha</a:t>
+            </a:r>
+            <a:r>
+              <a:rPr kumimoji="1" lang="en-US" altLang="zh-CN" dirty="0"/>
+              <a:t> app watch//</a:t>
+            </a:r>
+            <a:r>
+              <a:rPr kumimoji="1" lang="zh-CN" altLang="en-US" dirty="0"/>
+              <a:t>调试项目</a:t>
+            </a:r>
+            <a:endParaRPr kumimoji="1" lang="en-US" altLang="zh-CN" dirty="0"/>
+          </a:p>
+          <a:p>
+            <a:pPr lvl="1"/>
+            <a:r>
+              <a:rPr kumimoji="1" lang="en-US" altLang="zh-CN" dirty="0" err="1"/>
+              <a:t>Sencha</a:t>
+            </a:r>
+            <a:r>
+              <a:rPr kumimoji="1" lang="en-US" altLang="zh-CN" dirty="0"/>
+              <a:t> app build//</a:t>
+            </a:r>
+            <a:r>
+              <a:rPr kumimoji="1" lang="zh-CN" altLang="en-US" dirty="0"/>
+              <a:t>构建项目</a:t>
+            </a:r>
             <a:endParaRPr kumimoji="1" lang="en-US" altLang="zh-CN" dirty="0"/>
           </a:p>
           <a:p>
@@ -5285,19 +6739,43 @@
             <a:endParaRPr kumimoji="1" lang="en-US" altLang="zh-CN" dirty="0" smtClean="0"/>
           </a:p>
           <a:p>
-            <a:pPr lvl="1"/>
-            <a:endParaRPr kumimoji="1" lang="en-US" altLang="zh-CN" dirty="0"/>
-          </a:p>
-          <a:p>
-            <a:pPr lvl="1"/>
-            <a:r>
-              <a:rPr kumimoji="1" lang="en-US" altLang="zh-CN" dirty="0" smtClean="0"/>
-              <a:t>View:</a:t>
-            </a:r>
-          </a:p>
-          <a:p>
-            <a:pPr lvl="1"/>
-            <a:endParaRPr kumimoji="1" lang="en-US" altLang="zh-CN" dirty="0"/>
+            <a:r>
+              <a:rPr kumimoji="1" lang="en-US" altLang="zh-CN" sz="2400" dirty="0" err="1" smtClean="0"/>
+              <a:t>Sencha</a:t>
+            </a:r>
+            <a:r>
+              <a:rPr kumimoji="1" lang="en-US" altLang="zh-CN" sz="2400" dirty="0" smtClean="0"/>
+              <a:t> </a:t>
+            </a:r>
+            <a:r>
+              <a:rPr kumimoji="1" lang="en-US" altLang="zh-CN" sz="2400" dirty="0"/>
+              <a:t>app generate</a:t>
+            </a:r>
+            <a:r>
+              <a:rPr kumimoji="1" lang="zh-CN" altLang="en-US" sz="2400" dirty="0" smtClean="0"/>
+              <a:t>完成后，会在项目根目录下生成</a:t>
+            </a:r>
+            <a:r>
+              <a:rPr kumimoji="1" lang="en-US" altLang="zh-CN" sz="2400" dirty="0" smtClean="0"/>
+              <a:t>/app</a:t>
+            </a:r>
+            <a:r>
+              <a:rPr kumimoji="1" lang="zh-CN" altLang="en-US" sz="2400" dirty="0" smtClean="0"/>
+              <a:t>文件夹，程序入口则放在</a:t>
+            </a:r>
+            <a:r>
+              <a:rPr kumimoji="1" lang="en-US" altLang="zh-CN" sz="2400" dirty="0" smtClean="0"/>
+              <a:t>/app/main/</a:t>
+            </a:r>
+            <a:r>
+              <a:rPr kumimoji="1" lang="en-US" altLang="zh-CN" sz="2400" dirty="0" err="1" smtClean="0"/>
+              <a:t>main.js</a:t>
+            </a:r>
+            <a:r>
+              <a:rPr kumimoji="1" lang="zh-CN" altLang="en-US" sz="2400" dirty="0" smtClean="0"/>
+              <a:t>。然后即可进行开发</a:t>
+            </a:r>
+            <a:endParaRPr kumimoji="1" lang="en-US" altLang="zh-CN" sz="2400" dirty="0" smtClean="0"/>
           </a:p>
           <a:p>
             <a:pPr lvl="1"/>
@@ -5305,115 +6783,14 @@
           </a:p>
           <a:p>
             <a:pPr lvl="1"/>
-            <a:endParaRPr kumimoji="1" lang="en-US" altLang="zh-CN" dirty="0"/>
-          </a:p>
-          <a:p>
-            <a:pPr lvl="1"/>
-            <a:r>
-              <a:rPr kumimoji="1" lang="en-US" altLang="zh-CN" dirty="0" smtClean="0"/>
-              <a:t>Controller:</a:t>
-            </a:r>
-          </a:p>
-          <a:p>
-            <a:pPr lvl="1"/>
             <a:endParaRPr kumimoji="1" lang="zh-CN" altLang="en-US" dirty="0"/>
           </a:p>
         </p:txBody>
       </p:sp>
-      <p:pic>
-        <p:nvPicPr>
-          <p:cNvPr id="4" name="图片 3"/>
-          <p:cNvPicPr>
-            <a:picLocks noChangeAspect="1"/>
-          </p:cNvPicPr>
-          <p:nvPr/>
-        </p:nvPicPr>
-        <p:blipFill>
-          <a:blip r:embed="rId2">
-            <a:extLst>
-              <a:ext uri="{28A0092B-C50C-407E-A947-70E740481C1C}">
-                <a14:useLocalDpi xmlns:a14="http://schemas.microsoft.com/office/drawing/2010/main" val="0"/>
-              </a:ext>
-            </a:extLst>
-          </a:blip>
-          <a:stretch>
-            <a:fillRect/>
-          </a:stretch>
-        </p:blipFill>
-        <p:spPr>
-          <a:xfrm>
-            <a:off x="3292475" y="2034380"/>
-            <a:ext cx="4508500" cy="1358900"/>
-          </a:xfrm>
-          <a:prstGeom prst="rect">
-            <a:avLst/>
-          </a:prstGeom>
-        </p:spPr>
-      </p:pic>
-      <p:pic>
-        <p:nvPicPr>
-          <p:cNvPr id="5" name="图片 4"/>
-          <p:cNvPicPr>
-            <a:picLocks noChangeAspect="1"/>
-          </p:cNvPicPr>
-          <p:nvPr/>
-        </p:nvPicPr>
-        <p:blipFill>
-          <a:blip r:embed="rId3">
-            <a:extLst>
-              <a:ext uri="{28A0092B-C50C-407E-A947-70E740481C1C}">
-                <a14:useLocalDpi xmlns:a14="http://schemas.microsoft.com/office/drawing/2010/main" val="0"/>
-              </a:ext>
-            </a:extLst>
-          </a:blip>
-          <a:stretch>
-            <a:fillRect/>
-          </a:stretch>
-        </p:blipFill>
-        <p:spPr>
-          <a:xfrm>
-            <a:off x="3292475" y="3644899"/>
-            <a:ext cx="4508500" cy="1435100"/>
-          </a:xfrm>
-          <a:prstGeom prst="rect">
-            <a:avLst/>
-          </a:prstGeom>
-        </p:spPr>
-      </p:pic>
-      <p:pic>
-        <p:nvPicPr>
-          <p:cNvPr id="7" name="图片 6"/>
-          <p:cNvPicPr>
-            <a:picLocks noChangeAspect="1"/>
-          </p:cNvPicPr>
-          <p:nvPr/>
-        </p:nvPicPr>
-        <p:blipFill>
-          <a:blip r:embed="rId4">
-            <a:extLst>
-              <a:ext uri="{28A0092B-C50C-407E-A947-70E740481C1C}">
-                <a14:useLocalDpi xmlns:a14="http://schemas.microsoft.com/office/drawing/2010/main" val="0"/>
-              </a:ext>
-            </a:extLst>
-          </a:blip>
-          <a:stretch>
-            <a:fillRect/>
-          </a:stretch>
-        </p:blipFill>
-        <p:spPr>
-          <a:xfrm>
-            <a:off x="3292475" y="5258590"/>
-            <a:ext cx="4508500" cy="927100"/>
-          </a:xfrm>
-          <a:prstGeom prst="rect">
-            <a:avLst/>
-          </a:prstGeom>
-        </p:spPr>
-      </p:pic>
     </p:spTree>
     <p:extLst>
       <p:ext uri="{BB962C8B-B14F-4D97-AF65-F5344CB8AC3E}">
-        <p14:creationId xmlns:p14="http://schemas.microsoft.com/office/powerpoint/2010/main" val="1788037627"/>
+        <p14:creationId xmlns:p14="http://schemas.microsoft.com/office/powerpoint/2010/main" val="1639686557"/>
       </p:ext>
     </p:extLst>
   </p:cSld>
@@ -5457,14 +6834,19 @@
             <p:ph type="title"/>
           </p:nvPr>
         </p:nvSpPr>
-        <p:spPr/>
+        <p:spPr>
+          <a:xfrm>
+            <a:off x="838200" y="182245"/>
+            <a:ext cx="10515600" cy="1325563"/>
+          </a:xfrm>
+        </p:spPr>
         <p:txBody>
           <a:bodyPr/>
           <a:lstStyle/>
           <a:p>
             <a:r>
               <a:rPr kumimoji="1" lang="zh-CN" altLang="en-US" dirty="0" smtClean="0"/>
-              <a:t>类的相关操作</a:t>
+              <a:t>面向对象：类的声明</a:t>
             </a:r>
             <a:endParaRPr kumimoji="1" lang="zh-CN" altLang="en-US" dirty="0"/>
           </a:p>
@@ -5480,18 +6862,104 @@
             <p:ph idx="1"/>
           </p:nvPr>
         </p:nvSpPr>
-        <p:spPr/>
-        <p:txBody>
-          <a:bodyPr/>
+        <p:spPr>
+          <a:xfrm>
+            <a:off x="838200" y="1426527"/>
+            <a:ext cx="10515600" cy="5156597"/>
+          </a:xfrm>
+        </p:spPr>
+        <p:txBody>
+          <a:bodyPr>
+            <a:normAutofit/>
+          </a:bodyPr>
           <a:lstStyle/>
           <a:p>
             <a:r>
-              <a:rPr kumimoji="1" lang="zh-CN" altLang="en-US" dirty="0" smtClean="0"/>
-              <a:t>普通声明</a:t>
+              <a:rPr kumimoji="1" lang="zh-CN" altLang="en-US" dirty="0" smtClean="0">
+                <a:solidFill>
+                  <a:srgbClr val="92D050"/>
+                </a:solidFill>
+              </a:rPr>
+              <a:t>简介：</a:t>
+            </a:r>
+            <a:r>
+              <a:rPr kumimoji="1" lang="en-US" altLang="zh-CN" dirty="0" smtClean="0"/>
+              <a:t>Ext</a:t>
+            </a:r>
+            <a:r>
+              <a:rPr kumimoji="1" lang="zh-CN" altLang="en-US" dirty="0" smtClean="0"/>
+              <a:t>中，类的声明需要使用</a:t>
+            </a:r>
+            <a:r>
+              <a:rPr kumimoji="1" lang="en-US" altLang="zh-CN" u="sng" dirty="0" err="1" smtClean="0"/>
+              <a:t>Ext.define</a:t>
+            </a:r>
+            <a:r>
+              <a:rPr kumimoji="1" lang="en-US" altLang="zh-CN" u="sng" dirty="0" smtClean="0"/>
+              <a:t>(‘</a:t>
+            </a:r>
+            <a:r>
+              <a:rPr kumimoji="1" lang="zh-CN" altLang="en-US" u="sng" dirty="0" smtClean="0"/>
+              <a:t>类名</a:t>
+            </a:r>
+            <a:r>
+              <a:rPr kumimoji="1" lang="en-US" altLang="zh-CN" u="sng" dirty="0" smtClean="0"/>
+              <a:t>’</a:t>
+            </a:r>
+            <a:r>
+              <a:rPr kumimoji="1" lang="zh-CN" altLang="en-US" u="sng" dirty="0" smtClean="0"/>
+              <a:t>，</a:t>
+            </a:r>
+            <a:r>
+              <a:rPr kumimoji="1" lang="en-US" altLang="zh-CN" u="sng" dirty="0" smtClean="0"/>
+              <a:t>{</a:t>
+            </a:r>
+            <a:r>
+              <a:rPr kumimoji="1" lang="zh-CN" altLang="en-US" u="sng" dirty="0" smtClean="0"/>
+              <a:t>成员</a:t>
+            </a:r>
+            <a:r>
+              <a:rPr kumimoji="1" lang="en-US" altLang="zh-CN" u="sng" dirty="0" smtClean="0"/>
+              <a:t>…})</a:t>
+            </a:r>
+            <a:r>
+              <a:rPr kumimoji="1" lang="zh-CN" altLang="en-US" dirty="0" smtClean="0"/>
+              <a:t>。如果需要私有成员，则可使用闭包进行存储。每个类可以设置一个</a:t>
+            </a:r>
+            <a:r>
+              <a:rPr kumimoji="1" lang="en-US" altLang="zh-CN" dirty="0" err="1" smtClean="0"/>
+              <a:t>xtype</a:t>
+            </a:r>
+            <a:r>
+              <a:rPr kumimoji="1" lang="zh-CN" altLang="en-US" dirty="0" smtClean="0"/>
+              <a:t>，作为这个类的别名。</a:t>
             </a:r>
             <a:endParaRPr kumimoji="1" lang="en-US" altLang="zh-CN" dirty="0" smtClean="0"/>
           </a:p>
           <a:p>
+            <a:endParaRPr kumimoji="1" lang="en-US" altLang="zh-CN" dirty="0" smtClean="0"/>
+          </a:p>
+          <a:p>
+            <a:r>
+              <a:rPr kumimoji="1" lang="zh-CN" altLang="en-US" dirty="0" smtClean="0">
+                <a:solidFill>
+                  <a:srgbClr val="92D050"/>
+                </a:solidFill>
+              </a:rPr>
+              <a:t>例子：</a:t>
+            </a:r>
+            <a:endParaRPr kumimoji="1" lang="en-US" altLang="zh-CN" dirty="0" smtClean="0">
+              <a:solidFill>
+                <a:srgbClr val="92D050"/>
+              </a:solidFill>
+            </a:endParaRPr>
+          </a:p>
+          <a:p>
+            <a:pPr lvl="1"/>
+            <a:r>
+              <a:rPr kumimoji="1" lang="zh-CN" altLang="en-US" dirty="0" smtClean="0"/>
+              <a:t>公开成员</a:t>
+            </a:r>
             <a:endParaRPr kumimoji="1" lang="en-US" altLang="zh-CN" dirty="0"/>
           </a:p>
           <a:p>
@@ -5501,6 +6969,10 @@
             <a:endParaRPr kumimoji="1" lang="en-US" altLang="zh-CN" dirty="0"/>
           </a:p>
           <a:p>
+            <a:endParaRPr kumimoji="1" lang="en-US" altLang="zh-CN" dirty="0" smtClean="0"/>
+          </a:p>
+          <a:p>
+            <a:pPr lvl="1"/>
             <a:r>
               <a:rPr kumimoji="1" lang="zh-CN" altLang="en-US" dirty="0" smtClean="0"/>
               <a:t>私有成员</a:t>
@@ -5535,7 +7007,7 @@
         </p:blipFill>
         <p:spPr>
           <a:xfrm>
-            <a:off x="1501775" y="2471738"/>
+            <a:off x="2994025" y="3037047"/>
             <a:ext cx="5118100" cy="1130300"/>
           </a:xfrm>
           <a:prstGeom prst="rect">
@@ -5565,7 +7037,7 @@
         </p:blipFill>
         <p:spPr>
           <a:xfrm>
-            <a:off x="1501775" y="4378326"/>
+            <a:off x="2994025" y="4385382"/>
             <a:ext cx="4851400" cy="2197743"/>
           </a:xfrm>
           <a:prstGeom prst="rect">
@@ -5620,18 +7092,19 @@
             <p:ph type="title"/>
           </p:nvPr>
         </p:nvSpPr>
-        <p:spPr/>
+        <p:spPr>
+          <a:xfrm>
+            <a:off x="838200" y="200660"/>
+            <a:ext cx="10515600" cy="1325563"/>
+          </a:xfrm>
+        </p:spPr>
         <p:txBody>
           <a:bodyPr/>
           <a:lstStyle/>
           <a:p>
             <a:r>
               <a:rPr kumimoji="1" lang="zh-CN" altLang="en-US" dirty="0" smtClean="0"/>
-              <a:t>类的相关操作</a:t>
-            </a:r>
-            <a:r>
-              <a:rPr kumimoji="1" lang="en-US" altLang="zh-CN" dirty="0" smtClean="0"/>
-              <a:t>2</a:t>
+              <a:t>类的继承与重写</a:t>
             </a:r>
             <a:endParaRPr kumimoji="1" lang="zh-CN" altLang="en-US" dirty="0"/>
           </a:p>
@@ -5647,18 +7120,83 @@
             <p:ph idx="1"/>
           </p:nvPr>
         </p:nvSpPr>
-        <p:spPr/>
+        <p:spPr>
+          <a:xfrm>
+            <a:off x="838200" y="1413908"/>
+            <a:ext cx="10515600" cy="4804012"/>
+          </a:xfrm>
+        </p:spPr>
         <p:txBody>
           <a:bodyPr/>
           <a:lstStyle/>
           <a:p>
             <a:r>
-              <a:rPr kumimoji="1" lang="zh-CN" altLang="en-US" dirty="0" smtClean="0"/>
-              <a:t>继承</a:t>
+              <a:rPr kumimoji="1" lang="zh-CN" altLang="en-US" dirty="0" smtClean="0">
+                <a:solidFill>
+                  <a:srgbClr val="92D050"/>
+                </a:solidFill>
+              </a:rPr>
+              <a:t>简介：</a:t>
+            </a:r>
+            <a:r>
+              <a:rPr kumimoji="1" lang="zh-CN" altLang="en-US" dirty="0" smtClean="0"/>
+              <a:t>继承时，需要在类的成员部分，添加</a:t>
+            </a:r>
+            <a:r>
+              <a:rPr kumimoji="1" lang="en-US" altLang="zh-CN" u="sng" dirty="0" smtClean="0"/>
+              <a:t>extend:’</a:t>
+            </a:r>
+            <a:r>
+              <a:rPr kumimoji="1" lang="zh-CN" altLang="en-US" u="sng" dirty="0" smtClean="0"/>
+              <a:t>父类名</a:t>
+            </a:r>
+            <a:r>
+              <a:rPr kumimoji="1" lang="en-US" altLang="zh-CN" u="sng" dirty="0" smtClean="0"/>
+              <a:t>’</a:t>
+            </a:r>
+            <a:r>
+              <a:rPr kumimoji="1" lang="zh-CN" altLang="en-US" dirty="0" smtClean="0"/>
+              <a:t>，这样子类即可完成对父类成员的继承。重写时，需要指定</a:t>
+            </a:r>
+            <a:r>
+              <a:rPr kumimoji="1" lang="en-US" altLang="zh-CN" dirty="0" err="1" smtClean="0"/>
+              <a:t>xtype</a:t>
+            </a:r>
+            <a:r>
+              <a:rPr kumimoji="1" lang="zh-CN" altLang="en-US" dirty="0" smtClean="0"/>
+              <a:t>为已存在的类。</a:t>
             </a:r>
             <a:endParaRPr kumimoji="1" lang="en-US" altLang="zh-CN" dirty="0" smtClean="0"/>
           </a:p>
           <a:p>
+            <a:r>
+              <a:rPr kumimoji="1" lang="zh-CN" altLang="en-US" dirty="0" smtClean="0">
+                <a:solidFill>
+                  <a:srgbClr val="92D050"/>
+                </a:solidFill>
+              </a:rPr>
+              <a:t>实例：</a:t>
+            </a:r>
+            <a:endParaRPr kumimoji="1" lang="en-US" altLang="zh-CN" dirty="0" smtClean="0">
+              <a:solidFill>
+                <a:srgbClr val="92D050"/>
+              </a:solidFill>
+            </a:endParaRPr>
+          </a:p>
+          <a:p>
+            <a:pPr lvl="1"/>
+            <a:r>
+              <a:rPr kumimoji="1" lang="zh-CN" altLang="en-US" dirty="0" smtClean="0"/>
+              <a:t>卡片</a:t>
+            </a:r>
+            <a:r>
+              <a:rPr kumimoji="1" lang="en-US" altLang="zh-CN" dirty="0" smtClean="0"/>
+              <a:t>controller</a:t>
+            </a:r>
+            <a:r>
+              <a:rPr kumimoji="1" lang="zh-CN" altLang="en-US" dirty="0" smtClean="0"/>
+              <a:t>的继承</a:t>
+            </a:r>
             <a:endParaRPr kumimoji="1" lang="en-US" altLang="zh-CN" dirty="0"/>
           </a:p>
           <a:p>
@@ -5668,9 +7206,22 @@
             <a:endParaRPr kumimoji="1" lang="en-US" altLang="zh-CN" dirty="0"/>
           </a:p>
           <a:p>
-            <a:r>
-              <a:rPr kumimoji="1" lang="zh-CN" altLang="en-US" dirty="0" smtClean="0"/>
-              <a:t>重写</a:t>
+            <a:pPr lvl="1"/>
+            <a:endParaRPr kumimoji="1" lang="en-US" altLang="zh-CN" dirty="0" smtClean="0"/>
+          </a:p>
+          <a:p>
+            <a:pPr lvl="1"/>
+            <a:r>
+              <a:rPr kumimoji="1" lang="zh-CN" altLang="en-US" dirty="0" smtClean="0"/>
+              <a:t>将</a:t>
+            </a:r>
+            <a:r>
+              <a:rPr kumimoji="1" lang="en-US" altLang="zh-CN" dirty="0" smtClean="0"/>
+              <a:t>form</a:t>
+            </a:r>
+            <a:r>
+              <a:rPr kumimoji="1" lang="zh-CN" altLang="en-US" dirty="0" smtClean="0"/>
+              <a:t>类重写</a:t>
             </a:r>
             <a:endParaRPr kumimoji="1" lang="zh-CN" altLang="en-US" dirty="0"/>
           </a:p>
@@ -5698,7 +7249,7 @@
         </p:blipFill>
         <p:spPr>
           <a:xfrm>
-            <a:off x="2100262" y="1825625"/>
+            <a:off x="4524296" y="2707086"/>
             <a:ext cx="4864100" cy="1587500"/>
           </a:xfrm>
           <a:prstGeom prst="rect">
@@ -5728,7 +7279,7 @@
         </p:blipFill>
         <p:spPr>
           <a:xfrm>
-            <a:off x="2100262" y="3948906"/>
+            <a:off x="4524296" y="4487626"/>
             <a:ext cx="5397500" cy="1257300"/>
           </a:xfrm>
           <a:prstGeom prst="rect">
@@ -5783,18 +7334,23 @@
             <p:ph type="title"/>
           </p:nvPr>
         </p:nvSpPr>
-        <p:spPr/>
+        <p:spPr>
+          <a:xfrm>
+            <a:off x="838200" y="134302"/>
+            <a:ext cx="10515600" cy="1325563"/>
+          </a:xfrm>
+        </p:spPr>
         <p:txBody>
           <a:bodyPr/>
           <a:lstStyle/>
           <a:p>
             <a:r>
               <a:rPr kumimoji="1" lang="zh-CN" altLang="en-US" dirty="0" smtClean="0"/>
-              <a:t>类的相关操作</a:t>
-            </a:r>
-            <a:r>
-              <a:rPr kumimoji="1" lang="en-US" altLang="zh-CN" dirty="0" smtClean="0"/>
-              <a:t>3</a:t>
+              <a:t>类的</a:t>
+            </a:r>
+            <a:r>
+              <a:rPr kumimoji="1" lang="en-US" altLang="zh-CN" dirty="0" err="1" smtClean="0"/>
+              <a:t>Mixin</a:t>
             </a:r>
             <a:endParaRPr kumimoji="1" lang="zh-CN" altLang="en-US" dirty="0"/>
           </a:p>
@@ -5810,20 +7366,91 @@
             <p:ph idx="1"/>
           </p:nvPr>
         </p:nvSpPr>
-        <p:spPr/>
+        <p:spPr>
+          <a:xfrm>
+            <a:off x="838200" y="1459864"/>
+            <a:ext cx="10515600" cy="5144135"/>
+          </a:xfrm>
+        </p:spPr>
         <p:txBody>
           <a:bodyPr/>
           <a:lstStyle/>
           <a:p>
             <a:r>
+              <a:rPr kumimoji="1" lang="zh-CN" altLang="en-US" dirty="0" smtClean="0">
+                <a:solidFill>
+                  <a:srgbClr val="92D050"/>
+                </a:solidFill>
+              </a:rPr>
+              <a:t>简介：</a:t>
+            </a:r>
+            <a:r>
               <a:rPr kumimoji="1" lang="en-US" altLang="zh-CN" dirty="0" err="1" smtClean="0"/>
               <a:t>Mixin</a:t>
             </a:r>
-            <a:endParaRPr kumimoji="1" lang="en-US" altLang="zh-CN" dirty="0" smtClean="0"/>
-          </a:p>
-          <a:p>
-            <a:pPr lvl="1"/>
-            <a:endParaRPr kumimoji="1" lang="zh-CN" altLang="en-US" dirty="0"/>
+            <a:r>
+              <a:rPr kumimoji="1" lang="zh-CN" altLang="en-US" dirty="0" smtClean="0"/>
+              <a:t>通常用于</a:t>
+            </a:r>
+            <a:r>
+              <a:rPr kumimoji="1" lang="en-US" altLang="zh-CN" dirty="0" smtClean="0"/>
+              <a:t>View</a:t>
+            </a:r>
+            <a:r>
+              <a:rPr kumimoji="1" lang="zh-CN" altLang="en-US" dirty="0" smtClean="0"/>
+              <a:t>组件类之间的互相引用。比如我们在一个弹窗中，想加入几个输入框，那么我们只需要在弹窗类中添加</a:t>
+            </a:r>
+            <a:r>
+              <a:rPr kumimoji="1" lang="en-US" altLang="zh-CN" dirty="0" smtClean="0"/>
+              <a:t>items</a:t>
+            </a:r>
+            <a:r>
+              <a:rPr kumimoji="1" lang="zh-CN" altLang="en-US" dirty="0" smtClean="0"/>
+              <a:t>属性。然后以</a:t>
+            </a:r>
+            <a:r>
+              <a:rPr kumimoji="1" lang="en-US" altLang="zh-CN" dirty="0" smtClean="0"/>
+              <a:t>JSON</a:t>
+            </a:r>
+            <a:r>
+              <a:rPr kumimoji="1" lang="zh-CN" altLang="en-US" dirty="0" smtClean="0"/>
+              <a:t>数组的方式添加</a:t>
+            </a:r>
+            <a:r>
+              <a:rPr kumimoji="1" lang="en-US" altLang="zh-CN" dirty="0" smtClean="0"/>
+              <a:t>Items</a:t>
+            </a:r>
+            <a:r>
+              <a:rPr kumimoji="1" lang="zh-CN" altLang="en-US" dirty="0" smtClean="0"/>
+              <a:t>的配置。数组中每个对象即对应一个组件，</a:t>
+            </a:r>
+            <a:r>
+              <a:rPr kumimoji="1" lang="en-US" altLang="zh-CN" dirty="0" err="1" smtClean="0"/>
+              <a:t>xtype</a:t>
+            </a:r>
+            <a:r>
+              <a:rPr kumimoji="1" lang="zh-CN" altLang="en-US" dirty="0" smtClean="0"/>
+              <a:t>为每个类的别名。</a:t>
+            </a:r>
+            <a:endParaRPr kumimoji="1" lang="en-US" altLang="zh-CN" u="sng" dirty="0"/>
+          </a:p>
+          <a:p>
+            <a:endParaRPr kumimoji="1" lang="en-US" altLang="zh-CN" u="sng" dirty="0" smtClean="0"/>
+          </a:p>
+          <a:p>
+            <a:r>
+              <a:rPr kumimoji="1" lang="zh-CN" altLang="en-US" u="sng" dirty="0" smtClean="0">
+                <a:solidFill>
+                  <a:srgbClr val="92D050"/>
+                </a:solidFill>
+              </a:rPr>
+              <a:t>例子</a:t>
+            </a:r>
+            <a:endParaRPr kumimoji="1" lang="zh-CN" altLang="en-US" u="sng" dirty="0">
+              <a:solidFill>
+                <a:srgbClr val="92D050"/>
+              </a:solidFill>
+            </a:endParaRPr>
           </a:p>
         </p:txBody>
       </p:sp>
@@ -5849,7 +7476,7 @@
         </p:blipFill>
         <p:spPr>
           <a:xfrm>
-            <a:off x="7307580" y="2291080"/>
+            <a:off x="7679690" y="3163517"/>
             <a:ext cx="3022600" cy="2222500"/>
           </a:xfrm>
           <a:prstGeom prst="rect">
@@ -5859,7 +7486,7 @@
       </p:pic>
       <p:pic>
         <p:nvPicPr>
-          <p:cNvPr id="5" name="图片 4"/>
+          <p:cNvPr id="7" name="图片 6"/>
           <p:cNvPicPr>
             <a:picLocks noChangeAspect="1"/>
           </p:cNvPicPr>
@@ -5879,8 +7506,8 @@
         </p:blipFill>
         <p:spPr>
           <a:xfrm>
-            <a:off x="2472282" y="1825625"/>
-            <a:ext cx="4339998" cy="4683760"/>
+            <a:off x="2075180" y="3163517"/>
+            <a:ext cx="4953000" cy="3098800"/>
           </a:xfrm>
           <a:prstGeom prst="rect">
             <a:avLst/>
@@ -5934,18 +7561,23 @@
             <p:ph type="title"/>
           </p:nvPr>
         </p:nvSpPr>
-        <p:spPr/>
+        <p:spPr>
+          <a:xfrm>
+            <a:off x="797560" y="12382"/>
+            <a:ext cx="10515600" cy="1325563"/>
+          </a:xfrm>
+        </p:spPr>
         <p:txBody>
           <a:bodyPr/>
           <a:lstStyle/>
           <a:p>
             <a:r>
               <a:rPr kumimoji="1" lang="zh-CN" altLang="en-US" dirty="0" smtClean="0"/>
-              <a:t>类的相关操作</a:t>
-            </a:r>
-            <a:r>
-              <a:rPr kumimoji="1" lang="en-US" altLang="zh-CN" dirty="0"/>
-              <a:t>4</a:t>
+              <a:t>让你的类支持</a:t>
+            </a:r>
+            <a:r>
+              <a:rPr kumimoji="1" lang="en-US" altLang="zh-CN" dirty="0" err="1" smtClean="0"/>
+              <a:t>Mixin</a:t>
             </a:r>
             <a:endParaRPr kumimoji="1" lang="zh-CN" altLang="en-US" dirty="0"/>
           </a:p>
@@ -5961,16 +7593,64 @@
             <p:ph idx="1"/>
           </p:nvPr>
         </p:nvSpPr>
-        <p:spPr/>
+        <p:spPr>
+          <a:xfrm>
+            <a:off x="797560" y="1227295"/>
+            <a:ext cx="10515600" cy="5323047"/>
+          </a:xfrm>
+        </p:spPr>
         <p:txBody>
           <a:bodyPr/>
           <a:lstStyle/>
           <a:p>
             <a:r>
-              <a:rPr kumimoji="1" lang="zh-CN" altLang="en-US" dirty="0" smtClean="0"/>
-              <a:t>接收配置项</a:t>
-            </a:r>
-            <a:endParaRPr kumimoji="1" lang="zh-CN" altLang="en-US" dirty="0"/>
+              <a:rPr kumimoji="1" lang="zh-CN" altLang="en-US" dirty="0" smtClean="0">
+                <a:solidFill>
+                  <a:schemeClr val="accent6"/>
+                </a:solidFill>
+              </a:rPr>
+              <a:t>简介：</a:t>
+            </a:r>
+            <a:r>
+              <a:rPr kumimoji="1" lang="en-US" altLang="zh-CN" dirty="0" err="1" smtClean="0"/>
+              <a:t>mixin</a:t>
+            </a:r>
+            <a:r>
+              <a:rPr kumimoji="1" lang="zh-CN" altLang="en-US" dirty="0" smtClean="0"/>
+              <a:t>的方式饮用非常方便，我们为了让自己的类支持被其它的类引用，需要添加两个成员。第一、在</a:t>
+            </a:r>
+            <a:r>
+              <a:rPr kumimoji="1" lang="en-US" altLang="zh-CN" dirty="0" err="1" smtClean="0"/>
+              <a:t>config</a:t>
+            </a:r>
+            <a:r>
+              <a:rPr kumimoji="1" lang="zh-CN" altLang="en-US" dirty="0" smtClean="0"/>
+              <a:t>中添加可以配置的项，第二，在对应的</a:t>
+            </a:r>
+            <a:r>
+              <a:rPr kumimoji="1" lang="en-US" altLang="zh-CN" dirty="0" err="1" smtClean="0"/>
+              <a:t>applyConfig</a:t>
+            </a:r>
+            <a:r>
+              <a:rPr kumimoji="1" lang="zh-CN" altLang="en-US" dirty="0" smtClean="0"/>
+              <a:t>回调中添加应有的行为。</a:t>
+            </a:r>
+            <a:endParaRPr kumimoji="1" lang="en-US" altLang="zh-CN" dirty="0" smtClean="0"/>
+          </a:p>
+          <a:p>
+            <a:r>
+              <a:rPr kumimoji="1" lang="zh-CN" altLang="en-US" dirty="0" smtClean="0">
+                <a:solidFill>
+                  <a:schemeClr val="accent6"/>
+                </a:solidFill>
+              </a:rPr>
+              <a:t>例子：</a:t>
+            </a:r>
+            <a:endParaRPr kumimoji="1" lang="zh-CN" altLang="en-US" dirty="0">
+              <a:solidFill>
+                <a:schemeClr val="accent6"/>
+              </a:solidFill>
+            </a:endParaRPr>
           </a:p>
         </p:txBody>
       </p:sp>
@@ -5996,7 +7676,7 @@
         </p:blipFill>
         <p:spPr>
           <a:xfrm>
-            <a:off x="838200" y="2536825"/>
+            <a:off x="2308860" y="2562543"/>
             <a:ext cx="6070600" cy="3987800"/>
           </a:xfrm>
           <a:prstGeom prst="rect">
@@ -6026,7 +7706,7 @@
         </p:blipFill>
         <p:spPr>
           <a:xfrm>
-            <a:off x="6908800" y="2536825"/>
+            <a:off x="6055360" y="3484404"/>
             <a:ext cx="5054600" cy="2984500"/>
           </a:xfrm>
           <a:prstGeom prst="rect">
@@ -6073,89 +7753,165 @@
       </p:grpSpPr>
       <p:sp>
         <p:nvSpPr>
-          <p:cNvPr id="2" name="标题 1"/>
-          <p:cNvSpPr>
-            <a:spLocks noGrp="1"/>
-          </p:cNvSpPr>
-          <p:nvPr>
-            <p:ph type="title"/>
-          </p:nvPr>
-        </p:nvSpPr>
-        <p:spPr/>
-        <p:txBody>
-          <a:bodyPr/>
+          <p:cNvPr id="3" name="内容占位符 2"/>
+          <p:cNvSpPr>
+            <a:spLocks noGrp="1"/>
+          </p:cNvSpPr>
+          <p:nvPr>
+            <p:ph idx="1"/>
+          </p:nvPr>
+        </p:nvSpPr>
+        <p:spPr>
+          <a:xfrm>
+            <a:off x="838200" y="1463040"/>
+            <a:ext cx="10515600" cy="5203665"/>
+          </a:xfrm>
+        </p:spPr>
+        <p:txBody>
+          <a:bodyPr>
+            <a:normAutofit lnSpcReduction="10000"/>
+          </a:bodyPr>
           <a:lstStyle/>
           <a:p>
             <a:r>
+              <a:rPr kumimoji="1" lang="zh-CN" altLang="en-US" dirty="0" smtClean="0">
+                <a:solidFill>
+                  <a:srgbClr val="92D050"/>
+                </a:solidFill>
+              </a:rPr>
+              <a:t>简介：</a:t>
+            </a:r>
+            <a:r>
+              <a:rPr kumimoji="1" lang="zh-CN" altLang="en-US" dirty="0" smtClean="0"/>
+              <a:t>每个模块会有</a:t>
+            </a:r>
+            <a:r>
               <a:rPr kumimoji="1" lang="en-US" altLang="zh-CN" dirty="0" smtClean="0"/>
-              <a:t>			</a:t>
-            </a:r>
-            <a:r>
-              <a:rPr kumimoji="1" lang="zh-CN" altLang="en-US" dirty="0" smtClean="0"/>
-              <a:t>模式与实战</a:t>
+              <a:t>model</a:t>
+            </a:r>
+            <a:r>
+              <a:rPr kumimoji="1" lang="zh-CN" altLang="en-US" dirty="0" smtClean="0"/>
+              <a:t>，</a:t>
             </a:r>
             <a:r>
               <a:rPr kumimoji="1" lang="en-US" altLang="zh-CN" dirty="0" smtClean="0"/>
-              <a:t/>
-            </a:r>
-            <a:br>
+              <a:t>view</a:t>
+            </a:r>
+            <a:r>
+              <a:rPr kumimoji="1" lang="zh-CN" altLang="en-US" dirty="0" smtClean="0"/>
+              <a:t>，</a:t>
+            </a:r>
+            <a:r>
               <a:rPr kumimoji="1" lang="en-US" altLang="zh-CN" dirty="0" smtClean="0"/>
-            </a:br>
+              <a:t>controller</a:t>
+            </a:r>
+            <a:r>
+              <a:rPr kumimoji="1" lang="zh-CN" altLang="en-US" dirty="0" smtClean="0"/>
+              <a:t>三个文件组成。有些情况下，组件不需要特定的</a:t>
+            </a:r>
             <a:r>
               <a:rPr kumimoji="1" lang="en-US" altLang="zh-CN" dirty="0" smtClean="0"/>
-              <a:t>1</a:t>
-            </a:r>
-            <a:r>
-              <a:rPr kumimoji="1" lang="zh-CN" altLang="en-US" dirty="0" smtClean="0"/>
-              <a:t>，组件化图片</a:t>
-            </a:r>
-            <a:r>
-              <a:rPr kumimoji="1" lang="zh-CN" altLang="en-US" dirty="0"/>
-              <a:t>上传</a:t>
-            </a:r>
-            <a:r>
-              <a:rPr kumimoji="1" lang="zh-CN" altLang="en-US" dirty="0" smtClean="0"/>
-              <a:t>模块</a:t>
-            </a:r>
+              <a:t>model</a:t>
+            </a:r>
+            <a:r>
+              <a:rPr kumimoji="1" lang="zh-CN" altLang="en-US" dirty="0" smtClean="0"/>
+              <a:t>与</a:t>
+            </a:r>
+            <a:r>
+              <a:rPr kumimoji="1" lang="en-US" altLang="zh-CN" dirty="0" smtClean="0"/>
+              <a:t>controller</a:t>
+            </a:r>
+            <a:r>
+              <a:rPr kumimoji="1" lang="zh-CN" altLang="en-US" dirty="0" smtClean="0"/>
+              <a:t>。</a:t>
+            </a:r>
+            <a:endParaRPr kumimoji="1" lang="en-US" altLang="zh-CN" dirty="0" smtClean="0"/>
+          </a:p>
+          <a:p>
+            <a:r>
+              <a:rPr kumimoji="1" lang="zh-CN" altLang="en-US" dirty="0" smtClean="0">
+                <a:solidFill>
+                  <a:srgbClr val="92D050"/>
+                </a:solidFill>
+              </a:rPr>
+              <a:t>例子：</a:t>
+            </a:r>
+            <a:r>
+              <a:rPr kumimoji="1" lang="en-US" altLang="zh-CN" dirty="0" smtClean="0"/>
+              <a:t>card</a:t>
+            </a:r>
+            <a:r>
+              <a:rPr kumimoji="1" lang="zh-CN" altLang="en-US" dirty="0" smtClean="0"/>
+              <a:t>组件中的一个完整的</a:t>
+            </a:r>
+            <a:r>
+              <a:rPr kumimoji="1" lang="en-US" altLang="zh-CN" dirty="0" smtClean="0"/>
+              <a:t>MVC</a:t>
+            </a:r>
+            <a:r>
+              <a:rPr kumimoji="1" lang="zh-CN" altLang="en-US" dirty="0" smtClean="0"/>
+              <a:t>结构</a:t>
+            </a:r>
+            <a:endParaRPr kumimoji="1" lang="en-US" altLang="zh-CN" dirty="0" smtClean="0"/>
+          </a:p>
+          <a:p>
+            <a:pPr lvl="1"/>
+            <a:endParaRPr kumimoji="1" lang="en-US" altLang="zh-CN" dirty="0" smtClean="0"/>
+          </a:p>
+          <a:p>
+            <a:pPr lvl="1"/>
+            <a:r>
+              <a:rPr kumimoji="1" lang="en-US" altLang="zh-CN" dirty="0" smtClean="0"/>
+              <a:t>Model:</a:t>
+            </a:r>
+          </a:p>
+          <a:p>
+            <a:pPr lvl="1"/>
+            <a:endParaRPr kumimoji="1" lang="en-US" altLang="zh-CN" dirty="0"/>
+          </a:p>
+          <a:p>
+            <a:pPr lvl="1"/>
+            <a:endParaRPr kumimoji="1" lang="en-US" altLang="zh-CN" dirty="0" smtClean="0"/>
+          </a:p>
+          <a:p>
+            <a:pPr lvl="1"/>
+            <a:endParaRPr kumimoji="1" lang="en-US" altLang="zh-CN" dirty="0"/>
+          </a:p>
+          <a:p>
+            <a:pPr lvl="1"/>
+            <a:r>
+              <a:rPr kumimoji="1" lang="en-US" altLang="zh-CN" dirty="0" smtClean="0"/>
+              <a:t>View:</a:t>
+            </a:r>
+          </a:p>
+          <a:p>
+            <a:pPr lvl="1"/>
+            <a:endParaRPr kumimoji="1" lang="en-US" altLang="zh-CN" dirty="0"/>
+          </a:p>
+          <a:p>
+            <a:pPr lvl="1"/>
+            <a:endParaRPr kumimoji="1" lang="en-US" altLang="zh-CN" dirty="0" smtClean="0"/>
+          </a:p>
+          <a:p>
+            <a:pPr lvl="1"/>
+            <a:endParaRPr kumimoji="1" lang="en-US" altLang="zh-CN" dirty="0"/>
+          </a:p>
+          <a:p>
+            <a:pPr lvl="1"/>
+            <a:r>
+              <a:rPr kumimoji="1" lang="en-US" altLang="zh-CN" dirty="0" smtClean="0"/>
+              <a:t>Controller:</a:t>
+            </a:r>
+          </a:p>
+          <a:p>
+            <a:pPr lvl="1"/>
             <a:endParaRPr kumimoji="1" lang="zh-CN" altLang="en-US" dirty="0"/>
-          </a:p>
-        </p:txBody>
-      </p:sp>
-      <p:sp>
-        <p:nvSpPr>
-          <p:cNvPr id="3" name="内容占位符 2"/>
-          <p:cNvSpPr>
-            <a:spLocks noGrp="1"/>
-          </p:cNvSpPr>
-          <p:nvPr>
-            <p:ph idx="1"/>
-          </p:nvPr>
-        </p:nvSpPr>
-        <p:spPr/>
-        <p:txBody>
-          <a:bodyPr/>
-          <a:lstStyle/>
-          <a:p>
-            <a:pPr lvl="1"/>
-            <a:r>
-              <a:rPr kumimoji="1" lang="zh-CN" altLang="en-US" dirty="0" smtClean="0"/>
-              <a:t>在很多上传位置都用到了图片上传，为了实现代码的重用，将图片上传模块化</a:t>
-            </a:r>
-            <a:endParaRPr kumimoji="1" lang="en-US" altLang="zh-CN" dirty="0"/>
-          </a:p>
-          <a:p>
-            <a:pPr lvl="1"/>
-            <a:r>
-              <a:rPr kumimoji="1" lang="zh-CN" altLang="en-US" dirty="0" smtClean="0"/>
-              <a:t>步骤一，创建类</a:t>
-            </a:r>
-            <a:endParaRPr kumimoji="1" lang="en-US" altLang="zh-CN" dirty="0" smtClean="0"/>
           </a:p>
         </p:txBody>
       </p:sp>
       <p:pic>
         <p:nvPicPr>
-          <p:cNvPr id="5" name="图片 4"/>
+          <p:cNvPr id="4" name="图片 3"/>
           <p:cNvPicPr>
             <a:picLocks noChangeAspect="1"/>
           </p:cNvPicPr>
@@ -6175,18 +7931,110 @@
         </p:blipFill>
         <p:spPr>
           <a:xfrm>
-            <a:off x="2948940" y="3634740"/>
-            <a:ext cx="5562600" cy="2298700"/>
+            <a:off x="3210560" y="2705834"/>
+            <a:ext cx="4508500" cy="1358900"/>
           </a:xfrm>
           <a:prstGeom prst="rect">
             <a:avLst/>
           </a:prstGeom>
         </p:spPr>
       </p:pic>
+      <p:pic>
+        <p:nvPicPr>
+          <p:cNvPr id="5" name="图片 4"/>
+          <p:cNvPicPr>
+            <a:picLocks noChangeAspect="1"/>
+          </p:cNvPicPr>
+          <p:nvPr/>
+        </p:nvPicPr>
+        <p:blipFill>
+          <a:blip r:embed="rId3">
+            <a:extLst>
+              <a:ext uri="{28A0092B-C50C-407E-A947-70E740481C1C}">
+                <a14:useLocalDpi xmlns:a14="http://schemas.microsoft.com/office/drawing/2010/main" val="0"/>
+              </a:ext>
+            </a:extLst>
+          </a:blip>
+          <a:stretch>
+            <a:fillRect/>
+          </a:stretch>
+        </p:blipFill>
+        <p:spPr>
+          <a:xfrm>
+            <a:off x="3210560" y="4184619"/>
+            <a:ext cx="4508500" cy="1435100"/>
+          </a:xfrm>
+          <a:prstGeom prst="rect">
+            <a:avLst/>
+          </a:prstGeom>
+        </p:spPr>
+      </p:pic>
+      <p:pic>
+        <p:nvPicPr>
+          <p:cNvPr id="7" name="图片 6"/>
+          <p:cNvPicPr>
+            <a:picLocks noChangeAspect="1"/>
+          </p:cNvPicPr>
+          <p:nvPr/>
+        </p:nvPicPr>
+        <p:blipFill>
+          <a:blip r:embed="rId4">
+            <a:extLst>
+              <a:ext uri="{28A0092B-C50C-407E-A947-70E740481C1C}">
+                <a14:useLocalDpi xmlns:a14="http://schemas.microsoft.com/office/drawing/2010/main" val="0"/>
+              </a:ext>
+            </a:extLst>
+          </a:blip>
+          <a:stretch>
+            <a:fillRect/>
+          </a:stretch>
+        </p:blipFill>
+        <p:spPr>
+          <a:xfrm>
+            <a:off x="3210560" y="5739605"/>
+            <a:ext cx="4508500" cy="927100"/>
+          </a:xfrm>
+          <a:prstGeom prst="rect">
+            <a:avLst/>
+          </a:prstGeom>
+        </p:spPr>
+      </p:pic>
+      <p:sp>
+        <p:nvSpPr>
+          <p:cNvPr id="8" name="标题 1"/>
+          <p:cNvSpPr>
+            <a:spLocks noGrp="1"/>
+          </p:cNvSpPr>
+          <p:nvPr>
+            <p:ph type="title"/>
+          </p:nvPr>
+        </p:nvSpPr>
+        <p:spPr>
+          <a:xfrm>
+            <a:off x="838200" y="365125"/>
+            <a:ext cx="10515600" cy="1325563"/>
+          </a:xfrm>
+        </p:spPr>
+        <p:txBody>
+          <a:bodyPr/>
+          <a:lstStyle/>
+          <a:p>
+            <a:r>
+              <a:rPr kumimoji="1" lang="en-US" altLang="zh-CN" dirty="0" smtClean="0"/>
+              <a:t>MVC</a:t>
+            </a:r>
+            <a:r>
+              <a:rPr kumimoji="1" lang="zh-CN" altLang="en-US" dirty="0" smtClean="0"/>
+              <a:t>结构的组件</a:t>
+            </a:r>
+            <a:endParaRPr kumimoji="1" lang="zh-CN" altLang="en-US" dirty="0"/>
+          </a:p>
+        </p:txBody>
+      </p:sp>
     </p:spTree>
     <p:extLst>
       <p:ext uri="{BB962C8B-B14F-4D97-AF65-F5344CB8AC3E}">
-        <p14:creationId xmlns:p14="http://schemas.microsoft.com/office/powerpoint/2010/main" val="437494350"/>
+        <p14:creationId xmlns:p14="http://schemas.microsoft.com/office/powerpoint/2010/main" val="1788037627"/>
       </p:ext>
     </p:extLst>
   </p:cSld>
@@ -6230,40 +8078,128 @@
             <p:ph type="title"/>
           </p:nvPr>
         </p:nvSpPr>
-        <p:spPr/>
-        <p:txBody>
-          <a:bodyPr/>
+        <p:spPr>
+          <a:xfrm>
+            <a:off x="838200" y="182880"/>
+            <a:ext cx="10515600" cy="1382077"/>
+          </a:xfrm>
+        </p:spPr>
+        <p:txBody>
+          <a:bodyPr>
+            <a:normAutofit/>
+          </a:bodyPr>
           <a:lstStyle/>
           <a:p>
             <a:r>
               <a:rPr kumimoji="1" lang="zh-CN" altLang="en-US" dirty="0" smtClean="0"/>
-              <a:t>增加类成员，</a:t>
-            </a:r>
-            <a:r>
-              <a:rPr kumimoji="1" lang="en-US" altLang="zh-CN" dirty="0" err="1" smtClean="0"/>
-              <a:t>config</a:t>
-            </a:r>
-            <a:r>
-              <a:rPr kumimoji="1" lang="zh-CN" altLang="en-US" dirty="0" smtClean="0"/>
-              <a:t>，</a:t>
+              <a:t>实战</a:t>
             </a:r>
             <a:r>
               <a:rPr kumimoji="1" lang="en-US" altLang="zh-CN" dirty="0" smtClean="0"/>
-              <a:t>items</a:t>
+              <a:t>1</a:t>
+            </a:r>
+            <a:r>
+              <a:rPr kumimoji="1" lang="zh-CN" altLang="en-US" dirty="0"/>
+              <a:t>：</a:t>
+            </a:r>
+            <a:r>
+              <a:rPr kumimoji="1" lang="zh-CN" altLang="en-US" dirty="0" smtClean="0"/>
+              <a:t>组件化图片</a:t>
+            </a:r>
+            <a:r>
+              <a:rPr kumimoji="1" lang="zh-CN" altLang="en-US" dirty="0"/>
+              <a:t>上传</a:t>
+            </a:r>
+            <a:r>
+              <a:rPr kumimoji="1" lang="zh-CN" altLang="en-US" dirty="0" smtClean="0"/>
+              <a:t>模块</a:t>
             </a:r>
             <a:endParaRPr kumimoji="1" lang="zh-CN" altLang="en-US" dirty="0"/>
+          </a:p>
+        </p:txBody>
+      </p:sp>
+      <p:sp>
+        <p:nvSpPr>
+          <p:cNvPr id="3" name="内容占位符 2"/>
+          <p:cNvSpPr>
+            <a:spLocks noGrp="1"/>
+          </p:cNvSpPr>
+          <p:nvPr>
+            <p:ph idx="1"/>
+          </p:nvPr>
+        </p:nvSpPr>
+        <p:spPr>
+          <a:xfrm>
+            <a:off x="838200" y="1602898"/>
+            <a:ext cx="10515600" cy="4063683"/>
+          </a:xfrm>
+        </p:spPr>
+        <p:txBody>
+          <a:bodyPr>
+            <a:normAutofit/>
+          </a:bodyPr>
+          <a:lstStyle/>
+          <a:p>
+            <a:pPr lvl="1"/>
+            <a:r>
+              <a:rPr kumimoji="1" lang="zh-CN" altLang="en-US" sz="2800" dirty="0" smtClean="0">
+                <a:solidFill>
+                  <a:schemeClr val="accent6"/>
+                </a:solidFill>
+              </a:rPr>
+              <a:t>简介：</a:t>
+            </a:r>
+            <a:r>
+              <a:rPr kumimoji="1" lang="zh-CN" altLang="en-US" sz="2800" dirty="0" smtClean="0"/>
+              <a:t>在后台的编辑过程中，很多上传位置都用到了图片上传，为了实现代码的重用，将图片上传模块化</a:t>
+            </a:r>
+            <a:endParaRPr kumimoji="1" lang="en-US" altLang="zh-CN" sz="2800" dirty="0"/>
+          </a:p>
+          <a:p>
+            <a:pPr lvl="1"/>
+            <a:endParaRPr kumimoji="1" lang="en-US" altLang="zh-CN" sz="2800" dirty="0" smtClean="0"/>
+          </a:p>
+          <a:p>
+            <a:pPr lvl="1"/>
+            <a:r>
+              <a:rPr kumimoji="1" lang="zh-CN" altLang="en-US" sz="2800" dirty="0" smtClean="0">
+                <a:solidFill>
+                  <a:schemeClr val="accent6"/>
+                </a:solidFill>
+              </a:rPr>
+              <a:t>例子</a:t>
+            </a:r>
+            <a:r>
+              <a:rPr kumimoji="1" lang="zh-CN" altLang="en-US" sz="2800" dirty="0">
+                <a:solidFill>
+                  <a:schemeClr val="accent6"/>
+                </a:solidFill>
+              </a:rPr>
+              <a:t>步骤一</a:t>
+            </a:r>
+            <a:r>
+              <a:rPr kumimoji="1" lang="zh-CN" altLang="en-US" sz="2800" dirty="0" smtClean="0">
+                <a:solidFill>
+                  <a:schemeClr val="accent6"/>
+                </a:solidFill>
+              </a:rPr>
+              <a:t>：</a:t>
+            </a:r>
+            <a:r>
+              <a:rPr kumimoji="1" lang="zh-CN" altLang="en-US" sz="2800" dirty="0" smtClean="0"/>
+              <a:t>创建图片上传类</a:t>
+            </a:r>
+            <a:endParaRPr kumimoji="1" lang="en-US" altLang="zh-CN" sz="2800" dirty="0" smtClean="0"/>
           </a:p>
         </p:txBody>
       </p:sp>
       <p:pic>
         <p:nvPicPr>
-          <p:cNvPr id="4" name="内容占位符 3"/>
+          <p:cNvPr id="5" name="图片 4"/>
           <p:cNvPicPr>
-            <a:picLocks noGrp="1" noChangeAspect="1"/>
+            <a:picLocks noChangeAspect="1"/>
           </p:cNvPicPr>
-          <p:nvPr>
-            <p:ph idx="1"/>
-          </p:nvPr>
+          <p:nvPr/>
         </p:nvPicPr>
         <p:blipFill>
           <a:blip r:embed="rId2">
@@ -6279,35 +8215,8 @@
         </p:blipFill>
         <p:spPr>
           <a:xfrm>
-            <a:off x="1241688" y="1690688"/>
-            <a:ext cx="5849991" cy="4351338"/>
-          </a:xfrm>
-        </p:spPr>
-      </p:pic>
-      <p:pic>
-        <p:nvPicPr>
-          <p:cNvPr id="5" name="图片 4"/>
-          <p:cNvPicPr>
-            <a:picLocks noChangeAspect="1"/>
-          </p:cNvPicPr>
-          <p:nvPr/>
-        </p:nvPicPr>
-        <p:blipFill>
-          <a:blip r:embed="rId3">
-            <a:extLst>
-              <a:ext uri="{28A0092B-C50C-407E-A947-70E740481C1C}">
-                <a14:useLocalDpi xmlns:a14="http://schemas.microsoft.com/office/drawing/2010/main" val="0"/>
-              </a:ext>
-            </a:extLst>
-          </a:blip>
-          <a:stretch>
-            <a:fillRect/>
-          </a:stretch>
-        </p:blipFill>
-        <p:spPr>
-          <a:xfrm>
-            <a:off x="7495167" y="1690688"/>
-            <a:ext cx="3314700" cy="1828800"/>
+            <a:off x="2948940" y="3367881"/>
+            <a:ext cx="5562600" cy="2298700"/>
           </a:xfrm>
           <a:prstGeom prst="rect">
             <a:avLst/>
@@ -6317,7 +8226,7 @@
     </p:spTree>
     <p:extLst>
       <p:ext uri="{BB962C8B-B14F-4D97-AF65-F5344CB8AC3E}">
-        <p14:creationId xmlns:p14="http://schemas.microsoft.com/office/powerpoint/2010/main" val="2005577729"/>
+        <p14:creationId xmlns:p14="http://schemas.microsoft.com/office/powerpoint/2010/main" val="437494350"/>
       </p:ext>
     </p:extLst>
   </p:cSld>
